--- a/doc/PTM.pptx
+++ b/doc/PTM.pptx
@@ -17915,8 +17915,12 @@
           <a:lstStyle/>
           <a:p>
             <a:r>
-              <a:rPr lang="de-DE" dirty="0" err="1" smtClean="0"/>
-              <a:t>What</a:t>
+              <a:rPr lang="de-DE" dirty="0" smtClean="0"/>
+              <a:t>So </a:t>
+            </a:r>
+            <a:r>
+              <a:rPr lang="de-DE" dirty="0" err="1" smtClean="0"/>
+              <a:t>what</a:t>
             </a:r>
             <a:r>
               <a:rPr lang="de-DE" dirty="0" smtClean="0"/>

--- a/doc/PTM.pptx
+++ b/doc/PTM.pptx
@@ -514,11 +514,11 @@
           <c:showPercent val="0"/>
           <c:showBubbleSize val="0"/>
         </c:dLbls>
-        <c:axId val="1044151616"/>
-        <c:axId val="1044155968"/>
+        <c:axId val="-810716000"/>
+        <c:axId val="-810718176"/>
       </c:scatterChart>
       <c:valAx>
-        <c:axId val="1044151616"/>
+        <c:axId val="-810716000"/>
         <c:scaling>
           <c:orientation val="minMax"/>
         </c:scaling>
@@ -636,12 +636,12 @@
             <a:endParaRPr lang="en-US"/>
           </a:p>
         </c:txPr>
-        <c:crossAx val="1044155968"/>
+        <c:crossAx val="-810718176"/>
         <c:crosses val="autoZero"/>
         <c:crossBetween val="midCat"/>
       </c:valAx>
       <c:valAx>
-        <c:axId val="1044155968"/>
+        <c:axId val="-810718176"/>
         <c:scaling>
           <c:orientation val="minMax"/>
         </c:scaling>
@@ -755,7 +755,7 @@
             <a:endParaRPr lang="en-US"/>
           </a:p>
         </c:txPr>
-        <c:crossAx val="1044151616"/>
+        <c:crossAx val="-810716000"/>
         <c:crosses val="autoZero"/>
         <c:crossBetween val="midCat"/>
       </c:valAx>
@@ -1030,11 +1030,11 @@
           <c:showBubbleSize val="0"/>
         </c:dLbls>
         <c:smooth val="0"/>
-        <c:axId val="1044151072"/>
-        <c:axId val="1044142912"/>
+        <c:axId val="-810714912"/>
+        <c:axId val="-810711104"/>
       </c:lineChart>
       <c:catAx>
-        <c:axId val="1044151072"/>
+        <c:axId val="-810714912"/>
         <c:scaling>
           <c:orientation val="minMax"/>
         </c:scaling>
@@ -1137,7 +1137,7 @@
             <a:endParaRPr lang="en-US"/>
           </a:p>
         </c:txPr>
-        <c:crossAx val="1044142912"/>
+        <c:crossAx val="-810711104"/>
         <c:crosses val="autoZero"/>
         <c:auto val="1"/>
         <c:lblAlgn val="ctr"/>
@@ -1145,7 +1145,7 @@
         <c:noMultiLvlLbl val="0"/>
       </c:catAx>
       <c:valAx>
-        <c:axId val="1044142912"/>
+        <c:axId val="-810711104"/>
         <c:scaling>
           <c:orientation val="minMax"/>
         </c:scaling>
@@ -1252,7 +1252,7 @@
             <a:endParaRPr lang="en-US"/>
           </a:p>
         </c:txPr>
-        <c:crossAx val="1044151072"/>
+        <c:crossAx val="-810714912"/>
         <c:crosses val="autoZero"/>
         <c:crossBetween val="between"/>
       </c:valAx>
@@ -3375,11 +3375,11 @@
           <c:showPercent val="0"/>
           <c:showBubbleSize val="0"/>
         </c:dLbls>
-        <c:axId val="1044148352"/>
-        <c:axId val="874175232"/>
+        <c:axId val="-981858800"/>
+        <c:axId val="-615956880"/>
       </c:scatterChart>
       <c:valAx>
-        <c:axId val="1044148352"/>
+        <c:axId val="-981858800"/>
         <c:scaling>
           <c:orientation val="minMax"/>
         </c:scaling>
@@ -3492,12 +3492,12 @@
             <a:endParaRPr lang="en-US"/>
           </a:p>
         </c:txPr>
-        <c:crossAx val="874175232"/>
+        <c:crossAx val="-615956880"/>
         <c:crosses val="autoZero"/>
         <c:crossBetween val="midCat"/>
       </c:valAx>
       <c:valAx>
-        <c:axId val="874175232"/>
+        <c:axId val="-615956880"/>
         <c:scaling>
           <c:orientation val="minMax"/>
         </c:scaling>
@@ -3610,7 +3610,7 @@
             <a:endParaRPr lang="en-US"/>
           </a:p>
         </c:txPr>
-        <c:crossAx val="1044148352"/>
+        <c:crossAx val="-981858800"/>
         <c:crosses val="autoZero"/>
         <c:crossBetween val="midCat"/>
       </c:valAx>
@@ -4784,11 +4784,11 @@
           <c:showPercent val="0"/>
           <c:showBubbleSize val="0"/>
         </c:dLbls>
-        <c:axId val="1242734624"/>
-        <c:axId val="1242735712"/>
+        <c:axId val="-615948720"/>
+        <c:axId val="-615948176"/>
       </c:scatterChart>
       <c:valAx>
-        <c:axId val="1242734624"/>
+        <c:axId val="-615948720"/>
         <c:scaling>
           <c:orientation val="minMax"/>
         </c:scaling>
@@ -4901,12 +4901,12 @@
             <a:endParaRPr lang="en-US"/>
           </a:p>
         </c:txPr>
-        <c:crossAx val="1242735712"/>
+        <c:crossAx val="-615948176"/>
         <c:crosses val="autoZero"/>
         <c:crossBetween val="midCat"/>
       </c:valAx>
       <c:valAx>
-        <c:axId val="1242735712"/>
+        <c:axId val="-615948176"/>
         <c:scaling>
           <c:orientation val="minMax"/>
         </c:scaling>
@@ -5019,7 +5019,7 @@
             <a:endParaRPr lang="en-US"/>
           </a:p>
         </c:txPr>
-        <c:crossAx val="1242734624"/>
+        <c:crossAx val="-615948720"/>
         <c:crosses val="autoZero"/>
         <c:crossBetween val="midCat"/>
       </c:valAx>
@@ -10900,7 +10900,6 @@
               <a:rPr lang="de-DE" dirty="0" smtClean="0"/>
               <a:t>).</a:t>
             </a:r>
-            <a:endParaRPr lang="de-DE" dirty="0" smtClean="0"/>
           </a:p>
           <a:p>
             <a:r>
@@ -10943,7 +10942,6 @@
               <a:rPr lang="de-DE" dirty="0" smtClean="0"/>
               <a:t>:</a:t>
             </a:r>
-            <a:endParaRPr lang="de-DE" dirty="0" smtClean="0"/>
           </a:p>
           <a:p>
             <a:pPr lvl="1"/>
@@ -10999,7 +10997,6 @@
               <a:rPr lang="de-DE" dirty="0" smtClean="0"/>
               <a:t>).</a:t>
             </a:r>
-            <a:endParaRPr lang="de-DE" dirty="0" smtClean="0"/>
           </a:p>
           <a:p>
             <a:pPr lvl="1"/>
@@ -11055,7 +11052,6 @@
               <a:rPr lang="de-DE" dirty="0" smtClean="0"/>
               <a:t>:</a:t>
             </a:r>
-            <a:endParaRPr lang="de-DE" dirty="0" smtClean="0"/>
           </a:p>
           <a:p>
             <a:pPr lvl="2"/>
@@ -11121,13 +11117,8 @@
             </a:r>
             <a:r>
               <a:rPr lang="de-DE" dirty="0" smtClean="0"/>
-              <a:t> at a </a:t>
-            </a:r>
-            <a:r>
-              <a:rPr lang="de-DE" dirty="0" smtClean="0"/>
-              <a:t>time,</a:t>
-            </a:r>
-            <a:endParaRPr lang="de-DE" dirty="0" smtClean="0"/>
+              <a:t> at a time,</a:t>
+            </a:r>
           </a:p>
           <a:p>
             <a:pPr lvl="2"/>
@@ -11262,7 +11253,6 @@
               <a:rPr lang="de-DE" dirty="0" smtClean="0"/>
               <a:t>.</a:t>
             </a:r>
-            <a:endParaRPr lang="de-DE" dirty="0" smtClean="0"/>
           </a:p>
           <a:p>
             <a:pPr lvl="2"/>
@@ -11420,13 +11410,8 @@
             </a:r>
             <a:r>
               <a:rPr lang="de-DE" sz="2400" dirty="0" smtClean="0"/>
-              <a:t> </a:t>
-            </a:r>
-            <a:r>
-              <a:rPr lang="de-DE" sz="2400" dirty="0" smtClean="0"/>
-              <a:t>PTM.</a:t>
-            </a:r>
-            <a:endParaRPr lang="de-DE" sz="2400" dirty="0" smtClean="0"/>
+              <a:t> PTM.</a:t>
+            </a:r>
           </a:p>
           <a:p>
             <a:r>
@@ -11811,13 +11796,8 @@
             </a:r>
             <a:r>
               <a:rPr lang="de-DE" sz="2400" dirty="0" smtClean="0"/>
-              <a:t> </a:t>
-            </a:r>
-            <a:r>
-              <a:rPr lang="de-DE" sz="2400" dirty="0" smtClean="0"/>
-              <a:t>intensive. </a:t>
-            </a:r>
-            <a:endParaRPr lang="de-DE" sz="2400" dirty="0" smtClean="0"/>
+              <a:t> intensive. </a:t>
+            </a:r>
           </a:p>
           <a:p>
             <a:pPr lvl="1"/>
@@ -12282,7 +12262,6 @@
               <a:rPr lang="de-DE" dirty="0" smtClean="0"/>
               <a:t>),</a:t>
             </a:r>
-            <a:endParaRPr lang="de-DE" dirty="0" smtClean="0"/>
           </a:p>
           <a:p>
             <a:pPr lvl="1"/>
@@ -12342,7 +12321,6 @@
               <a:rPr lang="de-DE" b="1" dirty="0" smtClean="0"/>
               <a:t>.</a:t>
             </a:r>
-            <a:endParaRPr lang="de-DE" b="1" dirty="0" smtClean="0"/>
           </a:p>
           <a:p>
             <a:pPr lvl="1"/>
@@ -12983,8 +12961,8 @@
           </a:p>
         </p:txBody>
       </p:sp>
-      <mc:AlternateContent xmlns:mc="http://schemas.openxmlformats.org/markup-compatibility/2006">
-        <mc:Choice xmlns:a14="http://schemas.microsoft.com/office/drawing/2010/main" Requires="a14">
+      <mc:AlternateContent xmlns:mc="http://schemas.openxmlformats.org/markup-compatibility/2006" xmlns:a14="http://schemas.microsoft.com/office/drawing/2010/main">
+        <mc:Choice Requires="a14">
           <p:sp>
             <p:nvSpPr>
               <p:cNvPr id="3" name="Inhaltsplatzhalter 2"/>
@@ -13377,11 +13355,7 @@
                 </a:r>
                 <a:r>
                   <a:rPr lang="de-DE" sz="2400" dirty="0" smtClean="0"/>
-                  <a:t> </a:t>
-                </a:r>
-                <a:r>
-                  <a:rPr lang="de-DE" sz="2400" dirty="0" smtClean="0"/>
-                  <a:t>t(w) </a:t>
+                  <a:t> t(w) </a:t>
                 </a:r>
                 <a:r>
                   <a:rPr lang="de-DE" sz="2400" dirty="0" err="1" smtClean="0"/>
@@ -13812,13 +13786,8 @@
                 </a:r>
                 <a:r>
                   <a:rPr lang="de-DE" sz="2400" b="1" dirty="0" smtClean="0"/>
-                  <a:t> </a:t>
-                </a:r>
-                <a:r>
-                  <a:rPr lang="de-DE" sz="2400" b="1" dirty="0" smtClean="0"/>
-                  <a:t>V.</a:t>
-                </a:r>
-                <a:endParaRPr lang="de-DE" sz="2400" b="1" dirty="0" smtClean="0"/>
+                  <a:t> V.</a:t>
+                </a:r>
               </a:p>
               <a:p>
                 <a:r>
@@ -13935,7 +13904,7 @@
             </p:txBody>
           </p:sp>
         </mc:Choice>
-        <mc:Fallback>
+        <mc:Fallback xmlns="">
           <p:sp>
             <p:nvSpPr>
               <p:cNvPr id="3" name="Inhaltsplatzhalter 2"/>
@@ -14034,8 +14003,8 @@
           </a:p>
         </p:txBody>
       </p:sp>
-      <mc:AlternateContent xmlns:mc="http://schemas.openxmlformats.org/markup-compatibility/2006">
-        <mc:Choice xmlns:a14="http://schemas.microsoft.com/office/drawing/2010/main" Requires="a14">
+      <mc:AlternateContent xmlns:mc="http://schemas.openxmlformats.org/markup-compatibility/2006" xmlns:a14="http://schemas.microsoft.com/office/drawing/2010/main">
+        <mc:Choice Requires="a14">
           <p:sp>
             <p:nvSpPr>
               <p:cNvPr id="3" name="Inhaltsplatzhalter 2"/>
@@ -14177,13 +14146,8 @@
                 </a:r>
                 <a:r>
                   <a:rPr lang="de-DE" sz="1800" dirty="0" smtClean="0"/>
-                  <a:t> </a:t>
-                </a:r>
-                <a:r>
-                  <a:rPr lang="de-DE" sz="1800" dirty="0" smtClean="0"/>
-                  <a:t>like:</a:t>
-                </a:r>
-                <a:endParaRPr lang="de-DE" sz="1800" dirty="0" smtClean="0"/>
+                  <a:t> like:</a:t>
+                </a:r>
               </a:p>
               <a:p>
                 <a:pPr marL="457200" lvl="1" indent="0">
@@ -14396,7 +14360,6 @@
                   <a:rPr lang="de-DE" sz="1800" dirty="0" smtClean="0"/>
                   <a:t>),</a:t>
                 </a:r>
-                <a:endParaRPr lang="de-DE" sz="1800" dirty="0" smtClean="0"/>
               </a:p>
               <a:p>
                 <a:pPr marL="514350" indent="-514350">
@@ -14790,7 +14753,6 @@
                   <a:rPr lang="de-DE" sz="2000" dirty="0" smtClean="0"/>
                   <a:t>, </a:t>
                 </a:r>
-                <a:endParaRPr lang="de-DE" sz="2000" dirty="0" smtClean="0"/>
               </a:p>
               <a:p>
                 <a:pPr marL="514350" indent="-514350">
@@ -14861,7 +14823,6 @@
                   <a:rPr lang="de-DE" sz="2000" dirty="0" smtClean="0"/>
                   <a:t>“,</a:t>
                 </a:r>
-                <a:endParaRPr lang="de-DE" sz="2000" dirty="0" smtClean="0"/>
               </a:p>
               <a:p>
                 <a:pPr lvl="1"/>
@@ -14970,7 +14931,7 @@
             </p:txBody>
           </p:sp>
         </mc:Choice>
-        <mc:Fallback>
+        <mc:Fallback xmlns="">
           <p:sp>
             <p:nvSpPr>
               <p:cNvPr id="3" name="Inhaltsplatzhalter 2"/>
@@ -15140,7 +15101,6 @@
               <a:rPr lang="en-AU" sz="2000" dirty="0" smtClean="0"/>
               <a:t>LDA:</a:t>
             </a:r>
-            <a:endParaRPr lang="en-AU" sz="2000" dirty="0" smtClean="0"/>
           </a:p>
           <a:p>
             <a:r>
@@ -15187,7 +15147,6 @@
               <a:rPr lang="de-DE" sz="2000" dirty="0" smtClean="0"/>
               <a:t>,</a:t>
             </a:r>
-            <a:endParaRPr lang="de-DE" sz="2000" dirty="0" smtClean="0"/>
           </a:p>
           <a:p>
             <a:r>
@@ -15250,7 +15209,6 @@
               <a:rPr lang="de-DE" sz="2000" dirty="0" smtClean="0"/>
               <a:t>,</a:t>
             </a:r>
-            <a:endParaRPr lang="de-DE" sz="2000" dirty="0" smtClean="0"/>
           </a:p>
           <a:p>
             <a:r>
@@ -15259,13 +15217,8 @@
             </a:r>
             <a:r>
               <a:rPr lang="de-DE" sz="2000" dirty="0" smtClean="0"/>
-              <a:t>5575, |C| = </a:t>
-            </a:r>
-            <a:r>
-              <a:rPr lang="de-DE" sz="2000" dirty="0" smtClean="0"/>
-              <a:t>2946,</a:t>
-            </a:r>
-            <a:endParaRPr lang="de-DE" sz="2000" dirty="0" smtClean="0"/>
+              <a:t>5575, |C| = 2946,</a:t>
+            </a:r>
           </a:p>
           <a:p>
             <a:r>
@@ -15584,7 +15537,6 @@
               <a:rPr lang="de-DE" sz="2000" dirty="0" smtClean="0"/>
               <a:t> LDA).</a:t>
             </a:r>
-            <a:endParaRPr lang="de-DE" sz="2000" dirty="0" smtClean="0"/>
           </a:p>
           <a:p>
             <a:r>
@@ -15801,11 +15753,7 @@
             </a:r>
             <a:r>
               <a:rPr lang="de-DE" dirty="0" smtClean="0"/>
-              <a:t>“ </a:t>
-            </a:r>
-            <a:r>
-              <a:rPr lang="de-DE" dirty="0" smtClean="0"/>
-              <a:t>(1)</a:t>
+              <a:t>“ (1)</a:t>
             </a:r>
             <a:endParaRPr lang="en-AU" dirty="0"/>
           </a:p>
@@ -15845,11 +15793,7 @@
             </a:r>
             <a:r>
               <a:rPr lang="de-DE" dirty="0" err="1" smtClean="0"/>
-              <a:t>p</a:t>
-            </a:r>
-            <a:r>
-              <a:rPr lang="de-DE" dirty="0" err="1" smtClean="0"/>
-              <a:t>artitioning</a:t>
+              <a:t>partitioning</a:t>
             </a:r>
             <a:r>
               <a:rPr lang="de-DE" dirty="0" smtClean="0"/>
@@ -16164,17 +16108,133 @@
               <a:rPr lang="de-DE" dirty="0" smtClean="0"/>
               <a:t>:</a:t>
             </a:r>
+          </a:p>
+          <a:p>
+            <a:pPr lvl="1"/>
+            <a:r>
+              <a:rPr lang="de-DE" dirty="0" smtClean="0"/>
+              <a:t>Working </a:t>
+            </a:r>
+            <a:r>
+              <a:rPr lang="de-DE" dirty="0" err="1" smtClean="0"/>
+              <a:t>with</a:t>
+            </a:r>
+            <a:r>
+              <a:rPr lang="de-DE" dirty="0" smtClean="0"/>
+              <a:t> a </a:t>
+            </a:r>
+            <a:r>
+              <a:rPr lang="de-DE" dirty="0" err="1" smtClean="0"/>
+              <a:t>document</a:t>
+            </a:r>
+            <a:r>
+              <a:rPr lang="de-DE" dirty="0" smtClean="0"/>
+              <a:t> </a:t>
+            </a:r>
+            <a:r>
+              <a:rPr lang="de-DE" dirty="0" err="1" smtClean="0"/>
+              <a:t>collection</a:t>
+            </a:r>
+            <a:r>
+              <a:rPr lang="de-DE" dirty="0" smtClean="0"/>
+              <a:t> D</a:t>
+            </a:r>
+          </a:p>
+          <a:p>
+            <a:pPr lvl="1"/>
+            <a:r>
+              <a:rPr lang="de-DE" dirty="0" smtClean="0"/>
+              <a:t>Word </a:t>
+            </a:r>
+            <a:r>
+              <a:rPr lang="de-DE" dirty="0" err="1" smtClean="0"/>
+              <a:t>order</a:t>
+            </a:r>
+            <a:r>
+              <a:rPr lang="de-DE" dirty="0" smtClean="0"/>
+              <a:t> in a </a:t>
+            </a:r>
+            <a:r>
+              <a:rPr lang="de-DE" dirty="0" err="1" smtClean="0"/>
+              <a:t>document</a:t>
+            </a:r>
+            <a:r>
+              <a:rPr lang="de-DE" dirty="0" smtClean="0"/>
+              <a:t> d </a:t>
+            </a:r>
+            <a:r>
+              <a:rPr lang="de-DE" dirty="0" err="1" smtClean="0"/>
+              <a:t>is</a:t>
+            </a:r>
+            <a:r>
+              <a:rPr lang="de-DE" dirty="0" smtClean="0"/>
+              <a:t> </a:t>
+            </a:r>
+            <a:r>
+              <a:rPr lang="de-DE" dirty="0" err="1" smtClean="0"/>
+              <a:t>ignored</a:t>
+            </a:r>
             <a:endParaRPr lang="de-DE" dirty="0" smtClean="0"/>
           </a:p>
           <a:p>
+            <a:r>
+              <a:rPr lang="de-DE" dirty="0" err="1" smtClean="0"/>
+              <a:t>Similar</a:t>
+            </a:r>
+            <a:r>
+              <a:rPr lang="de-DE" dirty="0" smtClean="0"/>
+              <a:t> </a:t>
+            </a:r>
+            <a:r>
+              <a:rPr lang="de-DE" dirty="0" err="1" smtClean="0"/>
+              <a:t>to</a:t>
+            </a:r>
+            <a:r>
+              <a:rPr lang="de-DE" dirty="0" smtClean="0"/>
+              <a:t> </a:t>
+            </a:r>
+            <a:r>
+              <a:rPr lang="de-DE" dirty="0" err="1" smtClean="0"/>
+              <a:t>document</a:t>
+            </a:r>
+            <a:r>
+              <a:rPr lang="de-DE" dirty="0" smtClean="0"/>
+              <a:t> </a:t>
+            </a:r>
+            <a:r>
+              <a:rPr lang="de-DE" dirty="0" err="1" smtClean="0"/>
+              <a:t>clustering</a:t>
+            </a:r>
+            <a:r>
+              <a:rPr lang="de-DE" dirty="0" smtClean="0"/>
+              <a:t> (DC)</a:t>
+            </a:r>
+          </a:p>
+          <a:p>
             <a:pPr lvl="1"/>
             <a:r>
               <a:rPr lang="de-DE" dirty="0" smtClean="0"/>
-              <a:t>Working </a:t>
-            </a:r>
-            <a:r>
-              <a:rPr lang="de-DE" dirty="0" err="1" smtClean="0"/>
-              <a:t>with</a:t>
+              <a:t>DC: Group </a:t>
+            </a:r>
+            <a:r>
+              <a:rPr lang="de-DE" dirty="0" err="1" smtClean="0"/>
+              <a:t>documents</a:t>
+            </a:r>
+            <a:r>
+              <a:rPr lang="de-DE" dirty="0" smtClean="0"/>
+              <a:t> </a:t>
+            </a:r>
+            <a:r>
+              <a:rPr lang="de-DE" dirty="0" err="1" smtClean="0"/>
+              <a:t>according</a:t>
+            </a:r>
+            <a:r>
+              <a:rPr lang="de-DE" dirty="0" smtClean="0"/>
+              <a:t> </a:t>
+            </a:r>
+            <a:r>
+              <a:rPr lang="de-DE" dirty="0" err="1" smtClean="0"/>
+              <a:t>to</a:t>
             </a:r>
             <a:r>
               <a:rPr lang="de-DE" dirty="0" smtClean="0"/>
@@ -16182,128 +16242,6 @@
             </a:r>
             <a:r>
               <a:rPr lang="de-DE" dirty="0" err="1" smtClean="0"/>
-              <a:t>document</a:t>
-            </a:r>
-            <a:r>
-              <a:rPr lang="de-DE" dirty="0" smtClean="0"/>
-              <a:t> </a:t>
-            </a:r>
-            <a:r>
-              <a:rPr lang="de-DE" dirty="0" err="1" smtClean="0"/>
-              <a:t>collection</a:t>
-            </a:r>
-            <a:r>
-              <a:rPr lang="de-DE" dirty="0" smtClean="0"/>
-              <a:t> </a:t>
-            </a:r>
-            <a:r>
-              <a:rPr lang="de-DE" dirty="0" smtClean="0"/>
-              <a:t>D</a:t>
-            </a:r>
-            <a:endParaRPr lang="de-DE" dirty="0" smtClean="0"/>
-          </a:p>
-          <a:p>
-            <a:pPr lvl="1"/>
-            <a:r>
-              <a:rPr lang="de-DE" dirty="0" smtClean="0"/>
-              <a:t>Word </a:t>
-            </a:r>
-            <a:r>
-              <a:rPr lang="de-DE" dirty="0" err="1" smtClean="0"/>
-              <a:t>order</a:t>
-            </a:r>
-            <a:r>
-              <a:rPr lang="de-DE" dirty="0" smtClean="0"/>
-              <a:t> in a </a:t>
-            </a:r>
-            <a:r>
-              <a:rPr lang="de-DE" dirty="0" err="1" smtClean="0"/>
-              <a:t>document</a:t>
-            </a:r>
-            <a:r>
-              <a:rPr lang="de-DE" dirty="0" smtClean="0"/>
-              <a:t> d </a:t>
-            </a:r>
-            <a:r>
-              <a:rPr lang="de-DE" dirty="0" err="1" smtClean="0"/>
-              <a:t>is</a:t>
-            </a:r>
-            <a:r>
-              <a:rPr lang="de-DE" dirty="0" smtClean="0"/>
-              <a:t> </a:t>
-            </a:r>
-            <a:r>
-              <a:rPr lang="de-DE" dirty="0" err="1" smtClean="0"/>
-              <a:t>ignored</a:t>
-            </a:r>
-            <a:endParaRPr lang="de-DE" dirty="0" smtClean="0"/>
-          </a:p>
-          <a:p>
-            <a:r>
-              <a:rPr lang="de-DE" dirty="0" err="1" smtClean="0"/>
-              <a:t>Similar</a:t>
-            </a:r>
-            <a:r>
-              <a:rPr lang="de-DE" dirty="0" smtClean="0"/>
-              <a:t> </a:t>
-            </a:r>
-            <a:r>
-              <a:rPr lang="de-DE" dirty="0" err="1" smtClean="0"/>
-              <a:t>to</a:t>
-            </a:r>
-            <a:r>
-              <a:rPr lang="de-DE" dirty="0" smtClean="0"/>
-              <a:t> </a:t>
-            </a:r>
-            <a:r>
-              <a:rPr lang="de-DE" dirty="0" err="1" smtClean="0"/>
-              <a:t>document</a:t>
-            </a:r>
-            <a:r>
-              <a:rPr lang="de-DE" dirty="0" smtClean="0"/>
-              <a:t> </a:t>
-            </a:r>
-            <a:r>
-              <a:rPr lang="de-DE" dirty="0" err="1" smtClean="0"/>
-              <a:t>clustering</a:t>
-            </a:r>
-            <a:r>
-              <a:rPr lang="de-DE" dirty="0" smtClean="0"/>
-              <a:t> (DC)</a:t>
-            </a:r>
-          </a:p>
-          <a:p>
-            <a:pPr lvl="1"/>
-            <a:r>
-              <a:rPr lang="de-DE" dirty="0" smtClean="0"/>
-              <a:t>DC: Group </a:t>
-            </a:r>
-            <a:r>
-              <a:rPr lang="de-DE" dirty="0" err="1" smtClean="0"/>
-              <a:t>documents</a:t>
-            </a:r>
-            <a:r>
-              <a:rPr lang="de-DE" dirty="0" smtClean="0"/>
-              <a:t> </a:t>
-            </a:r>
-            <a:r>
-              <a:rPr lang="de-DE" dirty="0" err="1" smtClean="0"/>
-              <a:t>according</a:t>
-            </a:r>
-            <a:r>
-              <a:rPr lang="de-DE" dirty="0" smtClean="0"/>
-              <a:t> </a:t>
-            </a:r>
-            <a:r>
-              <a:rPr lang="de-DE" dirty="0" err="1" smtClean="0"/>
-              <a:t>to</a:t>
-            </a:r>
-            <a:r>
-              <a:rPr lang="de-DE" dirty="0" smtClean="0"/>
-              <a:t> a </a:t>
-            </a:r>
-            <a:r>
-              <a:rPr lang="de-DE" dirty="0" err="1" smtClean="0"/>
               <a:t>distance</a:t>
             </a:r>
             <a:r>
@@ -16350,13 +16288,8 @@
             </a:r>
             <a:r>
               <a:rPr lang="de-DE" dirty="0" smtClean="0"/>
-              <a:t> Topic </a:t>
-            </a:r>
-            <a:r>
-              <a:rPr lang="de-DE" dirty="0" smtClean="0"/>
-              <a:t>Modeling:</a:t>
-            </a:r>
-            <a:endParaRPr lang="de-DE" dirty="0" smtClean="0"/>
+              <a:t> Topic Modeling:</a:t>
+            </a:r>
           </a:p>
           <a:p>
             <a:pPr lvl="1"/>
@@ -16366,11 +16299,7 @@
             </a:r>
             <a:r>
               <a:rPr lang="de-DE" b="1" dirty="0" smtClean="0"/>
-              <a:t>ind </a:t>
-            </a:r>
-            <a:r>
-              <a:rPr lang="de-DE" b="1" dirty="0" smtClean="0"/>
-              <a:t>latent </a:t>
+              <a:t>ind latent </a:t>
             </a:r>
             <a:r>
               <a:rPr lang="de-DE" b="1" dirty="0" err="1" smtClean="0"/>
@@ -16382,13 +16311,8 @@
             </a:r>
             <a:r>
               <a:rPr lang="de-DE" dirty="0" smtClean="0"/>
-              <a:t>in </a:t>
-            </a:r>
-            <a:r>
-              <a:rPr lang="de-DE" dirty="0" smtClean="0"/>
-              <a:t>D.</a:t>
-            </a:r>
-            <a:endParaRPr lang="de-DE" dirty="0" smtClean="0"/>
+              <a:t>in D.</a:t>
+            </a:r>
           </a:p>
           <a:p>
             <a:pPr lvl="1"/>
@@ -16402,11 +16326,7 @@
             </a:r>
             <a:r>
               <a:rPr lang="de-DE" dirty="0" smtClean="0"/>
-              <a:t> </a:t>
-            </a:r>
-            <a:r>
-              <a:rPr lang="de-DE" dirty="0" smtClean="0"/>
-              <a:t>d </a:t>
+              <a:t> d </a:t>
             </a:r>
             <a:r>
               <a:rPr lang="de-DE" dirty="0" err="1" smtClean="0"/>
@@ -16464,7 +16384,6 @@
               <a:rPr lang="de-DE" dirty="0" smtClean="0"/>
               <a:t> t.</a:t>
             </a:r>
-            <a:endParaRPr lang="de-DE" dirty="0" smtClean="0"/>
           </a:p>
           <a:p>
             <a:pPr lvl="1"/>
@@ -16502,11 +16421,7 @@
             </a:r>
             <a:r>
               <a:rPr lang="de-DE" dirty="0" smtClean="0"/>
-              <a:t> </a:t>
-            </a:r>
-            <a:r>
-              <a:rPr lang="de-DE" dirty="0" smtClean="0"/>
-              <a:t>D.</a:t>
+              <a:t> D.</a:t>
             </a:r>
             <a:endParaRPr lang="de-DE" dirty="0"/>
           </a:p>
@@ -17681,8 +17596,13 @@
             </a:r>
             <a:r>
               <a:rPr lang="de-DE" dirty="0" smtClean="0"/>
-              <a:t>∙ |C|)</a:t>
-            </a:r>
+              <a:t>∙ </a:t>
+            </a:r>
+            <a:r>
+              <a:rPr lang="de-DE" dirty="0" smtClean="0"/>
+              <a:t>|D|)</a:t>
+            </a:r>
+            <a:endParaRPr lang="de-DE" dirty="0" smtClean="0"/>
           </a:p>
           <a:p>
             <a:r>
@@ -17722,7 +17642,23 @@
             </a:r>
             <a:r>
               <a:rPr lang="de-DE" dirty="0" smtClean="0"/>
-              <a:t> C = 16.000 </a:t>
+              <a:t> </a:t>
+            </a:r>
+            <a:r>
+              <a:rPr lang="de-DE" dirty="0" smtClean="0"/>
+              <a:t>|</a:t>
+            </a:r>
+            <a:r>
+              <a:rPr lang="de-DE" dirty="0" smtClean="0"/>
+              <a:t>D| </a:t>
+            </a:r>
+            <a:r>
+              <a:rPr lang="de-DE" dirty="0" smtClean="0"/>
+              <a:t>= </a:t>
+            </a:r>
+            <a:r>
+              <a:rPr lang="de-DE" dirty="0" smtClean="0"/>
+              <a:t>16.000 </a:t>
             </a:r>
             <a:r>
               <a:rPr lang="de-DE" dirty="0" err="1" smtClean="0"/>
@@ -17738,7 +17674,15 @@
             </a:r>
             <a:r>
               <a:rPr lang="de-DE" dirty="0"/>
-              <a:t> V = </a:t>
+              <a:t> </a:t>
+            </a:r>
+            <a:r>
+              <a:rPr lang="de-DE" dirty="0" smtClean="0"/>
+              <a:t>|V| </a:t>
+            </a:r>
+            <a:r>
+              <a:rPr lang="de-DE" dirty="0"/>
+              <a:t>= </a:t>
             </a:r>
             <a:r>
               <a:rPr lang="de-DE" dirty="0" smtClean="0"/>
@@ -18315,8 +18259,8 @@
           </a:p>
         </p:txBody>
       </p:sp>
-      <mc:AlternateContent xmlns:mc="http://schemas.openxmlformats.org/markup-compatibility/2006">
-        <mc:Choice xmlns:a14="http://schemas.microsoft.com/office/drawing/2010/main" Requires="a14">
+      <mc:AlternateContent xmlns:mc="http://schemas.openxmlformats.org/markup-compatibility/2006" xmlns:a14="http://schemas.microsoft.com/office/drawing/2010/main">
+        <mc:Choice Requires="a14">
           <p:sp>
             <p:nvSpPr>
               <p:cNvPr id="3" name="Inhaltsplatzhalter 2"/>
@@ -18353,11 +18297,7 @@
                 </a:r>
                 <a:r>
                   <a:rPr lang="de-DE" sz="2400" b="1" dirty="0" smtClean="0"/>
-                  <a:t> </a:t>
-                </a:r>
-                <a:r>
-                  <a:rPr lang="de-DE" sz="2400" b="1" dirty="0" smtClean="0"/>
-                  <a:t>D </a:t>
+                  <a:t> D </a:t>
                 </a:r>
                 <a:r>
                   <a:rPr lang="de-DE" sz="2400" b="1" dirty="0" err="1" smtClean="0"/>
@@ -18399,7 +18339,6 @@
                   <a:rPr lang="de-DE" sz="2400" b="1" dirty="0" smtClean="0"/>
                   <a:t>.</a:t>
                 </a:r>
-                <a:endParaRPr lang="de-DE" sz="2400" b="1" dirty="0" smtClean="0"/>
               </a:p>
               <a:p>
                 <a:r>
@@ -18494,7 +18433,6 @@
                   <a:rPr lang="de-DE" sz="2400" dirty="0" smtClean="0"/>
                   <a:t>.</a:t>
                 </a:r>
-                <a:endParaRPr lang="de-DE" sz="2400" dirty="0" smtClean="0"/>
               </a:p>
               <a:p>
                 <a:pPr>
@@ -18587,17 +18525,8 @@
                   <a:rPr lang="de-DE" sz="2400" dirty="0" smtClean="0">
                     <a:sym typeface="Wingdings" panose="05000000000000000000" pitchFamily="2" charset="2"/>
                   </a:rPr>
-                  <a:t> </a:t>
-                </a:r>
-                <a:r>
-                  <a:rPr lang="de-DE" sz="2400" dirty="0" smtClean="0">
-                    <a:sym typeface="Wingdings" panose="05000000000000000000" pitchFamily="2" charset="2"/>
-                  </a:rPr>
-                  <a:t>D.</a:t>
-                </a:r>
-                <a:endParaRPr lang="de-DE" sz="2400" dirty="0" smtClean="0">
-                  <a:sym typeface="Wingdings" panose="05000000000000000000" pitchFamily="2" charset="2"/>
-                </a:endParaRPr>
+                  <a:t> D.</a:t>
+                </a:r>
               </a:p>
               <a:p>
                 <a:pPr marL="0" indent="0">
@@ -18882,7 +18811,7 @@
             </p:txBody>
           </p:sp>
         </mc:Choice>
-        <mc:Fallback>
+        <mc:Fallback xmlns="">
           <p:sp>
             <p:nvSpPr>
               <p:cNvPr id="3" name="Inhaltsplatzhalter 2"/>
@@ -19208,8 +19137,8 @@
           </a:p>
         </p:txBody>
       </p:sp>
-      <mc:AlternateContent xmlns:mc="http://schemas.openxmlformats.org/markup-compatibility/2006">
-        <mc:Choice xmlns:a14="http://schemas.microsoft.com/office/drawing/2010/main" Requires="a14">
+      <mc:AlternateContent xmlns:mc="http://schemas.openxmlformats.org/markup-compatibility/2006" xmlns:a14="http://schemas.microsoft.com/office/drawing/2010/main">
+        <mc:Choice Requires="a14">
           <p:sp>
             <p:nvSpPr>
               <p:cNvPr id="3" name="Inhaltsplatzhalter 2"/>
@@ -19299,13 +19228,8 @@
                 </a:r>
                 <a:r>
                   <a:rPr lang="de-DE" dirty="0" smtClean="0"/>
-                  <a:t> </a:t>
-                </a:r>
-                <a:r>
-                  <a:rPr lang="de-DE" dirty="0" smtClean="0"/>
-                  <a:t>V.</a:t>
-                </a:r>
-                <a:endParaRPr lang="de-DE" dirty="0" smtClean="0"/>
+                  <a:t> V.</a:t>
+                </a:r>
               </a:p>
               <a:p>
                 <a:r>
@@ -19677,7 +19601,7 @@
             </p:txBody>
           </p:sp>
         </mc:Choice>
-        <mc:Fallback>
+        <mc:Fallback xmlns="">
           <p:sp>
             <p:nvSpPr>
               <p:cNvPr id="3" name="Inhaltsplatzhalter 2"/>
@@ -19878,8 +19802,8 @@
           </a:p>
         </p:txBody>
       </p:sp>
-      <mc:AlternateContent xmlns:mc="http://schemas.openxmlformats.org/markup-compatibility/2006">
-        <mc:Choice xmlns:a14="http://schemas.microsoft.com/office/drawing/2010/main" Requires="a14">
+      <mc:AlternateContent xmlns:mc="http://schemas.openxmlformats.org/markup-compatibility/2006" xmlns:a14="http://schemas.microsoft.com/office/drawing/2010/main">
+        <mc:Choice Requires="a14">
           <p:sp>
             <p:nvSpPr>
               <p:cNvPr id="3" name="Inhaltsplatzhalter 2"/>
@@ -19967,7 +19891,6 @@
                   <a:rPr lang="de-DE" sz="2400" dirty="0" smtClean="0"/>
                   <a:t> T.</a:t>
                 </a:r>
-                <a:endParaRPr lang="de-DE" sz="2400" dirty="0" smtClean="0"/>
               </a:p>
               <a:p>
                 <a:r>
@@ -20042,7 +19965,6 @@
                   <a:rPr lang="de-DE" sz="2400" dirty="0" smtClean="0"/>
                   <a:t> t.</a:t>
                 </a:r>
-                <a:endParaRPr lang="de-DE" sz="2400" dirty="0" smtClean="0"/>
               </a:p>
               <a:p>
                 <a:r>
@@ -20057,7 +19979,6 @@
                   <a:rPr lang="de-DE" sz="2400" dirty="0" smtClean="0"/>
                   <a:t>:</a:t>
                 </a:r>
-                <a:endParaRPr lang="de-DE" sz="2400" dirty="0" smtClean="0"/>
               </a:p>
               <a:p>
                 <a:pPr lvl="1"/>
@@ -20529,7 +20450,7 @@
             </p:txBody>
           </p:sp>
         </mc:Choice>
-        <mc:Fallback>
+        <mc:Fallback xmlns="">
           <p:sp>
             <p:nvSpPr>
               <p:cNvPr id="3" name="Inhaltsplatzhalter 2"/>
@@ -20630,11 +20551,7 @@
             </a:r>
             <a:r>
               <a:rPr lang="de-DE" dirty="0" smtClean="0"/>
-              <a:t> </a:t>
-            </a:r>
-            <a:r>
-              <a:rPr lang="de-DE" dirty="0" smtClean="0"/>
-              <a:t>(LDA) (1)</a:t>
+              <a:t> (LDA) (1)</a:t>
             </a:r>
             <a:endParaRPr lang="de-DE" dirty="0"/>
           </a:p>
@@ -20709,20 +20626,14 @@
             </a:r>
             <a:r>
               <a:rPr lang="de-DE" dirty="0" smtClean="0"/>
-              <a:t>) via </a:t>
-            </a:r>
-            <a:r>
-              <a:rPr lang="de-DE" dirty="0" smtClean="0"/>
-              <a:t>D.</a:t>
-            </a:r>
-            <a:endParaRPr lang="de-DE" dirty="0" smtClean="0"/>
+              <a:t>) via D.</a:t>
+            </a:r>
           </a:p>
           <a:p>
             <a:r>
               <a:rPr lang="de-DE" dirty="0" smtClean="0"/>
               <a:t>Problem:</a:t>
             </a:r>
-            <a:endParaRPr lang="de-DE" dirty="0" smtClean="0"/>
           </a:p>
           <a:p>
             <a:pPr lvl="1"/>
@@ -20806,14 +20717,12 @@
               <a:rPr lang="de-DE" dirty="0" smtClean="0"/>
               <a:t>).</a:t>
             </a:r>
-            <a:endParaRPr lang="de-DE" dirty="0" smtClean="0"/>
           </a:p>
           <a:p>
             <a:r>
               <a:rPr lang="de-DE" dirty="0" smtClean="0"/>
               <a:t>Help:</a:t>
             </a:r>
-            <a:endParaRPr lang="de-DE" dirty="0" smtClean="0"/>
           </a:p>
           <a:p>
             <a:pPr lvl="1"/>
@@ -20917,7 +20826,6 @@
               <a:rPr lang="de-DE" dirty="0" smtClean="0"/>
               <a:t>.</a:t>
             </a:r>
-            <a:endParaRPr lang="de-DE" dirty="0" smtClean="0"/>
           </a:p>
           <a:p>
             <a:pPr lvl="1"/>
@@ -20973,7 +20881,6 @@
               <a:rPr lang="de-DE" dirty="0" smtClean="0"/>
               <a:t>).</a:t>
             </a:r>
-            <a:endParaRPr lang="de-DE" dirty="0" smtClean="0"/>
           </a:p>
           <a:p>
             <a:r>
@@ -21408,8 +21315,8 @@
           </a:p>
         </p:txBody>
       </p:sp>
-      <mc:AlternateContent xmlns:mc="http://schemas.openxmlformats.org/markup-compatibility/2006">
-        <mc:Choice xmlns:a14="http://schemas.microsoft.com/office/drawing/2010/main" Requires="a14">
+      <mc:AlternateContent xmlns:mc="http://schemas.openxmlformats.org/markup-compatibility/2006" xmlns:a14="http://schemas.microsoft.com/office/drawing/2010/main">
+        <mc:Choice Requires="a14">
           <p:sp>
             <p:nvSpPr>
               <p:cNvPr id="3" name="Inhaltsplatzhalter 2"/>
@@ -21458,13 +21365,8 @@
                 </a:r>
                 <a:r>
                   <a:rPr lang="de-DE" dirty="0" smtClean="0"/>
-                  <a:t> </a:t>
-                </a:r>
-                <a:r>
-                  <a:rPr lang="de-DE" dirty="0" smtClean="0"/>
-                  <a:t>LDA,</a:t>
-                </a:r>
-                <a:endParaRPr lang="de-DE" dirty="0" smtClean="0"/>
+                  <a:t> LDA,</a:t>
+                </a:r>
               </a:p>
               <a:p>
                 <a:pPr lvl="1"/>
@@ -21550,11 +21452,7 @@
                 </a:r>
                 <a:r>
                   <a:rPr lang="de-DE" dirty="0" smtClean="0"/>
-                  <a:t> </a:t>
-                </a:r>
-                <a:r>
-                  <a:rPr lang="de-DE" dirty="0" smtClean="0"/>
-                  <a:t>d</a:t>
+                  <a:t> d</a:t>
                 </a:r>
                 <a:r>
                   <a:rPr lang="de-DE" baseline="-25000" dirty="0" smtClean="0"/>
@@ -21570,11 +21468,7 @@
                 </a:r>
                 <a:r>
                   <a:rPr lang="de-DE" dirty="0" smtClean="0"/>
-                  <a:t> </a:t>
-                </a:r>
-                <a:r>
-                  <a:rPr lang="de-DE" dirty="0" smtClean="0"/>
-                  <a:t>d</a:t>
+                  <a:t> d</a:t>
                 </a:r>
                 <a:r>
                   <a:rPr lang="de-DE" baseline="-25000" dirty="0" smtClean="0"/>
@@ -21602,11 +21496,7 @@
                 </a:r>
                 <a:r>
                   <a:rPr lang="de-DE" dirty="0" smtClean="0"/>
-                  <a:t> </a:t>
-                </a:r>
-                <a:r>
-                  <a:rPr lang="de-DE" dirty="0" smtClean="0"/>
-                  <a:t>out“ p(</a:t>
+                  <a:t> out“ p(</a:t>
                 </a:r>
                 <a:r>
                   <a:rPr lang="de-DE" dirty="0" err="1" smtClean="0"/>
@@ -21646,11 +21536,7 @@
                 </a:r>
                 <a:r>
                   <a:rPr lang="de-DE" dirty="0" smtClean="0"/>
-                  <a:t> </a:t>
-                </a:r>
-                <a:r>
-                  <a:rPr lang="de-DE" dirty="0" smtClean="0"/>
-                  <a:t>d</a:t>
+                  <a:t> d</a:t>
                 </a:r>
                 <a:r>
                   <a:rPr lang="de-DE" baseline="-25000" dirty="0" smtClean="0"/>
@@ -21718,13 +21604,8 @@
                 </a:r>
                 <a:r>
                   <a:rPr lang="de-DE" dirty="0" smtClean="0"/>
-                  <a:t> </a:t>
-                </a:r>
-                <a:r>
-                  <a:rPr lang="de-DE" dirty="0" smtClean="0"/>
-                  <a:t>D.</a:t>
-                </a:r>
-                <a:endParaRPr lang="de-DE" dirty="0" smtClean="0"/>
+                  <a:t> D.</a:t>
+                </a:r>
               </a:p>
               <a:p>
                 <a:r>
@@ -21996,13 +21877,8 @@
                 </a:r>
                 <a:r>
                   <a:rPr lang="de-DE" dirty="0" smtClean="0"/>
-                  <a:t> </a:t>
-                </a:r>
-                <a:r>
-                  <a:rPr lang="de-DE" dirty="0" smtClean="0"/>
-                  <a:t>D.</a:t>
-                </a:r>
-                <a:endParaRPr lang="de-DE" dirty="0" smtClean="0"/>
+                  <a:t> D.</a:t>
+                </a:r>
               </a:p>
               <a:p>
                 <a:r>
@@ -22097,7 +21973,7 @@
             </p:txBody>
           </p:sp>
         </mc:Choice>
-        <mc:Fallback>
+        <mc:Fallback xmlns="">
           <p:sp>
             <p:nvSpPr>
               <p:cNvPr id="3" name="Inhaltsplatzhalter 2"/>

--- a/doc/PTM.pptx
+++ b/doc/PTM.pptx
@@ -5,7 +5,7 @@
     <p:sldMasterId id="2147483648" r:id="rId1"/>
   </p:sldMasterIdLst>
   <p:notesMasterIdLst>
-    <p:notesMasterId r:id="rId26"/>
+    <p:notesMasterId r:id="rId25"/>
   </p:notesMasterIdLst>
   <p:sldIdLst>
     <p:sldId id="256" r:id="rId2"/>
@@ -31,7 +31,6 @@
     <p:sldId id="278" r:id="rId22"/>
     <p:sldId id="279" r:id="rId23"/>
     <p:sldId id="280" r:id="rId24"/>
-    <p:sldId id="281" r:id="rId25"/>
   </p:sldIdLst>
   <p:sldSz cx="12192000" cy="6858000"/>
   <p:notesSz cx="6858000" cy="9144000"/>
@@ -514,11 +513,11 @@
           <c:showPercent val="0"/>
           <c:showBubbleSize val="0"/>
         </c:dLbls>
-        <c:axId val="-810716000"/>
-        <c:axId val="-810718176"/>
+        <c:axId val="-1518132624"/>
+        <c:axId val="-1518132080"/>
       </c:scatterChart>
       <c:valAx>
-        <c:axId val="-810716000"/>
+        <c:axId val="-1518132624"/>
         <c:scaling>
           <c:orientation val="minMax"/>
         </c:scaling>
@@ -636,12 +635,12 @@
             <a:endParaRPr lang="en-US"/>
           </a:p>
         </c:txPr>
-        <c:crossAx val="-810718176"/>
+        <c:crossAx val="-1518132080"/>
         <c:crosses val="autoZero"/>
         <c:crossBetween val="midCat"/>
       </c:valAx>
       <c:valAx>
-        <c:axId val="-810718176"/>
+        <c:axId val="-1518132080"/>
         <c:scaling>
           <c:orientation val="minMax"/>
         </c:scaling>
@@ -755,7 +754,7 @@
             <a:endParaRPr lang="en-US"/>
           </a:p>
         </c:txPr>
-        <c:crossAx val="-810716000"/>
+        <c:crossAx val="-1518132624"/>
         <c:crosses val="autoZero"/>
         <c:crossBetween val="midCat"/>
       </c:valAx>
@@ -1030,11 +1029,11 @@
           <c:showBubbleSize val="0"/>
         </c:dLbls>
         <c:smooth val="0"/>
-        <c:axId val="-810714912"/>
-        <c:axId val="-810711104"/>
+        <c:axId val="-1778508912"/>
+        <c:axId val="-1408129488"/>
       </c:lineChart>
       <c:catAx>
-        <c:axId val="-810714912"/>
+        <c:axId val="-1778508912"/>
         <c:scaling>
           <c:orientation val="minMax"/>
         </c:scaling>
@@ -1137,7 +1136,7 @@
             <a:endParaRPr lang="en-US"/>
           </a:p>
         </c:txPr>
-        <c:crossAx val="-810711104"/>
+        <c:crossAx val="-1408129488"/>
         <c:crosses val="autoZero"/>
         <c:auto val="1"/>
         <c:lblAlgn val="ctr"/>
@@ -1145,7 +1144,7 @@
         <c:noMultiLvlLbl val="0"/>
       </c:catAx>
       <c:valAx>
-        <c:axId val="-810711104"/>
+        <c:axId val="-1408129488"/>
         <c:scaling>
           <c:orientation val="minMax"/>
         </c:scaling>
@@ -1252,7 +1251,7 @@
             <a:endParaRPr lang="en-US"/>
           </a:p>
         </c:txPr>
-        <c:crossAx val="-810714912"/>
+        <c:crossAx val="-1778508912"/>
         <c:crosses val="autoZero"/>
         <c:crossBetween val="between"/>
       </c:valAx>
@@ -3375,11 +3374,11 @@
           <c:showPercent val="0"/>
           <c:showBubbleSize val="0"/>
         </c:dLbls>
-        <c:axId val="-981858800"/>
-        <c:axId val="-615956880"/>
+        <c:axId val="-1408118608"/>
+        <c:axId val="-1408130032"/>
       </c:scatterChart>
       <c:valAx>
-        <c:axId val="-981858800"/>
+        <c:axId val="-1408118608"/>
         <c:scaling>
           <c:orientation val="minMax"/>
         </c:scaling>
@@ -3492,12 +3491,12 @@
             <a:endParaRPr lang="en-US"/>
           </a:p>
         </c:txPr>
-        <c:crossAx val="-615956880"/>
+        <c:crossAx val="-1408130032"/>
         <c:crosses val="autoZero"/>
         <c:crossBetween val="midCat"/>
       </c:valAx>
       <c:valAx>
-        <c:axId val="-615956880"/>
+        <c:axId val="-1408130032"/>
         <c:scaling>
           <c:orientation val="minMax"/>
         </c:scaling>
@@ -3610,7 +3609,7 @@
             <a:endParaRPr lang="en-US"/>
           </a:p>
         </c:txPr>
-        <c:crossAx val="-981858800"/>
+        <c:crossAx val="-1408118608"/>
         <c:crosses val="autoZero"/>
         <c:crossBetween val="midCat"/>
       </c:valAx>
@@ -4784,11 +4783,11 @@
           <c:showPercent val="0"/>
           <c:showBubbleSize val="0"/>
         </c:dLbls>
-        <c:axId val="-615948720"/>
-        <c:axId val="-615948176"/>
+        <c:axId val="-1408131664"/>
+        <c:axId val="-1408128944"/>
       </c:scatterChart>
       <c:valAx>
-        <c:axId val="-615948720"/>
+        <c:axId val="-1408131664"/>
         <c:scaling>
           <c:orientation val="minMax"/>
         </c:scaling>
@@ -4901,12 +4900,12 @@
             <a:endParaRPr lang="en-US"/>
           </a:p>
         </c:txPr>
-        <c:crossAx val="-615948176"/>
+        <c:crossAx val="-1408128944"/>
         <c:crosses val="autoZero"/>
         <c:crossBetween val="midCat"/>
       </c:valAx>
       <c:valAx>
-        <c:axId val="-615948176"/>
+        <c:axId val="-1408128944"/>
         <c:scaling>
           <c:orientation val="minMax"/>
         </c:scaling>
@@ -5019,7 +5018,7 @@
             <a:endParaRPr lang="en-US"/>
           </a:p>
         </c:txPr>
-        <c:crossAx val="-615948720"/>
+        <c:crossAx val="-1408131664"/>
         <c:crosses val="autoZero"/>
         <c:crossBetween val="midCat"/>
       </c:valAx>
@@ -10632,49 +10631,49 @@
           <a:lstStyle/>
           <a:p>
             <a:r>
-              <a:rPr lang="de-DE" smtClean="0"/>
-              <a:t>Ultra Quick </a:t>
-            </a:r>
-            <a:r>
-              <a:rPr lang="en-GB" smtClean="0"/>
+              <a:rPr lang="de-DE" dirty="0" smtClean="0"/>
+              <a:t>An </a:t>
+            </a:r>
+            <a:r>
+              <a:rPr lang="en-GB" dirty="0" smtClean="0"/>
               <a:t>Introduction</a:t>
             </a:r>
             <a:r>
-              <a:rPr lang="de-DE" smtClean="0"/>
-              <a:t> </a:t>
-            </a:r>
-            <a:r>
-              <a:rPr lang="de-DE" err="1" smtClean="0"/>
+              <a:rPr lang="de-DE" dirty="0" smtClean="0"/>
+              <a:t> </a:t>
+            </a:r>
+            <a:r>
+              <a:rPr lang="de-DE" dirty="0" err="1" smtClean="0"/>
               <a:t>to</a:t>
             </a:r>
             <a:r>
-              <a:rPr lang="de-DE" smtClean="0"/>
+              <a:rPr lang="de-DE" dirty="0" smtClean="0"/>
               <a:t/>
             </a:r>
             <a:br>
-              <a:rPr lang="de-DE" smtClean="0"/>
+              <a:rPr lang="de-DE" dirty="0" smtClean="0"/>
             </a:br>
             <a:r>
-              <a:rPr lang="de-DE" err="1" smtClean="0"/>
+              <a:rPr lang="de-DE" dirty="0" err="1" smtClean="0"/>
               <a:t>Probabilistic</a:t>
             </a:r>
             <a:r>
-              <a:rPr lang="de-DE" smtClean="0"/>
+              <a:rPr lang="de-DE" dirty="0" smtClean="0"/>
               <a:t> Topic Modeling, LDA </a:t>
             </a:r>
             <a:r>
-              <a:rPr lang="de-DE" err="1" smtClean="0"/>
+              <a:rPr lang="de-DE" dirty="0" err="1" smtClean="0"/>
               <a:t>and</a:t>
             </a:r>
             <a:r>
-              <a:rPr lang="de-DE" smtClean="0"/>
+              <a:rPr lang="de-DE" dirty="0" smtClean="0"/>
               <a:t> Topic </a:t>
             </a:r>
             <a:r>
-              <a:rPr lang="de-DE" err="1" smtClean="0"/>
+              <a:rPr lang="de-DE" dirty="0" err="1" smtClean="0"/>
               <a:t>Grouper</a:t>
             </a:r>
-            <a:endParaRPr lang="de-DE"/>
+            <a:endParaRPr lang="de-DE" dirty="0"/>
           </a:p>
         </p:txBody>
       </p:sp>
@@ -10694,10 +10693,18 @@
           <a:lstStyle/>
           <a:p>
             <a:r>
-              <a:rPr lang="de-DE" smtClean="0"/>
-              <a:t>Daniel Pfeifer, June 6 2016</a:t>
-            </a:r>
-            <a:endParaRPr lang="de-DE"/>
+              <a:rPr lang="de-DE" dirty="0" smtClean="0"/>
+              <a:t>Daniel Pfeifer, June </a:t>
+            </a:r>
+            <a:r>
+              <a:rPr lang="de-DE" dirty="0" smtClean="0"/>
+              <a:t>16 </a:t>
+            </a:r>
+            <a:r>
+              <a:rPr lang="de-DE" dirty="0" smtClean="0"/>
+              <a:t>2016</a:t>
+            </a:r>
+            <a:endParaRPr lang="de-DE" dirty="0"/>
           </a:p>
         </p:txBody>
       </p:sp>
@@ -10771,509 +10778,590 @@
             <p:ph idx="1"/>
           </p:nvPr>
         </p:nvSpPr>
-        <p:spPr/>
+        <p:spPr>
+          <a:xfrm>
+            <a:off x="838199" y="1825625"/>
+            <a:ext cx="10612821" cy="4351338"/>
+          </a:xfrm>
+        </p:spPr>
         <p:txBody>
-          <a:bodyPr/>
+          <a:bodyPr>
+            <a:normAutofit/>
+          </a:bodyPr>
           <a:lstStyle/>
           <a:p>
             <a:r>
-              <a:rPr lang="de-DE" dirty="0" smtClean="0"/>
-              <a:t>The integral </a:t>
-            </a:r>
-            <a:r>
-              <a:rPr lang="de-DE" dirty="0" err="1" smtClean="0"/>
+              <a:rPr lang="de-DE" sz="2400" dirty="0" err="1" smtClean="0"/>
+              <a:t>Using</a:t>
+            </a:r>
+            <a:r>
+              <a:rPr lang="de-DE" sz="2400" dirty="0" smtClean="0"/>
+              <a:t> </a:t>
+            </a:r>
+            <a:r>
+              <a:rPr lang="el-GR" sz="2400" dirty="0"/>
+              <a:t>α</a:t>
+            </a:r>
+            <a:r>
+              <a:rPr lang="de-DE" sz="2400" dirty="0"/>
+              <a:t> </a:t>
+            </a:r>
+            <a:r>
+              <a:rPr lang="de-DE" sz="2400" dirty="0" err="1"/>
+              <a:t>and</a:t>
+            </a:r>
+            <a:r>
+              <a:rPr lang="de-DE" sz="2400" dirty="0"/>
+              <a:t> </a:t>
+            </a:r>
+            <a:r>
+              <a:rPr lang="el-GR" sz="2400" dirty="0"/>
+              <a:t>β</a:t>
+            </a:r>
+            <a:r>
+              <a:rPr lang="de-DE" sz="2400" dirty="0"/>
+              <a:t> </a:t>
+            </a:r>
+            <a:r>
+              <a:rPr lang="de-DE" sz="2400" dirty="0" err="1" smtClean="0"/>
+              <a:t>one</a:t>
+            </a:r>
+            <a:r>
+              <a:rPr lang="de-DE" sz="2400" dirty="0" smtClean="0"/>
+              <a:t> </a:t>
+            </a:r>
+            <a:r>
+              <a:rPr lang="de-DE" sz="2400" dirty="0" err="1" smtClean="0"/>
+              <a:t>can</a:t>
+            </a:r>
+            <a:r>
+              <a:rPr lang="de-DE" sz="2400" dirty="0" smtClean="0"/>
+              <a:t> </a:t>
+            </a:r>
+            <a:r>
+              <a:rPr lang="de-DE" sz="2400" dirty="0" err="1" smtClean="0"/>
+              <a:t>define</a:t>
+            </a:r>
+            <a:r>
+              <a:rPr lang="de-DE" sz="2400" dirty="0" smtClean="0"/>
+              <a:t> an integral </a:t>
+            </a:r>
+            <a:r>
+              <a:rPr lang="de-DE" sz="2400" dirty="0" err="1" smtClean="0"/>
               <a:t>for</a:t>
             </a:r>
             <a:r>
-              <a:rPr lang="de-DE" dirty="0" smtClean="0"/>
-              <a:t> LDA </a:t>
-            </a:r>
-            <a:r>
-              <a:rPr lang="de-DE" dirty="0" err="1" smtClean="0"/>
+              <a:rPr lang="de-DE" sz="2400" dirty="0" smtClean="0"/>
+              <a:t> </a:t>
+            </a:r>
+            <a:r>
+              <a:rPr lang="de-DE" sz="2400" dirty="0" err="1" smtClean="0"/>
+              <a:t>the</a:t>
+            </a:r>
+            <a:r>
+              <a:rPr lang="de-DE" sz="2400" dirty="0" smtClean="0"/>
+              <a:t> </a:t>
+            </a:r>
+            <a:r>
+              <a:rPr lang="de-DE" sz="2400" dirty="0" err="1" smtClean="0"/>
+              <a:t>expectation</a:t>
+            </a:r>
+            <a:r>
+              <a:rPr lang="de-DE" sz="2400" dirty="0" smtClean="0"/>
+              <a:t> </a:t>
+            </a:r>
+            <a:r>
+              <a:rPr lang="de-DE" sz="2400" dirty="0" err="1" smtClean="0"/>
+              <a:t>of</a:t>
+            </a:r>
+            <a:r>
+              <a:rPr lang="de-DE" sz="2400" dirty="0" smtClean="0"/>
+              <a:t> </a:t>
+            </a:r>
+            <a:r>
+              <a:rPr lang="de-DE" sz="2400" dirty="0"/>
+              <a:t>p(</a:t>
+            </a:r>
+            <a:r>
+              <a:rPr lang="de-DE" sz="2400" dirty="0" err="1"/>
+              <a:t>w|t</a:t>
+            </a:r>
+            <a:r>
+              <a:rPr lang="de-DE" sz="2400" dirty="0"/>
+              <a:t>) </a:t>
+            </a:r>
+            <a:r>
+              <a:rPr lang="de-DE" sz="2400" dirty="0" err="1"/>
+              <a:t>and</a:t>
+            </a:r>
+            <a:r>
+              <a:rPr lang="de-DE" sz="2400" dirty="0"/>
+              <a:t> p(</a:t>
+            </a:r>
+            <a:r>
+              <a:rPr lang="de-DE" sz="2400" dirty="0" err="1"/>
+              <a:t>w|d</a:t>
+            </a:r>
+            <a:r>
+              <a:rPr lang="de-DE" sz="2400" dirty="0" smtClean="0"/>
+              <a:t>). </a:t>
+            </a:r>
+            <a:r>
+              <a:rPr lang="de-DE" sz="2400" dirty="0" smtClean="0">
+                <a:sym typeface="Wingdings" panose="05000000000000000000" pitchFamily="2" charset="2"/>
+              </a:rPr>
+              <a:t> „</a:t>
+            </a:r>
+            <a:r>
+              <a:rPr lang="de-DE" sz="2400" dirty="0" err="1" smtClean="0">
+                <a:sym typeface="Wingdings" panose="05000000000000000000" pitchFamily="2" charset="2"/>
+              </a:rPr>
+              <a:t>integrating</a:t>
+            </a:r>
+            <a:r>
+              <a:rPr lang="de-DE" sz="2400" dirty="0" smtClean="0">
+                <a:sym typeface="Wingdings" panose="05000000000000000000" pitchFamily="2" charset="2"/>
+              </a:rPr>
+              <a:t> out“</a:t>
+            </a:r>
+            <a:endParaRPr lang="de-DE" sz="2400" dirty="0" smtClean="0"/>
+          </a:p>
+          <a:p>
+            <a:r>
+              <a:rPr lang="de-DE" sz="2400" dirty="0" err="1" smtClean="0"/>
+              <a:t>However</a:t>
+            </a:r>
+            <a:r>
+              <a:rPr lang="de-DE" sz="2400" dirty="0" smtClean="0"/>
+              <a:t> </a:t>
+            </a:r>
+            <a:r>
+              <a:rPr lang="de-DE" sz="2400" dirty="0" err="1" smtClean="0"/>
+              <a:t>the</a:t>
+            </a:r>
+            <a:r>
+              <a:rPr lang="de-DE" sz="2400" dirty="0" smtClean="0"/>
+              <a:t> </a:t>
+            </a:r>
+            <a:r>
+              <a:rPr lang="de-DE" sz="2400" dirty="0" smtClean="0"/>
+              <a:t>integral </a:t>
+            </a:r>
+            <a:r>
+              <a:rPr lang="de-DE" sz="2400" dirty="0" err="1" smtClean="0"/>
               <a:t>cannot</a:t>
             </a:r>
             <a:r>
-              <a:rPr lang="de-DE" dirty="0" smtClean="0"/>
-              <a:t> </a:t>
-            </a:r>
-            <a:r>
-              <a:rPr lang="de-DE" dirty="0" err="1" smtClean="0"/>
+              <a:rPr lang="de-DE" sz="2400" dirty="0" smtClean="0"/>
+              <a:t> </a:t>
+            </a:r>
+            <a:r>
+              <a:rPr lang="de-DE" sz="2400" dirty="0" err="1" smtClean="0"/>
               <a:t>be</a:t>
             </a:r>
             <a:r>
-              <a:rPr lang="de-DE" dirty="0" smtClean="0"/>
-              <a:t> </a:t>
-            </a:r>
-            <a:r>
-              <a:rPr lang="de-DE" dirty="0" err="1" smtClean="0"/>
+              <a:rPr lang="de-DE" sz="2400" dirty="0" smtClean="0"/>
+              <a:t> </a:t>
+            </a:r>
+            <a:r>
+              <a:rPr lang="de-DE" sz="2400" dirty="0" err="1" smtClean="0"/>
               <a:t>solved</a:t>
             </a:r>
             <a:r>
-              <a:rPr lang="de-DE" dirty="0" smtClean="0"/>
-              <a:t> </a:t>
-            </a:r>
-            <a:r>
-              <a:rPr lang="de-DE" dirty="0" err="1" smtClean="0"/>
+              <a:rPr lang="de-DE" sz="2400" dirty="0" smtClean="0"/>
+              <a:t> </a:t>
+            </a:r>
+            <a:r>
+              <a:rPr lang="de-DE" sz="2400" dirty="0" err="1" smtClean="0"/>
               <a:t>analytically</a:t>
             </a:r>
             <a:r>
-              <a:rPr lang="de-DE" dirty="0" smtClean="0"/>
-              <a:t> </a:t>
-            </a:r>
-            <a:r>
-              <a:rPr lang="de-DE" dirty="0" err="1" smtClean="0"/>
-              <a:t>with</a:t>
-            </a:r>
-            <a:r>
-              <a:rPr lang="de-DE" dirty="0" smtClean="0"/>
-              <a:t> </a:t>
-            </a:r>
-            <a:r>
-              <a:rPr lang="de-DE" dirty="0" err="1" smtClean="0"/>
-              <a:t>regard</a:t>
-            </a:r>
-            <a:r>
-              <a:rPr lang="de-DE" dirty="0" smtClean="0"/>
-              <a:t> </a:t>
-            </a:r>
-            <a:r>
-              <a:rPr lang="de-DE" dirty="0" err="1" smtClean="0"/>
-              <a:t>to</a:t>
-            </a:r>
-            <a:r>
-              <a:rPr lang="de-DE" dirty="0" smtClean="0"/>
-              <a:t> </a:t>
-            </a:r>
-            <a:r>
-              <a:rPr lang="de-DE" dirty="0" err="1" smtClean="0"/>
+              <a:rPr lang="de-DE" sz="2400" dirty="0" smtClean="0"/>
+              <a:t>.</a:t>
+            </a:r>
+            <a:endParaRPr lang="de-DE" sz="2400" dirty="0" smtClean="0"/>
+          </a:p>
+          <a:p>
+            <a:r>
+              <a:rPr lang="de-DE" sz="2400" dirty="0" err="1" smtClean="0"/>
+              <a:t>Numerical</a:t>
+            </a:r>
+            <a:r>
+              <a:rPr lang="de-DE" sz="2400" dirty="0" smtClean="0"/>
+              <a:t> </a:t>
+            </a:r>
+            <a:r>
+              <a:rPr lang="de-DE" sz="2400" dirty="0" err="1" smtClean="0"/>
+              <a:t>approaches</a:t>
+            </a:r>
+            <a:r>
+              <a:rPr lang="de-DE" sz="2400" dirty="0" smtClean="0"/>
+              <a:t> </a:t>
+            </a:r>
+            <a:r>
+              <a:rPr lang="de-DE" sz="2400" dirty="0" err="1" smtClean="0"/>
+              <a:t>are</a:t>
+            </a:r>
+            <a:r>
+              <a:rPr lang="de-DE" sz="2400" dirty="0" smtClean="0"/>
+              <a:t> </a:t>
+            </a:r>
+            <a:r>
+              <a:rPr lang="de-DE" sz="2400" dirty="0" err="1" smtClean="0"/>
+              <a:t>used</a:t>
+            </a:r>
+            <a:r>
+              <a:rPr lang="de-DE" sz="2400" dirty="0" smtClean="0"/>
+              <a:t> </a:t>
+            </a:r>
+            <a:r>
+              <a:rPr lang="de-DE" sz="2400" dirty="0" err="1" smtClean="0"/>
+              <a:t>instead</a:t>
+            </a:r>
+            <a:r>
+              <a:rPr lang="de-DE" sz="2400" dirty="0" smtClean="0"/>
+              <a:t>:</a:t>
+            </a:r>
+          </a:p>
+          <a:p>
+            <a:pPr lvl="1"/>
+            <a:r>
+              <a:rPr lang="de-DE" sz="2000" dirty="0" smtClean="0"/>
+              <a:t>The </a:t>
+            </a:r>
+            <a:r>
+              <a:rPr lang="de-DE" sz="2000" dirty="0" err="1" smtClean="0"/>
+              <a:t>most</a:t>
+            </a:r>
+            <a:r>
+              <a:rPr lang="de-DE" sz="2000" dirty="0" smtClean="0"/>
+              <a:t> </a:t>
+            </a:r>
+            <a:r>
+              <a:rPr lang="de-DE" sz="2000" dirty="0" err="1" smtClean="0"/>
+              <a:t>popular</a:t>
+            </a:r>
+            <a:r>
+              <a:rPr lang="de-DE" sz="2000" dirty="0" smtClean="0"/>
+              <a:t> </a:t>
+            </a:r>
+            <a:r>
+              <a:rPr lang="de-DE" sz="2000" dirty="0" err="1" smtClean="0"/>
+              <a:t>is</a:t>
+            </a:r>
+            <a:r>
+              <a:rPr lang="de-DE" sz="2000" dirty="0" smtClean="0"/>
+              <a:t> </a:t>
+            </a:r>
+            <a:r>
+              <a:rPr lang="de-DE" sz="2000" dirty="0" err="1" smtClean="0"/>
               <a:t>the</a:t>
             </a:r>
             <a:r>
-              <a:rPr lang="de-DE" dirty="0" smtClean="0"/>
-              <a:t> </a:t>
-            </a:r>
-            <a:r>
-              <a:rPr lang="de-DE" dirty="0" err="1" smtClean="0"/>
-              <a:t>integrated</a:t>
-            </a:r>
-            <a:r>
-              <a:rPr lang="de-DE" dirty="0" smtClean="0"/>
-              <a:t> out </a:t>
-            </a:r>
-            <a:r>
-              <a:rPr lang="de-DE" dirty="0" err="1" smtClean="0"/>
-              <a:t>version</a:t>
-            </a:r>
-            <a:r>
-              <a:rPr lang="de-DE" dirty="0" smtClean="0"/>
-              <a:t> </a:t>
-            </a:r>
-            <a:r>
-              <a:rPr lang="de-DE" dirty="0" err="1" smtClean="0"/>
+              <a:rPr lang="de-DE" sz="2000" dirty="0" smtClean="0"/>
+              <a:t> „Gibbs </a:t>
+            </a:r>
+            <a:r>
+              <a:rPr lang="de-DE" sz="2000" dirty="0" err="1" smtClean="0"/>
+              <a:t>sampler</a:t>
+            </a:r>
+            <a:r>
+              <a:rPr lang="de-DE" sz="2000" dirty="0" smtClean="0"/>
+              <a:t>“ (</a:t>
+            </a:r>
+            <a:r>
+              <a:rPr lang="de-DE" sz="2000" dirty="0" err="1" smtClean="0"/>
+              <a:t>others</a:t>
+            </a:r>
+            <a:r>
+              <a:rPr lang="de-DE" sz="2000" dirty="0" smtClean="0"/>
+              <a:t> </a:t>
+            </a:r>
+            <a:r>
+              <a:rPr lang="de-DE" sz="2000" dirty="0" err="1" smtClean="0"/>
+              <a:t>exist</a:t>
+            </a:r>
+            <a:r>
+              <a:rPr lang="de-DE" sz="2000" dirty="0" smtClean="0"/>
+              <a:t>).</a:t>
+            </a:r>
+          </a:p>
+          <a:p>
+            <a:pPr lvl="1"/>
+            <a:r>
+              <a:rPr lang="de-DE" sz="2000" dirty="0" smtClean="0"/>
+              <a:t>Gibbs </a:t>
+            </a:r>
+            <a:r>
+              <a:rPr lang="de-DE" sz="2000" dirty="0" err="1" smtClean="0"/>
+              <a:t>sampling</a:t>
+            </a:r>
+            <a:r>
+              <a:rPr lang="de-DE" sz="2000" dirty="0" smtClean="0"/>
+              <a:t> </a:t>
+            </a:r>
+            <a:r>
+              <a:rPr lang="de-DE" sz="2000" dirty="0" err="1" smtClean="0"/>
+              <a:t>is</a:t>
+            </a:r>
+            <a:r>
+              <a:rPr lang="de-DE" sz="2000" dirty="0" smtClean="0"/>
+              <a:t> a </a:t>
+            </a:r>
+            <a:r>
+              <a:rPr lang="de-DE" sz="2000" dirty="0" err="1" smtClean="0"/>
+              <a:t>method</a:t>
+            </a:r>
+            <a:r>
+              <a:rPr lang="de-DE" sz="2000" dirty="0" smtClean="0"/>
+              <a:t> </a:t>
+            </a:r>
+            <a:r>
+              <a:rPr lang="de-DE" sz="2000" dirty="0" err="1" smtClean="0"/>
               <a:t>of</a:t>
             </a:r>
             <a:r>
-              <a:rPr lang="de-DE" dirty="0" smtClean="0"/>
-              <a:t> p(</a:t>
-            </a:r>
-            <a:r>
-              <a:rPr lang="de-DE" dirty="0" err="1" smtClean="0"/>
-              <a:t>w|t</a:t>
-            </a:r>
-            <a:r>
-              <a:rPr lang="de-DE" dirty="0" smtClean="0"/>
+              <a:rPr lang="de-DE" sz="2000" dirty="0" smtClean="0"/>
+              <a:t> </a:t>
+            </a:r>
+            <a:r>
+              <a:rPr lang="de-DE" sz="2000" dirty="0" err="1" smtClean="0"/>
+              <a:t>sampling</a:t>
+            </a:r>
+            <a:r>
+              <a:rPr lang="de-DE" sz="2000" dirty="0" smtClean="0"/>
+              <a:t> a multi-dimensional </a:t>
+            </a:r>
+            <a:r>
+              <a:rPr lang="de-DE" sz="2000" dirty="0" err="1" smtClean="0"/>
+              <a:t>distribution</a:t>
+            </a:r>
+            <a:r>
+              <a:rPr lang="de-DE" sz="2000" dirty="0" smtClean="0"/>
+              <a:t>:</a:t>
+            </a:r>
+          </a:p>
+          <a:p>
+            <a:pPr lvl="2"/>
+            <a:r>
+              <a:rPr lang="de-DE" sz="1800" dirty="0" err="1" smtClean="0"/>
+              <a:t>It</a:t>
+            </a:r>
+            <a:r>
+              <a:rPr lang="de-DE" sz="1800" dirty="0" smtClean="0"/>
+              <a:t> </a:t>
+            </a:r>
+            <a:r>
+              <a:rPr lang="de-DE" sz="1800" dirty="0" err="1" smtClean="0"/>
+              <a:t>works</a:t>
+            </a:r>
+            <a:r>
+              <a:rPr lang="de-DE" sz="1800" dirty="0" smtClean="0"/>
+              <a:t> </a:t>
+            </a:r>
+            <a:r>
+              <a:rPr lang="de-DE" sz="1800" dirty="0" err="1" smtClean="0"/>
+              <a:t>by</a:t>
+            </a:r>
+            <a:r>
+              <a:rPr lang="de-DE" sz="1800" dirty="0" smtClean="0"/>
+              <a:t> </a:t>
+            </a:r>
+            <a:r>
+              <a:rPr lang="de-DE" sz="1800" dirty="0" err="1" smtClean="0"/>
+              <a:t>sampling</a:t>
+            </a:r>
+            <a:r>
+              <a:rPr lang="de-DE" sz="1800" dirty="0" smtClean="0"/>
+              <a:t> a </a:t>
+            </a:r>
+            <a:r>
+              <a:rPr lang="de-DE" sz="1800" dirty="0" err="1" smtClean="0"/>
+              <a:t>long</a:t>
+            </a:r>
+            <a:r>
+              <a:rPr lang="de-DE" sz="1800" dirty="0" smtClean="0"/>
+              <a:t> </a:t>
+            </a:r>
+            <a:r>
+              <a:rPr lang="de-DE" sz="1800" dirty="0" err="1" smtClean="0"/>
+              <a:t>every</a:t>
+            </a:r>
+            <a:r>
+              <a:rPr lang="de-DE" sz="1800" dirty="0" smtClean="0"/>
+              <a:t> </a:t>
+            </a:r>
+            <a:r>
+              <a:rPr lang="de-DE" sz="1800" dirty="0" err="1" smtClean="0"/>
+              <a:t>dimension</a:t>
+            </a:r>
+            <a:r>
+              <a:rPr lang="de-DE" sz="1800" dirty="0" smtClean="0"/>
+              <a:t>, </a:t>
+            </a:r>
+            <a:r>
+              <a:rPr lang="de-DE" sz="1800" dirty="0" err="1" smtClean="0"/>
+              <a:t>one</a:t>
+            </a:r>
+            <a:r>
+              <a:rPr lang="de-DE" sz="1800" dirty="0" smtClean="0"/>
+              <a:t> at a time,</a:t>
+            </a:r>
+          </a:p>
+          <a:p>
+            <a:pPr lvl="2"/>
+            <a:r>
+              <a:rPr lang="de-DE" sz="1800" dirty="0" smtClean="0"/>
+              <a:t>„</a:t>
+            </a:r>
+            <a:r>
+              <a:rPr lang="de-DE" sz="1800" dirty="0" err="1" smtClean="0"/>
+              <a:t>Jumping</a:t>
+            </a:r>
+            <a:r>
+              <a:rPr lang="de-DE" sz="1800" dirty="0"/>
+              <a:t> </a:t>
+            </a:r>
+            <a:r>
+              <a:rPr lang="de-DE" sz="1800" dirty="0" err="1" smtClean="0"/>
+              <a:t>dots</a:t>
+            </a:r>
+            <a:r>
+              <a:rPr lang="de-DE" sz="1800" dirty="0" smtClean="0"/>
+              <a:t> </a:t>
+            </a:r>
+            <a:r>
+              <a:rPr lang="de-DE" sz="1800" dirty="0" err="1" smtClean="0"/>
+              <a:t>along</a:t>
+            </a:r>
+            <a:r>
+              <a:rPr lang="de-DE" sz="1800" dirty="0" smtClean="0"/>
+              <a:t> </a:t>
+            </a:r>
+            <a:r>
+              <a:rPr lang="de-DE" sz="1800" dirty="0" err="1" smtClean="0"/>
+              <a:t>the</a:t>
+            </a:r>
+            <a:r>
+              <a:rPr lang="de-DE" sz="1800" dirty="0" smtClean="0"/>
+              <a:t> </a:t>
+            </a:r>
+            <a:r>
+              <a:rPr lang="de-DE" sz="1800" dirty="0" err="1" smtClean="0"/>
+              <a:t>axis</a:t>
+            </a:r>
+            <a:r>
+              <a:rPr lang="de-DE" sz="1800" dirty="0" smtClean="0"/>
+              <a:t>“</a:t>
+            </a:r>
+          </a:p>
+          <a:p>
+            <a:pPr lvl="2"/>
+            <a:r>
+              <a:rPr lang="de-DE" sz="1800" dirty="0" smtClean="0"/>
+              <a:t>Over time (</a:t>
+            </a:r>
+            <a:r>
+              <a:rPr lang="de-DE" sz="1800" dirty="0" err="1" smtClean="0"/>
+              <a:t>iterations</a:t>
+            </a:r>
+            <a:r>
+              <a:rPr lang="de-DE" sz="1800" dirty="0" smtClean="0"/>
               <a:t>) </a:t>
             </a:r>
             <a:r>
-              <a:rPr lang="de-DE" dirty="0" err="1" smtClean="0"/>
-              <a:t>and</a:t>
-            </a:r>
-            <a:r>
-              <a:rPr lang="de-DE" dirty="0" smtClean="0"/>
-              <a:t> p(</a:t>
-            </a:r>
-            <a:r>
-              <a:rPr lang="de-DE" dirty="0" err="1" smtClean="0"/>
-              <a:t>w|d</a:t>
-            </a:r>
-            <a:r>
-              <a:rPr lang="de-DE" dirty="0" smtClean="0"/>
-              <a:t>).</a:t>
-            </a:r>
-          </a:p>
-          <a:p>
-            <a:r>
-              <a:rPr lang="de-DE" dirty="0" err="1" smtClean="0"/>
-              <a:t>Numerical</a:t>
-            </a:r>
-            <a:r>
-              <a:rPr lang="de-DE" dirty="0" smtClean="0"/>
-              <a:t> </a:t>
-            </a:r>
-            <a:r>
-              <a:rPr lang="de-DE" dirty="0" err="1" smtClean="0"/>
-              <a:t>approaches</a:t>
-            </a:r>
-            <a:r>
-              <a:rPr lang="de-DE" dirty="0" smtClean="0"/>
-              <a:t> </a:t>
-            </a:r>
-            <a:r>
-              <a:rPr lang="de-DE" dirty="0" err="1" smtClean="0"/>
-              <a:t>are</a:t>
-            </a:r>
-            <a:r>
-              <a:rPr lang="de-DE" dirty="0" smtClean="0"/>
-              <a:t> </a:t>
-            </a:r>
-            <a:r>
-              <a:rPr lang="de-DE" dirty="0" err="1" smtClean="0"/>
-              <a:t>used</a:t>
-            </a:r>
-            <a:r>
-              <a:rPr lang="de-DE" dirty="0" smtClean="0"/>
-              <a:t> </a:t>
-            </a:r>
-            <a:r>
-              <a:rPr lang="de-DE" dirty="0" err="1" smtClean="0"/>
-              <a:t>instead</a:t>
-            </a:r>
-            <a:r>
-              <a:rPr lang="de-DE" dirty="0" smtClean="0"/>
-              <a:t>:</a:t>
-            </a:r>
-          </a:p>
-          <a:p>
-            <a:pPr lvl="1"/>
-            <a:r>
-              <a:rPr lang="de-DE" dirty="0" smtClean="0"/>
-              <a:t>Most </a:t>
-            </a:r>
-            <a:r>
-              <a:rPr lang="de-DE" dirty="0" err="1" smtClean="0"/>
-              <a:t>popular</a:t>
-            </a:r>
-            <a:r>
-              <a:rPr lang="de-DE" dirty="0" smtClean="0"/>
-              <a:t> </a:t>
-            </a:r>
-            <a:r>
-              <a:rPr lang="de-DE" dirty="0" err="1" smtClean="0"/>
-              <a:t>is</a:t>
-            </a:r>
-            <a:r>
-              <a:rPr lang="de-DE" dirty="0" smtClean="0"/>
-              <a:t> </a:t>
-            </a:r>
-            <a:r>
-              <a:rPr lang="de-DE" dirty="0" err="1" smtClean="0"/>
+              <a:rPr lang="de-DE" sz="1800" dirty="0" err="1" smtClean="0"/>
               <a:t>the</a:t>
             </a:r>
             <a:r>
-              <a:rPr lang="de-DE" dirty="0" smtClean="0"/>
-              <a:t> „Gibbs </a:t>
-            </a:r>
-            <a:r>
-              <a:rPr lang="de-DE" dirty="0" err="1" smtClean="0"/>
-              <a:t>sampler</a:t>
-            </a:r>
-            <a:r>
-              <a:rPr lang="de-DE" dirty="0" smtClean="0"/>
-              <a:t>“ (</a:t>
-            </a:r>
-            <a:r>
-              <a:rPr lang="de-DE" dirty="0" err="1" smtClean="0"/>
-              <a:t>others</a:t>
-            </a:r>
-            <a:r>
-              <a:rPr lang="de-DE" dirty="0" smtClean="0"/>
-              <a:t> </a:t>
-            </a:r>
-            <a:r>
-              <a:rPr lang="de-DE" dirty="0" err="1" smtClean="0"/>
-              <a:t>exist</a:t>
-            </a:r>
-            <a:r>
-              <a:rPr lang="de-DE" dirty="0" smtClean="0"/>
-              <a:t>).</a:t>
-            </a:r>
-          </a:p>
-          <a:p>
-            <a:pPr lvl="1"/>
-            <a:r>
-              <a:rPr lang="de-DE" dirty="0" smtClean="0"/>
-              <a:t>Gibbs </a:t>
-            </a:r>
-            <a:r>
-              <a:rPr lang="de-DE" dirty="0" err="1" smtClean="0"/>
-              <a:t>sampling</a:t>
-            </a:r>
-            <a:r>
-              <a:rPr lang="de-DE" dirty="0" smtClean="0"/>
-              <a:t> </a:t>
-            </a:r>
-            <a:r>
-              <a:rPr lang="de-DE" dirty="0" err="1" smtClean="0"/>
-              <a:t>is</a:t>
-            </a:r>
-            <a:r>
-              <a:rPr lang="de-DE" dirty="0" smtClean="0"/>
-              <a:t> a </a:t>
-            </a:r>
-            <a:r>
-              <a:rPr lang="de-DE" dirty="0" err="1" smtClean="0"/>
-              <a:t>method</a:t>
-            </a:r>
-            <a:r>
-              <a:rPr lang="de-DE" dirty="0" smtClean="0"/>
-              <a:t> </a:t>
-            </a:r>
-            <a:r>
-              <a:rPr lang="de-DE" dirty="0" err="1" smtClean="0"/>
-              <a:t>of</a:t>
-            </a:r>
-            <a:r>
-              <a:rPr lang="de-DE" dirty="0" smtClean="0"/>
-              <a:t> </a:t>
-            </a:r>
-            <a:r>
-              <a:rPr lang="de-DE" dirty="0" err="1" smtClean="0"/>
-              <a:t>sampling</a:t>
-            </a:r>
-            <a:r>
-              <a:rPr lang="de-DE" dirty="0" smtClean="0"/>
-              <a:t> a multi-dimensional </a:t>
-            </a:r>
-            <a:r>
-              <a:rPr lang="de-DE" dirty="0" err="1" smtClean="0"/>
+              <a:rPr lang="de-DE" sz="1800" dirty="0" smtClean="0"/>
+              <a:t> </a:t>
+            </a:r>
+            <a:r>
+              <a:rPr lang="de-DE" sz="1800" dirty="0" err="1" smtClean="0"/>
+              <a:t>samples</a:t>
+            </a:r>
+            <a:r>
+              <a:rPr lang="de-DE" sz="1800" dirty="0" smtClean="0"/>
+              <a:t> </a:t>
+            </a:r>
+            <a:r>
+              <a:rPr lang="de-DE" sz="1800" dirty="0" err="1" smtClean="0"/>
+              <a:t>reflect</a:t>
+            </a:r>
+            <a:r>
+              <a:rPr lang="de-DE" sz="1800" dirty="0" smtClean="0"/>
+              <a:t> (</a:t>
+            </a:r>
+            <a:r>
+              <a:rPr lang="de-DE" sz="1800" dirty="0" err="1" smtClean="0"/>
+              <a:t>more</a:t>
+            </a:r>
+            <a:r>
+              <a:rPr lang="de-DE" sz="1800" dirty="0" smtClean="0"/>
+              <a:t> </a:t>
+            </a:r>
+            <a:r>
+              <a:rPr lang="de-DE" sz="1800" dirty="0" err="1" smtClean="0"/>
+              <a:t>or</a:t>
+            </a:r>
+            <a:r>
+              <a:rPr lang="de-DE" sz="1800" dirty="0" smtClean="0"/>
+              <a:t> </a:t>
+            </a:r>
+            <a:r>
+              <a:rPr lang="de-DE" sz="1800" dirty="0" err="1" smtClean="0"/>
+              <a:t>less</a:t>
+            </a:r>
+            <a:r>
+              <a:rPr lang="de-DE" sz="1800" dirty="0" smtClean="0"/>
+              <a:t>) </a:t>
+            </a:r>
+            <a:r>
+              <a:rPr lang="de-DE" sz="1800" dirty="0" err="1" smtClean="0"/>
+              <a:t>the</a:t>
+            </a:r>
+            <a:r>
+              <a:rPr lang="de-DE" sz="1800" dirty="0" smtClean="0"/>
+              <a:t> </a:t>
+            </a:r>
+            <a:r>
+              <a:rPr lang="de-DE" sz="1800" dirty="0" err="1" smtClean="0"/>
+              <a:t>true</a:t>
+            </a:r>
+            <a:r>
+              <a:rPr lang="de-DE" sz="1800" dirty="0" smtClean="0"/>
+              <a:t> </a:t>
+            </a:r>
+            <a:r>
+              <a:rPr lang="de-DE" sz="1800" dirty="0" err="1" smtClean="0"/>
               <a:t>distribution</a:t>
             </a:r>
             <a:r>
-              <a:rPr lang="de-DE" dirty="0" smtClean="0"/>
-              <a:t>:</a:t>
+              <a:rPr lang="de-DE" sz="1800" dirty="0" smtClean="0"/>
+              <a:t>.</a:t>
             </a:r>
           </a:p>
           <a:p>
             <a:pPr lvl="2"/>
             <a:r>
-              <a:rPr lang="de-DE" dirty="0" err="1" smtClean="0"/>
-              <a:t>It</a:t>
-            </a:r>
-            <a:r>
-              <a:rPr lang="de-DE" dirty="0" smtClean="0"/>
-              <a:t> </a:t>
-            </a:r>
-            <a:r>
-              <a:rPr lang="de-DE" dirty="0" err="1" smtClean="0"/>
-              <a:t>works</a:t>
-            </a:r>
-            <a:r>
-              <a:rPr lang="de-DE" dirty="0" smtClean="0"/>
-              <a:t> </a:t>
-            </a:r>
-            <a:r>
-              <a:rPr lang="de-DE" dirty="0" err="1" smtClean="0"/>
-              <a:t>by</a:t>
-            </a:r>
-            <a:r>
-              <a:rPr lang="de-DE" dirty="0" smtClean="0"/>
-              <a:t> </a:t>
-            </a:r>
-            <a:r>
-              <a:rPr lang="de-DE" dirty="0" err="1" smtClean="0"/>
-              <a:t>sampling</a:t>
-            </a:r>
-            <a:r>
-              <a:rPr lang="de-DE" dirty="0" smtClean="0"/>
-              <a:t> a </a:t>
-            </a:r>
-            <a:r>
-              <a:rPr lang="de-DE" dirty="0" err="1" smtClean="0"/>
-              <a:t>long</a:t>
-            </a:r>
-            <a:r>
-              <a:rPr lang="de-DE" dirty="0" smtClean="0"/>
-              <a:t> </a:t>
-            </a:r>
-            <a:r>
-              <a:rPr lang="de-DE" dirty="0" err="1" smtClean="0"/>
-              <a:t>every</a:t>
-            </a:r>
-            <a:r>
-              <a:rPr lang="de-DE" dirty="0" smtClean="0"/>
-              <a:t> </a:t>
-            </a:r>
-            <a:r>
-              <a:rPr lang="de-DE" dirty="0" err="1" smtClean="0"/>
-              <a:t>dimension</a:t>
-            </a:r>
-            <a:r>
-              <a:rPr lang="de-DE" dirty="0" smtClean="0"/>
-              <a:t>, </a:t>
-            </a:r>
-            <a:r>
-              <a:rPr lang="de-DE" dirty="0" err="1" smtClean="0"/>
-              <a:t>one</a:t>
-            </a:r>
-            <a:r>
-              <a:rPr lang="de-DE" dirty="0" smtClean="0"/>
-              <a:t> at a time,</a:t>
-            </a:r>
-          </a:p>
-          <a:p>
-            <a:pPr lvl="2"/>
-            <a:r>
-              <a:rPr lang="de-DE" dirty="0" smtClean="0"/>
-              <a:t>„</a:t>
-            </a:r>
-            <a:r>
-              <a:rPr lang="de-DE" dirty="0" err="1" smtClean="0"/>
-              <a:t>Jumping</a:t>
-            </a:r>
-            <a:r>
-              <a:rPr lang="de-DE" dirty="0"/>
-              <a:t> </a:t>
-            </a:r>
-            <a:r>
-              <a:rPr lang="de-DE" dirty="0" err="1" smtClean="0"/>
-              <a:t>dots</a:t>
-            </a:r>
-            <a:r>
-              <a:rPr lang="de-DE" dirty="0" smtClean="0"/>
-              <a:t> </a:t>
-            </a:r>
-            <a:r>
-              <a:rPr lang="de-DE" dirty="0" err="1" smtClean="0"/>
-              <a:t>along</a:t>
-            </a:r>
-            <a:r>
-              <a:rPr lang="de-DE" dirty="0" smtClean="0"/>
-              <a:t> </a:t>
-            </a:r>
-            <a:r>
-              <a:rPr lang="de-DE" dirty="0" err="1" smtClean="0"/>
-              <a:t>the</a:t>
-            </a:r>
-            <a:r>
-              <a:rPr lang="de-DE" dirty="0" smtClean="0"/>
-              <a:t> </a:t>
-            </a:r>
-            <a:r>
-              <a:rPr lang="de-DE" dirty="0" err="1" smtClean="0"/>
-              <a:t>axis</a:t>
-            </a:r>
-            <a:r>
-              <a:rPr lang="de-DE" dirty="0" smtClean="0"/>
-              <a:t>“</a:t>
-            </a:r>
-          </a:p>
-          <a:p>
-            <a:pPr lvl="2"/>
-            <a:r>
-              <a:rPr lang="de-DE" dirty="0" smtClean="0"/>
-              <a:t>Over time (</a:t>
-            </a:r>
-            <a:r>
-              <a:rPr lang="de-DE" dirty="0" err="1" smtClean="0"/>
-              <a:t>iterations</a:t>
-            </a:r>
-            <a:r>
-              <a:rPr lang="de-DE" dirty="0" smtClean="0"/>
-              <a:t>) </a:t>
-            </a:r>
-            <a:r>
-              <a:rPr lang="de-DE" dirty="0" err="1" smtClean="0"/>
-              <a:t>the</a:t>
-            </a:r>
-            <a:r>
-              <a:rPr lang="de-DE" dirty="0" smtClean="0"/>
-              <a:t> </a:t>
-            </a:r>
-            <a:r>
-              <a:rPr lang="de-DE" dirty="0" err="1" smtClean="0"/>
-              <a:t>samples</a:t>
-            </a:r>
-            <a:r>
-              <a:rPr lang="de-DE" dirty="0" smtClean="0"/>
-              <a:t> </a:t>
-            </a:r>
-            <a:r>
-              <a:rPr lang="de-DE" dirty="0" err="1" smtClean="0"/>
-              <a:t>reflect</a:t>
-            </a:r>
-            <a:r>
-              <a:rPr lang="de-DE" dirty="0" smtClean="0"/>
-              <a:t> (</a:t>
-            </a:r>
-            <a:r>
-              <a:rPr lang="de-DE" dirty="0" err="1" smtClean="0"/>
-              <a:t>more</a:t>
-            </a:r>
-            <a:r>
-              <a:rPr lang="de-DE" dirty="0" smtClean="0"/>
-              <a:t> </a:t>
-            </a:r>
-            <a:r>
-              <a:rPr lang="de-DE" dirty="0" err="1" smtClean="0"/>
-              <a:t>or</a:t>
-            </a:r>
-            <a:r>
-              <a:rPr lang="de-DE" dirty="0" smtClean="0"/>
-              <a:t> </a:t>
-            </a:r>
-            <a:r>
-              <a:rPr lang="de-DE" dirty="0" err="1" smtClean="0"/>
-              <a:t>less</a:t>
-            </a:r>
-            <a:r>
-              <a:rPr lang="de-DE" dirty="0" smtClean="0"/>
-              <a:t>) </a:t>
-            </a:r>
-            <a:r>
-              <a:rPr lang="de-DE" dirty="0" err="1" smtClean="0"/>
-              <a:t>the</a:t>
-            </a:r>
-            <a:r>
-              <a:rPr lang="de-DE" dirty="0" smtClean="0"/>
-              <a:t> </a:t>
-            </a:r>
-            <a:r>
-              <a:rPr lang="de-DE" dirty="0" err="1" smtClean="0"/>
-              <a:t>true</a:t>
-            </a:r>
-            <a:r>
-              <a:rPr lang="de-DE" dirty="0" smtClean="0"/>
-              <a:t> </a:t>
-            </a:r>
-            <a:r>
-              <a:rPr lang="de-DE" dirty="0" err="1" smtClean="0"/>
-              <a:t>distribution</a:t>
-            </a:r>
-            <a:r>
-              <a:rPr lang="de-DE" dirty="0" smtClean="0"/>
-              <a:t>.</a:t>
-            </a:r>
-          </a:p>
-          <a:p>
-            <a:pPr lvl="2"/>
-            <a:r>
-              <a:rPr lang="de-DE" dirty="0" smtClean="0"/>
+              <a:rPr lang="de-DE" sz="1800" dirty="0" smtClean="0"/>
               <a:t>See </a:t>
             </a:r>
             <a:r>
-              <a:rPr lang="de-DE" dirty="0" err="1" smtClean="0"/>
+              <a:rPr lang="de-DE" sz="1800" dirty="0" err="1" smtClean="0"/>
               <a:t>this</a:t>
             </a:r>
             <a:r>
-              <a:rPr lang="de-DE" dirty="0" smtClean="0"/>
-              <a:t> </a:t>
-            </a:r>
-            <a:r>
-              <a:rPr lang="de-DE" dirty="0" err="1" smtClean="0"/>
+              <a:rPr lang="de-DE" sz="1800" dirty="0" smtClean="0"/>
+              <a:t> </a:t>
+            </a:r>
+            <a:r>
+              <a:rPr lang="de-DE" sz="1800" dirty="0" err="1" smtClean="0"/>
               <a:t>video</a:t>
             </a:r>
             <a:r>
-              <a:rPr lang="de-DE" dirty="0" smtClean="0"/>
+              <a:rPr lang="de-DE" sz="1800" dirty="0" smtClean="0"/>
               <a:t>:</a:t>
             </a:r>
           </a:p>
@@ -11282,14 +11370,14 @@
               <a:buNone/>
             </a:pPr>
             <a:r>
-              <a:rPr lang="de-DE" dirty="0"/>
+              <a:rPr lang="de-DE" sz="2000" dirty="0"/>
               <a:t>	</a:t>
             </a:r>
             <a:r>
-              <a:rPr lang="de-DE" dirty="0" smtClean="0"/>
+              <a:rPr lang="de-DE" sz="2000" dirty="0" smtClean="0"/>
               <a:t>	https://www.youtube.com/watch?v=ZaKwpVgmKTY</a:t>
             </a:r>
-            <a:endParaRPr lang="de-DE" dirty="0"/>
+            <a:endParaRPr lang="de-DE" sz="2000" dirty="0"/>
           </a:p>
         </p:txBody>
       </p:sp>
@@ -12216,7 +12304,7 @@
             </a:r>
             <a:r>
               <a:rPr lang="de-DE" dirty="0" err="1" smtClean="0"/>
-              <a:t>that</a:t>
+              <a:t>that's</a:t>
             </a:r>
             <a:r>
               <a:rPr lang="de-DE" dirty="0" smtClean="0"/>
@@ -12260,8 +12348,17 @@
             </a:r>
             <a:r>
               <a:rPr lang="de-DE" dirty="0" smtClean="0"/>
+              <a:t> </a:t>
+            </a:r>
+            <a:r>
+              <a:rPr lang="de-DE" dirty="0" err="1" smtClean="0"/>
+              <a:t>for</a:t>
+            </a:r>
+            <a:r>
+              <a:rPr lang="de-DE" dirty="0" smtClean="0"/>
               <a:t>),</a:t>
             </a:r>
+            <a:endParaRPr lang="de-DE" dirty="0" smtClean="0"/>
           </a:p>
           <a:p>
             <a:pPr lvl="1"/>
@@ -12946,23 +13043,43 @@
           <a:lstStyle/>
           <a:p>
             <a:r>
-              <a:rPr lang="de-DE" smtClean="0"/>
+              <a:rPr lang="de-DE" dirty="0" smtClean="0"/>
               <a:t>Topic </a:t>
             </a:r>
             <a:r>
-              <a:rPr lang="de-DE" err="1" smtClean="0"/>
+              <a:rPr lang="de-DE" dirty="0" err="1" smtClean="0"/>
               <a:t>Grouper</a:t>
             </a:r>
             <a:r>
-              <a:rPr lang="de-DE" smtClean="0"/>
-              <a:t> (TG)</a:t>
-            </a:r>
-            <a:endParaRPr lang="de-DE"/>
+              <a:rPr lang="de-DE" dirty="0" smtClean="0"/>
+              <a:t> (TG</a:t>
+            </a:r>
+            <a:r>
+              <a:rPr lang="de-DE" dirty="0" smtClean="0"/>
+              <a:t>) – </a:t>
+            </a:r>
+            <a:r>
+              <a:rPr lang="de-DE" dirty="0"/>
+              <a:t>a</a:t>
+            </a:r>
+            <a:r>
+              <a:rPr lang="de-DE" dirty="0" smtClean="0"/>
+              <a:t>n </a:t>
+            </a:r>
+            <a:r>
+              <a:rPr lang="de-DE" dirty="0"/>
+              <a:t>A</a:t>
+            </a:r>
+            <a:r>
+              <a:rPr lang="de-DE" dirty="0" smtClean="0"/>
+              <a:t>lternative Approach</a:t>
+            </a:r>
+            <a:endParaRPr lang="de-DE" dirty="0"/>
           </a:p>
         </p:txBody>
       </p:sp>
-      <mc:AlternateContent xmlns:mc="http://schemas.openxmlformats.org/markup-compatibility/2006" xmlns:a14="http://schemas.microsoft.com/office/drawing/2010/main">
-        <mc:Choice Requires="a14">
+      <mc:AlternateContent xmlns:mc="http://schemas.openxmlformats.org/markup-compatibility/2006">
+        <mc:Choice xmlns:a14="http://schemas.microsoft.com/office/drawing/2010/main" Requires="a14">
           <p:sp>
             <p:nvSpPr>
               <p:cNvPr id="3" name="Inhaltsplatzhalter 2"/>
@@ -12976,71 +13093,67 @@
             <p:spPr/>
             <p:txBody>
               <a:bodyPr>
-                <a:normAutofit/>
+                <a:normAutofit lnSpcReduction="10000"/>
               </a:bodyPr>
               <a:lstStyle/>
               <a:p>
                 <a:r>
-                  <a:rPr lang="de-DE" sz="2400" dirty="0" smtClean="0"/>
+                  <a:rPr lang="de-DE" sz="2200" dirty="0" smtClean="0"/>
                   <a:t>TG </a:t>
                 </a:r>
                 <a:r>
-                  <a:rPr lang="de-DE" sz="2400" dirty="0" err="1" smtClean="0"/>
+                  <a:rPr lang="de-DE" sz="2200" dirty="0" err="1" smtClean="0"/>
                   <a:t>is</a:t>
                 </a:r>
                 <a:r>
-                  <a:rPr lang="de-DE" sz="2400" dirty="0" smtClean="0"/>
+                  <a:rPr lang="de-DE" sz="2200" dirty="0" smtClean="0"/>
                   <a:t> </a:t>
                 </a:r>
                 <a:r>
-                  <a:rPr lang="de-DE" sz="2400" dirty="0" err="1"/>
+                  <a:rPr lang="de-DE" sz="2200" dirty="0" err="1"/>
                   <a:t>b</a:t>
                 </a:r>
                 <a:r>
-                  <a:rPr lang="de-DE" sz="2400" dirty="0" err="1" smtClean="0"/>
+                  <a:rPr lang="de-DE" sz="2200" dirty="0" err="1" smtClean="0"/>
                   <a:t>ased</a:t>
                 </a:r>
                 <a:r>
-                  <a:rPr lang="de-DE" sz="2400" dirty="0" smtClean="0"/>
+                  <a:rPr lang="de-DE" sz="2200" dirty="0" smtClean="0"/>
                   <a:t> on </a:t>
                 </a:r>
                 <a:r>
-                  <a:rPr lang="de-DE" sz="2400" dirty="0" err="1" smtClean="0"/>
+                  <a:rPr lang="de-DE" sz="2200" dirty="0" err="1" smtClean="0"/>
                   <a:t>the</a:t>
                 </a:r>
                 <a:r>
-                  <a:rPr lang="de-DE" sz="2400" dirty="0" smtClean="0"/>
+                  <a:rPr lang="de-DE" sz="2200" dirty="0" smtClean="0"/>
                   <a:t> </a:t>
                 </a:r>
                 <a:r>
-                  <a:rPr lang="de-DE" sz="2400" dirty="0" err="1" smtClean="0"/>
+                  <a:rPr lang="de-DE" sz="2200" dirty="0" err="1" smtClean="0"/>
                   <a:t>following</a:t>
                 </a:r>
                 <a:r>
-                  <a:rPr lang="de-DE" sz="2400" dirty="0" smtClean="0"/>
+                  <a:rPr lang="de-DE" sz="2200" dirty="0" smtClean="0"/>
                   <a:t> </a:t>
                 </a:r>
                 <a:r>
-                  <a:rPr lang="de-DE" sz="2400" dirty="0" err="1" smtClean="0"/>
+                  <a:rPr lang="de-DE" sz="2200" dirty="0" err="1" smtClean="0"/>
                   <a:t>simplification</a:t>
                 </a:r>
                 <a:r>
-                  <a:rPr lang="de-DE" sz="2400" dirty="0" smtClean="0"/>
+                  <a:rPr lang="de-DE" sz="2200" dirty="0" smtClean="0"/>
                   <a:t>:</a:t>
                 </a:r>
               </a:p>
               <a:p>
-                <a:pPr marL="0" indent="0">
+                <a:pPr marL="0" indent="0" algn="ctr">
                   <a:buNone/>
                 </a:pPr>
-                <a:r>
-                  <a:rPr lang="de-DE" sz="2400" b="0" dirty="0" smtClean="0"/>
-                  <a:t>	</a:t>
-                </a:r>
                 <a14:m>
                   <m:oMath xmlns:m="http://schemas.openxmlformats.org/officeDocument/2006/math">
                     <m:r>
-                      <a:rPr lang="de-DE" sz="2400" b="0" i="1" smtClean="0">
+                      <a:rPr lang="de-DE" sz="2200" b="0" i="1" smtClean="0">
                         <a:latin typeface="Cambria Math" panose="02040503050406030204" pitchFamily="18" charset="0"/>
                       </a:rPr>
                       <m:t>𝑝</m:t>
@@ -13048,26 +13161,26 @@
                     <m:d>
                       <m:dPr>
                         <m:ctrlPr>
-                          <a:rPr lang="de-DE" sz="2400" b="0" i="1" smtClean="0">
+                          <a:rPr lang="de-DE" sz="2200" b="0" i="1" smtClean="0">
                             <a:latin typeface="Cambria Math" panose="02040503050406030204" pitchFamily="18" charset="0"/>
                           </a:rPr>
                         </m:ctrlPr>
                       </m:dPr>
                       <m:e>
                         <m:r>
-                          <a:rPr lang="de-DE" sz="2400" b="0" i="1" smtClean="0">
+                          <a:rPr lang="de-DE" sz="2200" b="0" i="1" smtClean="0">
                             <a:latin typeface="Cambria Math" panose="02040503050406030204" pitchFamily="18" charset="0"/>
                           </a:rPr>
                           <m:t>𝑤</m:t>
                         </m:r>
                         <m:r>
-                          <a:rPr lang="de-DE" sz="2400" b="0" i="1" smtClean="0">
+                          <a:rPr lang="de-DE" sz="2200" b="0" i="1" smtClean="0">
                             <a:latin typeface="Cambria Math" panose="02040503050406030204" pitchFamily="18" charset="0"/>
                           </a:rPr>
                           <m:t>|</m:t>
                         </m:r>
                         <m:r>
-                          <a:rPr lang="de-DE" sz="2400" b="0" i="1" smtClean="0">
+                          <a:rPr lang="de-DE" sz="2200" b="0" i="1" smtClean="0">
                             <a:latin typeface="Cambria Math" panose="02040503050406030204" pitchFamily="18" charset="0"/>
                           </a:rPr>
                           <m:t>𝑑</m:t>
@@ -13075,7 +13188,7 @@
                       </m:e>
                     </m:d>
                     <m:r>
-                      <a:rPr lang="de-DE" sz="2400" b="0" i="1" smtClean="0">
+                      <a:rPr lang="de-DE" sz="2200" b="0" i="1" smtClean="0">
                         <a:latin typeface="Cambria Math" panose="02040503050406030204" pitchFamily="18" charset="0"/>
                       </a:rPr>
                       <m:t>=</m:t>
@@ -13084,7 +13197,7 @@
                       <m:naryPr>
                         <m:chr m:val="∑"/>
                         <m:ctrlPr>
-                          <a:rPr lang="de-DE" sz="2400" b="0" i="1" smtClean="0">
+                          <a:rPr lang="de-DE" sz="2200" b="0" i="1" smtClean="0">
                             <a:latin typeface="Cambria Math" panose="02040503050406030204" pitchFamily="18" charset="0"/>
                           </a:rPr>
                         </m:ctrlPr>
@@ -13094,20 +13207,20 @@
                           <m:rPr>
                             <m:brk m:alnAt="23"/>
                           </m:rPr>
-                          <a:rPr lang="de-DE" sz="2400" b="0" i="1" smtClean="0">
+                          <a:rPr lang="de-DE" sz="2200" b="0" i="1" smtClean="0">
                             <a:latin typeface="Cambria Math" panose="02040503050406030204" pitchFamily="18" charset="0"/>
                           </a:rPr>
                           <m:t>𝑡</m:t>
                         </m:r>
                         <m:r>
-                          <a:rPr lang="de-DE" sz="2400" b="0" i="1" smtClean="0">
+                          <a:rPr lang="de-DE" sz="2200" b="0" i="1" smtClean="0">
                             <a:latin typeface="Cambria Math" panose="02040503050406030204" pitchFamily="18" charset="0"/>
                             <a:ea typeface="Cambria Math" panose="02040503050406030204" pitchFamily="18" charset="0"/>
                           </a:rPr>
                           <m:t>𝜖</m:t>
                         </m:r>
                         <m:r>
-                          <a:rPr lang="de-DE" sz="2400" b="0" i="1" smtClean="0">
+                          <a:rPr lang="de-DE" sz="2200" b="0" i="1" smtClean="0">
                             <a:latin typeface="Cambria Math" panose="02040503050406030204" pitchFamily="18" charset="0"/>
                             <a:ea typeface="Cambria Math" panose="02040503050406030204" pitchFamily="18" charset="0"/>
                           </a:rPr>
@@ -13117,7 +13230,7 @@
                       <m:sup/>
                       <m:e>
                         <m:r>
-                          <a:rPr lang="de-DE" sz="2400" b="0" i="1" smtClean="0">
+                          <a:rPr lang="de-DE" sz="2200" b="0" i="1" smtClean="0">
                             <a:latin typeface="Cambria Math" panose="02040503050406030204" pitchFamily="18" charset="0"/>
                           </a:rPr>
                           <m:t>𝑝</m:t>
@@ -13125,14 +13238,14 @@
                         <m:d>
                           <m:dPr>
                             <m:ctrlPr>
-                              <a:rPr lang="de-DE" sz="2400" b="0" i="1" smtClean="0">
+                              <a:rPr lang="de-DE" sz="2200" b="0" i="1" smtClean="0">
                                 <a:latin typeface="Cambria Math" panose="02040503050406030204" pitchFamily="18" charset="0"/>
                               </a:rPr>
                             </m:ctrlPr>
                           </m:dPr>
                           <m:e>
                             <m:r>
-                              <a:rPr lang="de-DE" sz="2400" b="0" i="1" smtClean="0">
+                              <a:rPr lang="de-DE" sz="2200" b="0" i="1" smtClean="0">
                                 <a:latin typeface="Cambria Math" panose="02040503050406030204" pitchFamily="18" charset="0"/>
                               </a:rPr>
                               <m:t>𝑤</m:t>
@@ -13140,7 +13253,7 @@
                           </m:e>
                           <m:e>
                             <m:r>
-                              <a:rPr lang="de-DE" sz="2400" b="0" i="1" smtClean="0">
+                              <a:rPr lang="de-DE" sz="2200" b="0" i="1" smtClean="0">
                                 <a:latin typeface="Cambria Math" panose="02040503050406030204" pitchFamily="18" charset="0"/>
                               </a:rPr>
                               <m:t>𝑡</m:t>
@@ -13148,49 +13261,49 @@
                           </m:e>
                         </m:d>
                         <m:r>
-                          <a:rPr lang="de-DE" sz="2400" b="0" i="1" smtClean="0">
+                          <a:rPr lang="de-DE" sz="2200" b="0" i="1" smtClean="0">
                             <a:latin typeface="Cambria Math" panose="02040503050406030204" pitchFamily="18" charset="0"/>
                             <a:ea typeface="Cambria Math" panose="02040503050406030204" pitchFamily="18" charset="0"/>
                           </a:rPr>
                           <m:t>∙</m:t>
                         </m:r>
                         <m:r>
-                          <a:rPr lang="de-DE" sz="2400" b="0" i="1" smtClean="0">
+                          <a:rPr lang="de-DE" sz="2200" b="0" i="1" smtClean="0">
                             <a:latin typeface="Cambria Math" panose="02040503050406030204" pitchFamily="18" charset="0"/>
                             <a:ea typeface="Cambria Math" panose="02040503050406030204" pitchFamily="18" charset="0"/>
                           </a:rPr>
                           <m:t>𝑝</m:t>
                         </m:r>
                         <m:r>
-                          <a:rPr lang="de-DE" sz="2400" b="0" i="1" smtClean="0">
+                          <a:rPr lang="de-DE" sz="2200" b="0" i="1" smtClean="0">
                             <a:latin typeface="Cambria Math" panose="02040503050406030204" pitchFamily="18" charset="0"/>
                             <a:ea typeface="Cambria Math" panose="02040503050406030204" pitchFamily="18" charset="0"/>
                           </a:rPr>
                           <m:t>(</m:t>
                         </m:r>
                         <m:r>
-                          <a:rPr lang="de-DE" sz="2400" b="0" i="1" smtClean="0">
+                          <a:rPr lang="de-DE" sz="2200" b="0" i="1" smtClean="0">
                             <a:latin typeface="Cambria Math" panose="02040503050406030204" pitchFamily="18" charset="0"/>
                             <a:ea typeface="Cambria Math" panose="02040503050406030204" pitchFamily="18" charset="0"/>
                           </a:rPr>
                           <m:t>𝑡</m:t>
                         </m:r>
                         <m:r>
-                          <a:rPr lang="de-DE" sz="2400" b="0" i="1" smtClean="0">
+                          <a:rPr lang="de-DE" sz="2200" b="0" i="1" smtClean="0">
                             <a:latin typeface="Cambria Math" panose="02040503050406030204" pitchFamily="18" charset="0"/>
                             <a:ea typeface="Cambria Math" panose="02040503050406030204" pitchFamily="18" charset="0"/>
                           </a:rPr>
                           <m:t>|</m:t>
                         </m:r>
                         <m:r>
-                          <a:rPr lang="de-DE" sz="2400" b="0" i="1" smtClean="0">
+                          <a:rPr lang="de-DE" sz="2200" b="0" i="1" smtClean="0">
                             <a:latin typeface="Cambria Math" panose="02040503050406030204" pitchFamily="18" charset="0"/>
                             <a:ea typeface="Cambria Math" panose="02040503050406030204" pitchFamily="18" charset="0"/>
                           </a:rPr>
                           <m:t>𝑑</m:t>
                         </m:r>
                         <m:r>
-                          <a:rPr lang="de-DE" sz="2400" b="0" i="1" smtClean="0">
+                          <a:rPr lang="de-DE" sz="2200" b="0" i="1" smtClean="0">
                             <a:latin typeface="Cambria Math" panose="02040503050406030204" pitchFamily="18" charset="0"/>
                             <a:ea typeface="Cambria Math" panose="02040503050406030204" pitchFamily="18" charset="0"/>
                           </a:rPr>
@@ -13201,240 +13314,260 @@
                   </m:oMath>
                 </a14:m>
                 <a:r>
-                  <a:rPr lang="de-DE" sz="2400" dirty="0" smtClean="0"/>
+                  <a:rPr lang="de-DE" sz="2200" dirty="0" smtClean="0"/>
                   <a:t> </a:t>
                 </a:r>
-                <a:r>
-                  <a:rPr lang="de-DE" sz="2400" dirty="0" err="1" smtClean="0"/>
-                  <a:t>becomes</a:t>
-                </a:r>
-                <a:r>
-                  <a:rPr lang="de-DE" sz="2400" dirty="0" smtClean="0"/>
-                  <a:t> </a:t>
-                </a:r>
-                <a14:m>
-                  <m:oMath xmlns:m="http://schemas.openxmlformats.org/officeDocument/2006/math">
-                    <m:r>
-                      <a:rPr lang="de-DE" sz="2400" b="1" i="1" smtClean="0">
-                        <a:latin typeface="Cambria Math" panose="02040503050406030204" pitchFamily="18" charset="0"/>
-                      </a:rPr>
-                      <m:t>𝒑</m:t>
-                    </m:r>
-                    <m:d>
-                      <m:dPr>
-                        <m:ctrlPr>
-                          <a:rPr lang="de-DE" sz="2400" b="1" i="1" smtClean="0">
-                            <a:latin typeface="Cambria Math" panose="02040503050406030204" pitchFamily="18" charset="0"/>
-                          </a:rPr>
-                        </m:ctrlPr>
-                      </m:dPr>
-                      <m:e>
-                        <m:r>
-                          <a:rPr lang="de-DE" sz="2400" b="1" i="1" smtClean="0">
-                            <a:latin typeface="Cambria Math" panose="02040503050406030204" pitchFamily="18" charset="0"/>
-                          </a:rPr>
-                          <m:t>𝒘</m:t>
-                        </m:r>
-                        <m:r>
-                          <a:rPr lang="de-DE" sz="2400" b="1" i="1" smtClean="0">
-                            <a:latin typeface="Cambria Math" panose="02040503050406030204" pitchFamily="18" charset="0"/>
-                          </a:rPr>
-                          <m:t>|</m:t>
-                        </m:r>
-                        <m:r>
-                          <a:rPr lang="de-DE" sz="2400" b="1" i="1" smtClean="0">
-                            <a:latin typeface="Cambria Math" panose="02040503050406030204" pitchFamily="18" charset="0"/>
-                          </a:rPr>
-                          <m:t>𝒅</m:t>
-                        </m:r>
-                      </m:e>
-                    </m:d>
-                    <m:r>
-                      <a:rPr lang="de-DE" sz="2400" b="1" i="1" smtClean="0">
-                        <a:latin typeface="Cambria Math" panose="02040503050406030204" pitchFamily="18" charset="0"/>
-                      </a:rPr>
-                      <m:t>=</m:t>
-                    </m:r>
-                    <m:r>
-                      <a:rPr lang="de-DE" sz="2400" b="1" i="1" smtClean="0">
-                        <a:latin typeface="Cambria Math" panose="02040503050406030204" pitchFamily="18" charset="0"/>
-                      </a:rPr>
-                      <m:t>𝒑</m:t>
-                    </m:r>
-                    <m:r>
-                      <a:rPr lang="de-DE" sz="2400" b="1" i="1" smtClean="0">
-                        <a:latin typeface="Cambria Math" panose="02040503050406030204" pitchFamily="18" charset="0"/>
-                      </a:rPr>
-                      <m:t>(</m:t>
-                    </m:r>
-                    <m:r>
-                      <a:rPr lang="de-DE" sz="2400" b="1" i="1" smtClean="0">
-                        <a:latin typeface="Cambria Math" panose="02040503050406030204" pitchFamily="18" charset="0"/>
-                      </a:rPr>
-                      <m:t>𝒕</m:t>
-                    </m:r>
-                    <m:r>
-                      <a:rPr lang="de-DE" sz="2400" b="1" i="1" smtClean="0">
-                        <a:latin typeface="Cambria Math" panose="02040503050406030204" pitchFamily="18" charset="0"/>
-                      </a:rPr>
-                      <m:t>(</m:t>
-                    </m:r>
-                    <m:r>
-                      <a:rPr lang="de-DE" sz="2400" b="1" i="1" smtClean="0">
-                        <a:latin typeface="Cambria Math" panose="02040503050406030204" pitchFamily="18" charset="0"/>
-                      </a:rPr>
-                      <m:t>𝒘</m:t>
-                    </m:r>
-                    <m:r>
-                      <a:rPr lang="de-DE" sz="2400" b="1" i="1" smtClean="0">
-                        <a:latin typeface="Cambria Math" panose="02040503050406030204" pitchFamily="18" charset="0"/>
-                      </a:rPr>
-                      <m:t>))∙</m:t>
-                    </m:r>
-                    <m:r>
-                      <a:rPr lang="de-DE" sz="2400" b="1" i="1" smtClean="0">
-                        <a:latin typeface="Cambria Math" panose="02040503050406030204" pitchFamily="18" charset="0"/>
-                        <a:ea typeface="Cambria Math" panose="02040503050406030204" pitchFamily="18" charset="0"/>
-                      </a:rPr>
-                      <m:t>𝒑</m:t>
-                    </m:r>
-                    <m:r>
-                      <a:rPr lang="de-DE" sz="2400" b="1" i="1" smtClean="0">
-                        <a:latin typeface="Cambria Math" panose="02040503050406030204" pitchFamily="18" charset="0"/>
-                        <a:ea typeface="Cambria Math" panose="02040503050406030204" pitchFamily="18" charset="0"/>
-                      </a:rPr>
-                      <m:t>(</m:t>
-                    </m:r>
-                    <m:r>
-                      <a:rPr lang="de-DE" sz="2400" b="1" i="1" smtClean="0">
-                        <a:latin typeface="Cambria Math" panose="02040503050406030204" pitchFamily="18" charset="0"/>
-                        <a:ea typeface="Cambria Math" panose="02040503050406030204" pitchFamily="18" charset="0"/>
-                      </a:rPr>
-                      <m:t>𝒕</m:t>
-                    </m:r>
-                    <m:r>
-                      <a:rPr lang="de-DE" sz="2400" b="1" i="1" smtClean="0">
-                        <a:latin typeface="Cambria Math" panose="02040503050406030204" pitchFamily="18" charset="0"/>
-                        <a:ea typeface="Cambria Math" panose="02040503050406030204" pitchFamily="18" charset="0"/>
-                      </a:rPr>
-                      <m:t>|</m:t>
-                    </m:r>
-                    <m:r>
-                      <a:rPr lang="de-DE" sz="2400" b="1" i="1" smtClean="0">
-                        <a:latin typeface="Cambria Math" panose="02040503050406030204" pitchFamily="18" charset="0"/>
-                        <a:ea typeface="Cambria Math" panose="02040503050406030204" pitchFamily="18" charset="0"/>
-                      </a:rPr>
-                      <m:t>𝒅</m:t>
-                    </m:r>
-                    <m:r>
-                      <a:rPr lang="de-DE" sz="2400" b="1" i="1" smtClean="0">
-                        <a:latin typeface="Cambria Math" panose="02040503050406030204" pitchFamily="18" charset="0"/>
-                        <a:ea typeface="Cambria Math" panose="02040503050406030204" pitchFamily="18" charset="0"/>
-                      </a:rPr>
-                      <m:t>)</m:t>
-                    </m:r>
-                  </m:oMath>
-                </a14:m>
-                <a:endParaRPr lang="de-DE" sz="2400" b="1" dirty="0"/>
+                <a:endParaRPr lang="de-DE" sz="2200" dirty="0" smtClean="0"/>
               </a:p>
               <a:p>
                 <a:pPr marL="0" indent="0">
                   <a:buNone/>
                 </a:pPr>
                 <a:r>
-                  <a:rPr lang="de-DE" sz="2400" dirty="0"/>
+                  <a:rPr lang="de-DE" sz="2200" dirty="0" smtClean="0"/>
+                  <a:t>    </a:t>
+                </a:r>
+                <a:r>
+                  <a:rPr lang="de-DE" sz="2200" dirty="0" err="1" smtClean="0"/>
+                  <a:t>becomes</a:t>
+                </a:r>
+                <a:r>
+                  <a:rPr lang="de-DE" sz="2200" dirty="0" smtClean="0"/>
                   <a:t> </a:t>
                 </a:r>
-                <a:r>
-                  <a:rPr lang="de-DE" sz="2400" dirty="0" smtClean="0"/>
+              </a:p>
+              <a:p>
+                <a:pPr marL="0" indent="0">
+                  <a:buNone/>
+                </a:pPr>
+                <a14:m>
+                  <m:oMathPara xmlns:m="http://schemas.openxmlformats.org/officeDocument/2006/math">
+                    <m:oMathParaPr>
+                      <m:jc m:val="center"/>
+                    </m:oMathParaPr>
+                    <m:oMath xmlns:m="http://schemas.openxmlformats.org/officeDocument/2006/math">
+                      <m:r>
+                        <a:rPr lang="de-DE" sz="2200" b="1" i="1" smtClean="0">
+                          <a:latin typeface="Cambria Math" panose="02040503050406030204" pitchFamily="18" charset="0"/>
+                        </a:rPr>
+                        <m:t>𝒑</m:t>
+                      </m:r>
+                      <m:d>
+                        <m:dPr>
+                          <m:ctrlPr>
+                            <a:rPr lang="de-DE" sz="2200" b="1" i="1" smtClean="0">
+                              <a:latin typeface="Cambria Math" panose="02040503050406030204" pitchFamily="18" charset="0"/>
+                            </a:rPr>
+                          </m:ctrlPr>
+                        </m:dPr>
+                        <m:e>
+                          <m:r>
+                            <a:rPr lang="de-DE" sz="2200" b="1" i="1" smtClean="0">
+                              <a:latin typeface="Cambria Math" panose="02040503050406030204" pitchFamily="18" charset="0"/>
+                            </a:rPr>
+                            <m:t>𝒘</m:t>
+                          </m:r>
+                          <m:r>
+                            <a:rPr lang="de-DE" sz="2200" b="1" i="1" smtClean="0">
+                              <a:latin typeface="Cambria Math" panose="02040503050406030204" pitchFamily="18" charset="0"/>
+                            </a:rPr>
+                            <m:t>|</m:t>
+                          </m:r>
+                          <m:r>
+                            <a:rPr lang="de-DE" sz="2200" b="1" i="1" smtClean="0">
+                              <a:latin typeface="Cambria Math" panose="02040503050406030204" pitchFamily="18" charset="0"/>
+                            </a:rPr>
+                            <m:t>𝒅</m:t>
+                          </m:r>
+                        </m:e>
+                      </m:d>
+                      <m:r>
+                        <a:rPr lang="de-DE" sz="2200" b="1" i="1" smtClean="0">
+                          <a:latin typeface="Cambria Math" panose="02040503050406030204" pitchFamily="18" charset="0"/>
+                        </a:rPr>
+                        <m:t>=</m:t>
+                      </m:r>
+                      <m:r>
+                        <a:rPr lang="de-DE" sz="2200" b="1" i="1" smtClean="0">
+                          <a:latin typeface="Cambria Math" panose="02040503050406030204" pitchFamily="18" charset="0"/>
+                        </a:rPr>
+                        <m:t>𝒑</m:t>
+                      </m:r>
+                      <m:r>
+                        <a:rPr lang="de-DE" sz="2200" b="1" i="1" smtClean="0">
+                          <a:latin typeface="Cambria Math" panose="02040503050406030204" pitchFamily="18" charset="0"/>
+                        </a:rPr>
+                        <m:t>(</m:t>
+                      </m:r>
+                      <m:r>
+                        <a:rPr lang="de-DE" sz="2200" b="1" i="1" smtClean="0">
+                          <a:latin typeface="Cambria Math" panose="02040503050406030204" pitchFamily="18" charset="0"/>
+                        </a:rPr>
+                        <m:t>𝒕</m:t>
+                      </m:r>
+                      <m:r>
+                        <a:rPr lang="de-DE" sz="2200" b="1" i="1" smtClean="0">
+                          <a:latin typeface="Cambria Math" panose="02040503050406030204" pitchFamily="18" charset="0"/>
+                        </a:rPr>
+                        <m:t>(</m:t>
+                      </m:r>
+                      <m:r>
+                        <a:rPr lang="de-DE" sz="2200" b="1" i="1" smtClean="0">
+                          <a:latin typeface="Cambria Math" panose="02040503050406030204" pitchFamily="18" charset="0"/>
+                        </a:rPr>
+                        <m:t>𝒘</m:t>
+                      </m:r>
+                      <m:r>
+                        <a:rPr lang="de-DE" sz="2200" b="1" i="1" smtClean="0">
+                          <a:latin typeface="Cambria Math" panose="02040503050406030204" pitchFamily="18" charset="0"/>
+                        </a:rPr>
+                        <m:t>))∙</m:t>
+                      </m:r>
+                      <m:r>
+                        <a:rPr lang="de-DE" sz="2200" b="1" i="1" smtClean="0">
+                          <a:latin typeface="Cambria Math" panose="02040503050406030204" pitchFamily="18" charset="0"/>
+                          <a:ea typeface="Cambria Math" panose="02040503050406030204" pitchFamily="18" charset="0"/>
+                        </a:rPr>
+                        <m:t>𝒑</m:t>
+                      </m:r>
+                      <m:r>
+                        <a:rPr lang="de-DE" sz="2200" b="1" i="1" smtClean="0">
+                          <a:latin typeface="Cambria Math" panose="02040503050406030204" pitchFamily="18" charset="0"/>
+                          <a:ea typeface="Cambria Math" panose="02040503050406030204" pitchFamily="18" charset="0"/>
+                        </a:rPr>
+                        <m:t>(</m:t>
+                      </m:r>
+                      <m:r>
+                        <a:rPr lang="de-DE" sz="2200" b="1" i="1" smtClean="0">
+                          <a:latin typeface="Cambria Math" panose="02040503050406030204" pitchFamily="18" charset="0"/>
+                          <a:ea typeface="Cambria Math" panose="02040503050406030204" pitchFamily="18" charset="0"/>
+                        </a:rPr>
+                        <m:t>𝒕</m:t>
+                      </m:r>
+                      <m:r>
+                        <a:rPr lang="de-DE" sz="2200" b="1" i="1" smtClean="0">
+                          <a:latin typeface="Cambria Math" panose="02040503050406030204" pitchFamily="18" charset="0"/>
+                          <a:ea typeface="Cambria Math" panose="02040503050406030204" pitchFamily="18" charset="0"/>
+                        </a:rPr>
+                        <m:t>|</m:t>
+                      </m:r>
+                      <m:r>
+                        <a:rPr lang="de-DE" sz="2200" b="1" i="1" smtClean="0">
+                          <a:latin typeface="Cambria Math" panose="02040503050406030204" pitchFamily="18" charset="0"/>
+                          <a:ea typeface="Cambria Math" panose="02040503050406030204" pitchFamily="18" charset="0"/>
+                        </a:rPr>
+                        <m:t>𝒅</m:t>
+                      </m:r>
+                      <m:r>
+                        <a:rPr lang="de-DE" sz="2200" b="1" i="1" smtClean="0">
+                          <a:latin typeface="Cambria Math" panose="02040503050406030204" pitchFamily="18" charset="0"/>
+                          <a:ea typeface="Cambria Math" panose="02040503050406030204" pitchFamily="18" charset="0"/>
+                        </a:rPr>
+                        <m:t>)</m:t>
+                      </m:r>
+                    </m:oMath>
+                  </m:oMathPara>
+                </a14:m>
+                <a:endParaRPr lang="de-DE" sz="2200" b="1" dirty="0"/>
+              </a:p>
+              <a:p>
+                <a:pPr marL="0" indent="0">
+                  <a:buNone/>
+                </a:pPr>
+                <a:r>
+                  <a:rPr lang="de-DE" sz="2200" dirty="0"/>
+                  <a:t> </a:t>
+                </a:r>
+                <a:r>
+                  <a:rPr lang="de-DE" sz="2200" dirty="0" smtClean="0"/>
                   <a:t>   </a:t>
                 </a:r>
                 <a:r>
-                  <a:rPr lang="de-DE" sz="2400" dirty="0" err="1" smtClean="0"/>
+                  <a:rPr lang="de-DE" sz="2200" dirty="0" err="1" smtClean="0"/>
                   <a:t>with</a:t>
                 </a:r>
                 <a:r>
-                  <a:rPr lang="de-DE" sz="2400" dirty="0" smtClean="0"/>
+                  <a:rPr lang="de-DE" sz="2200" dirty="0" smtClean="0"/>
                   <a:t> t(w) </a:t>
                 </a:r>
                 <a:r>
-                  <a:rPr lang="de-DE" sz="2400" dirty="0" err="1" smtClean="0"/>
+                  <a:rPr lang="de-DE" sz="2200" dirty="0" err="1" smtClean="0"/>
                   <a:t>being</a:t>
                 </a:r>
                 <a:r>
-                  <a:rPr lang="de-DE" sz="2400" dirty="0" smtClean="0"/>
+                  <a:rPr lang="de-DE" sz="2200" dirty="0" smtClean="0"/>
                   <a:t> </a:t>
                 </a:r>
                 <a:r>
-                  <a:rPr lang="de-DE" sz="2400" dirty="0" err="1" smtClean="0"/>
+                  <a:rPr lang="de-DE" sz="2200" dirty="0" err="1" smtClean="0"/>
                   <a:t>the</a:t>
                 </a:r>
                 <a:r>
-                  <a:rPr lang="de-DE" sz="2400" dirty="0" smtClean="0"/>
+                  <a:rPr lang="de-DE" sz="2200" dirty="0" smtClean="0"/>
                   <a:t> (</a:t>
                 </a:r>
                 <a:r>
-                  <a:rPr lang="de-DE" sz="2400" dirty="0" err="1" smtClean="0"/>
+                  <a:rPr lang="de-DE" sz="2200" dirty="0" err="1" smtClean="0"/>
                   <a:t>unique</a:t>
                 </a:r>
                 <a:r>
-                  <a:rPr lang="de-DE" sz="2400" dirty="0" smtClean="0"/>
+                  <a:rPr lang="de-DE" sz="2200" dirty="0" smtClean="0"/>
                   <a:t>) </a:t>
                 </a:r>
                 <a:r>
-                  <a:rPr lang="de-DE" sz="2400" dirty="0" err="1" smtClean="0"/>
+                  <a:rPr lang="de-DE" sz="2200" dirty="0" err="1" smtClean="0"/>
                   <a:t>topic</a:t>
                 </a:r>
                 <a:r>
-                  <a:rPr lang="de-DE" sz="2400" dirty="0" smtClean="0"/>
+                  <a:rPr lang="de-DE" sz="2200" dirty="0" smtClean="0"/>
                   <a:t> </a:t>
                 </a:r>
                 <a:r>
-                  <a:rPr lang="de-DE" sz="2400" dirty="0" err="1" smtClean="0"/>
+                  <a:rPr lang="de-DE" sz="2200" dirty="0" err="1" smtClean="0"/>
                   <a:t>for</a:t>
                 </a:r>
                 <a:r>
-                  <a:rPr lang="de-DE" sz="2400" dirty="0" smtClean="0"/>
+                  <a:rPr lang="de-DE" sz="2200" dirty="0" smtClean="0"/>
                   <a:t> w, so </a:t>
                 </a:r>
                 <a14:m>
                   <m:oMath xmlns:m="http://schemas.openxmlformats.org/officeDocument/2006/math">
                     <m:r>
-                      <a:rPr lang="de-DE" sz="2400" i="1" smtClean="0">
+                      <a:rPr lang="de-DE" sz="2200" i="1" smtClean="0">
                         <a:latin typeface="Cambria Math" panose="02040503050406030204" pitchFamily="18" charset="0"/>
                       </a:rPr>
                       <m:t>𝑤</m:t>
                     </m:r>
                     <m:r>
-                      <a:rPr lang="de-DE" sz="2400" i="1" smtClean="0">
+                      <a:rPr lang="de-DE" sz="2200" i="1" smtClean="0">
                         <a:latin typeface="Cambria Math" panose="02040503050406030204" pitchFamily="18" charset="0"/>
                         <a:ea typeface="Cambria Math" panose="02040503050406030204" pitchFamily="18" charset="0"/>
                       </a:rPr>
                       <m:t>∈</m:t>
                     </m:r>
                     <m:r>
-                      <a:rPr lang="de-DE" sz="2400" b="0" i="1" smtClean="0">
+                      <a:rPr lang="de-DE" sz="2200" b="0" i="1" smtClean="0">
                         <a:latin typeface="Cambria Math" panose="02040503050406030204" pitchFamily="18" charset="0"/>
                         <a:ea typeface="Cambria Math" panose="02040503050406030204" pitchFamily="18" charset="0"/>
                       </a:rPr>
                       <m:t>𝑡</m:t>
                     </m:r>
                     <m:r>
-                      <a:rPr lang="de-DE" sz="2400" b="0" i="1" smtClean="0">
+                      <a:rPr lang="de-DE" sz="2200" b="0" i="1" smtClean="0">
                         <a:latin typeface="Cambria Math" panose="02040503050406030204" pitchFamily="18" charset="0"/>
                         <a:ea typeface="Cambria Math" panose="02040503050406030204" pitchFamily="18" charset="0"/>
                       </a:rPr>
                       <m:t>∈</m:t>
                     </m:r>
                     <m:r>
-                      <a:rPr lang="de-DE" sz="2400" b="0" i="1" smtClean="0">
+                      <a:rPr lang="de-DE" sz="2200" b="0" i="1" smtClean="0">
                         <a:latin typeface="Cambria Math" panose="02040503050406030204" pitchFamily="18" charset="0"/>
                         <a:ea typeface="Cambria Math" panose="02040503050406030204" pitchFamily="18" charset="0"/>
                       </a:rPr>
                       <m:t>𝑇</m:t>
                     </m:r>
                     <m:r>
-                      <a:rPr lang="de-DE" sz="2400" b="0" i="1" smtClean="0">
+                      <a:rPr lang="de-DE" sz="2200" b="0" i="1" smtClean="0">
                         <a:latin typeface="Cambria Math" panose="02040503050406030204" pitchFamily="18" charset="0"/>
                         <a:ea typeface="Cambria Math" panose="02040503050406030204" pitchFamily="18" charset="0"/>
                       </a:rPr>
@@ -13442,131 +13575,131 @@
                     </m:r>
                   </m:oMath>
                 </a14:m>
-                <a:endParaRPr lang="de-DE" sz="2400" dirty="0" smtClean="0"/>
+                <a:endParaRPr lang="de-DE" sz="2200" dirty="0" smtClean="0"/>
               </a:p>
               <a:p>
                 <a:r>
-                  <a:rPr lang="de-DE" sz="2400" dirty="0" smtClean="0"/>
+                  <a:rPr lang="de-DE" sz="2200" dirty="0" smtClean="0"/>
                   <a:t>In </a:t>
                 </a:r>
                 <a:r>
-                  <a:rPr lang="de-DE" sz="2400" dirty="0" err="1" smtClean="0"/>
+                  <a:rPr lang="de-DE" sz="2200" dirty="0" err="1" smtClean="0"/>
                   <a:t>other</a:t>
                 </a:r>
                 <a:r>
-                  <a:rPr lang="de-DE" sz="2400" dirty="0" smtClean="0"/>
+                  <a:rPr lang="de-DE" sz="2200" dirty="0" smtClean="0"/>
                   <a:t> </a:t>
                 </a:r>
                 <a:r>
-                  <a:rPr lang="de-DE" sz="2400" dirty="0" err="1" smtClean="0"/>
+                  <a:rPr lang="de-DE" sz="2200" dirty="0" err="1" smtClean="0"/>
                   <a:t>words</a:t>
                 </a:r>
                 <a:r>
-                  <a:rPr lang="de-DE" sz="2400" dirty="0" smtClean="0"/>
+                  <a:rPr lang="de-DE" sz="2200" dirty="0" smtClean="0"/>
                   <a:t>: </a:t>
                 </a:r>
                 <a:r>
-                  <a:rPr lang="de-DE" sz="2400" b="1" dirty="0" smtClean="0"/>
+                  <a:rPr lang="de-DE" sz="2200" b="1" dirty="0" smtClean="0"/>
                   <a:t>Topics </a:t>
                 </a:r>
                 <a:r>
-                  <a:rPr lang="de-DE" sz="2400" b="1" dirty="0" err="1" smtClean="0"/>
+                  <a:rPr lang="de-DE" sz="2200" b="1" dirty="0" err="1" smtClean="0"/>
                   <a:t>are</a:t>
                 </a:r>
                 <a:r>
-                  <a:rPr lang="de-DE" sz="2400" b="1" dirty="0" smtClean="0"/>
+                  <a:rPr lang="de-DE" sz="2200" b="1" dirty="0" smtClean="0"/>
                   <a:t> </a:t>
                 </a:r>
                 <a:r>
-                  <a:rPr lang="de-DE" sz="2400" b="1" dirty="0" err="1" smtClean="0"/>
+                  <a:rPr lang="de-DE" sz="2200" b="1" dirty="0" err="1" smtClean="0"/>
                   <a:t>disjunct</a:t>
                 </a:r>
                 <a:r>
-                  <a:rPr lang="de-DE" sz="2400" b="1" dirty="0" smtClean="0"/>
+                  <a:rPr lang="de-DE" sz="2200" b="1" dirty="0" smtClean="0"/>
                   <a:t> </a:t>
                 </a:r>
                 <a:r>
-                  <a:rPr lang="de-DE" sz="2400" b="1" dirty="0" err="1" smtClean="0"/>
+                  <a:rPr lang="de-DE" sz="2200" b="1" dirty="0" err="1" smtClean="0"/>
                   <a:t>sets</a:t>
                 </a:r>
                 <a:r>
-                  <a:rPr lang="de-DE" sz="2400" b="1" dirty="0" smtClean="0"/>
+                  <a:rPr lang="de-DE" sz="2200" b="1" dirty="0" smtClean="0"/>
                   <a:t> not </a:t>
                 </a:r>
                 <a:r>
-                  <a:rPr lang="de-DE" sz="2400" b="1" dirty="0" err="1" smtClean="0"/>
+                  <a:rPr lang="de-DE" sz="2200" b="1" dirty="0" err="1" smtClean="0"/>
                   <a:t>distributions</a:t>
                 </a:r>
                 <a:r>
-                  <a:rPr lang="de-DE" sz="2400" b="1" dirty="0" smtClean="0"/>
+                  <a:rPr lang="de-DE" sz="2200" b="1" dirty="0" smtClean="0"/>
                   <a:t>.</a:t>
                 </a:r>
               </a:p>
               <a:p>
                 <a:r>
-                  <a:rPr lang="de-DE" sz="2400" dirty="0" smtClean="0"/>
+                  <a:rPr lang="de-DE" sz="2200" dirty="0" smtClean="0"/>
                   <a:t>Topic </a:t>
                 </a:r>
                 <a:r>
-                  <a:rPr lang="de-DE" sz="2400" dirty="0" err="1" smtClean="0"/>
+                  <a:rPr lang="de-DE" sz="2200" dirty="0" err="1" smtClean="0"/>
                   <a:t>grouper</a:t>
                 </a:r>
                 <a:r>
-                  <a:rPr lang="de-DE" sz="2400" dirty="0" smtClean="0"/>
+                  <a:rPr lang="de-DE" sz="2200" dirty="0" smtClean="0"/>
                   <a:t> </a:t>
                 </a:r>
                 <a:r>
-                  <a:rPr lang="de-DE" sz="2400" dirty="0" err="1" smtClean="0"/>
+                  <a:rPr lang="de-DE" sz="2200" dirty="0" err="1" smtClean="0"/>
                   <a:t>computes</a:t>
                 </a:r>
                 <a:r>
-                  <a:rPr lang="de-DE" sz="2400" dirty="0" smtClean="0"/>
+                  <a:rPr lang="de-DE" sz="2200" dirty="0" smtClean="0"/>
                   <a:t> </a:t>
                 </a:r>
                 <a:r>
-                  <a:rPr lang="de-DE" sz="2400" dirty="0" err="1" smtClean="0"/>
+                  <a:rPr lang="de-DE" sz="2200" dirty="0" err="1" smtClean="0"/>
                   <a:t>these</a:t>
                 </a:r>
                 <a:r>
-                  <a:rPr lang="de-DE" sz="2400" dirty="0" smtClean="0"/>
+                  <a:rPr lang="de-DE" sz="2200" dirty="0" smtClean="0"/>
                   <a:t> </a:t>
                 </a:r>
                 <a:r>
-                  <a:rPr lang="de-DE" sz="2400" dirty="0" err="1" smtClean="0"/>
+                  <a:rPr lang="de-DE" sz="2200" dirty="0" err="1" smtClean="0"/>
                   <a:t>sets</a:t>
                 </a:r>
                 <a:r>
-                  <a:rPr lang="de-DE" sz="2400" dirty="0"/>
+                  <a:rPr lang="de-DE" sz="2200" dirty="0"/>
                   <a:t> </a:t>
                 </a:r>
                 <a:r>
-                  <a:rPr lang="de-DE" sz="2400" dirty="0" err="1" smtClean="0"/>
+                  <a:rPr lang="de-DE" sz="2200" dirty="0" err="1" smtClean="0"/>
                   <a:t>with</a:t>
                 </a:r>
                 <a:r>
-                  <a:rPr lang="de-DE" sz="2400" dirty="0" smtClean="0"/>
+                  <a:rPr lang="de-DE" sz="2200" dirty="0" smtClean="0"/>
                   <a:t> </a:t>
                 </a:r>
                 <a:r>
-                  <a:rPr lang="de-DE" sz="2400" dirty="0" err="1" smtClean="0"/>
+                  <a:rPr lang="de-DE" sz="2200" dirty="0" err="1" smtClean="0"/>
                   <a:t>regard</a:t>
                 </a:r>
                 <a:r>
-                  <a:rPr lang="de-DE" sz="2400" dirty="0" smtClean="0"/>
+                  <a:rPr lang="de-DE" sz="2200" dirty="0" smtClean="0"/>
                   <a:t> </a:t>
                 </a:r>
                 <a:r>
-                  <a:rPr lang="de-DE" sz="2400" dirty="0" err="1" smtClean="0"/>
+                  <a:rPr lang="de-DE" sz="2200" dirty="0" err="1" smtClean="0"/>
                   <a:t>to</a:t>
                 </a:r>
-                <a:endParaRPr lang="de-DE" sz="2400" dirty="0" smtClean="0"/>
+                <a:endParaRPr lang="de-DE" sz="2200" dirty="0" smtClean="0"/>
               </a:p>
               <a:p>
                 <a:pPr marL="0" indent="0" algn="ctr">
                   <a:buNone/>
                 </a:pPr>
                 <a:r>
-                  <a:rPr lang="de-DE" sz="2400" dirty="0" smtClean="0"/>
+                  <a:rPr lang="de-DE" sz="2200" dirty="0" smtClean="0"/>
                   <a:t> </a:t>
                 </a:r>
                 <a14:m>
@@ -13574,14 +13707,14 @@
                     <m:sSub>
                       <m:sSubPr>
                         <m:ctrlPr>
-                          <a:rPr lang="de-DE" sz="2400" b="0" i="1" smtClean="0">
+                          <a:rPr lang="de-DE" sz="2200" b="0" i="1" smtClean="0">
                             <a:latin typeface="Cambria Math" panose="02040503050406030204" pitchFamily="18" charset="0"/>
                           </a:rPr>
                         </m:ctrlPr>
                       </m:sSubPr>
                       <m:e>
                         <m:r>
-                          <a:rPr lang="de-DE" sz="2400" b="0" i="1" smtClean="0">
+                          <a:rPr lang="de-DE" sz="2200" b="0" i="1" smtClean="0">
                             <a:latin typeface="Cambria Math" panose="02040503050406030204" pitchFamily="18" charset="0"/>
                           </a:rPr>
                           <m:t>𝑎𝑟𝑔𝑚𝑎𝑥</m:t>
@@ -13589,7 +13722,7 @@
                       </m:e>
                       <m:sub>
                         <m:r>
-                          <a:rPr lang="de-DE" sz="2400" b="0" i="1" smtClean="0">
+                          <a:rPr lang="de-DE" sz="2200" b="0" i="1" smtClean="0">
                             <a:latin typeface="Cambria Math" panose="02040503050406030204" pitchFamily="18" charset="0"/>
                             <a:ea typeface="Cambria Math" panose="02040503050406030204" pitchFamily="18" charset="0"/>
                           </a:rPr>
@@ -13598,7 +13731,7 @@
                       </m:sub>
                     </m:sSub>
                     <m:r>
-                      <a:rPr lang="de-DE" sz="2400" b="0" i="1" smtClean="0">
+                      <a:rPr lang="de-DE" sz="2200" b="0" i="1" smtClean="0">
                         <a:latin typeface="Cambria Math" panose="02040503050406030204" pitchFamily="18" charset="0"/>
                       </a:rPr>
                       <m:t> </m:t>
@@ -13607,7 +13740,7 @@
                       <m:naryPr>
                         <m:chr m:val="∏"/>
                         <m:ctrlPr>
-                          <a:rPr lang="de-DE" sz="2400" b="0" i="1" smtClean="0">
+                          <a:rPr lang="de-DE" sz="2200" b="0" i="1" smtClean="0">
                             <a:latin typeface="Cambria Math" panose="02040503050406030204" pitchFamily="18" charset="0"/>
                           </a:rPr>
                         </m:ctrlPr>
@@ -13617,19 +13750,19 @@
                           <m:rPr>
                             <m:brk m:alnAt="23"/>
                           </m:rPr>
-                          <a:rPr lang="de-DE" sz="2400" b="0" i="1" smtClean="0">
+                          <a:rPr lang="de-DE" sz="2200" b="0" i="1" smtClean="0">
                             <a:latin typeface="Cambria Math" panose="02040503050406030204" pitchFamily="18" charset="0"/>
                           </a:rPr>
                           <m:t>𝑑</m:t>
                         </m:r>
                         <m:r>
-                          <a:rPr lang="de-DE" sz="2400" b="0" i="1" smtClean="0">
+                          <a:rPr lang="de-DE" sz="2200" b="0" i="1" smtClean="0">
                             <a:latin typeface="Cambria Math" panose="02040503050406030204" pitchFamily="18" charset="0"/>
                           </a:rPr>
                           <m:t> ∈</m:t>
                         </m:r>
                         <m:r>
-                          <a:rPr lang="de-DE" sz="2400" b="0" i="1" smtClean="0">
+                          <a:rPr lang="de-DE" sz="2200" b="0" i="1" smtClean="0">
                             <a:latin typeface="Cambria Math" panose="02040503050406030204" pitchFamily="18" charset="0"/>
                             <a:ea typeface="Cambria Math" panose="02040503050406030204" pitchFamily="18" charset="0"/>
                           </a:rPr>
@@ -13639,38 +13772,38 @@
                       <m:sup/>
                       <m:e>
                         <m:r>
-                          <a:rPr lang="de-DE" sz="2400" b="0" i="1" smtClean="0">
+                          <a:rPr lang="de-DE" sz="2200" b="0" i="1" smtClean="0">
                             <a:latin typeface="Cambria Math" panose="02040503050406030204" pitchFamily="18" charset="0"/>
                           </a:rPr>
                           <m:t>𝑝</m:t>
                         </m:r>
                         <m:r>
-                          <a:rPr lang="de-DE" sz="2400" b="0" i="1" smtClean="0">
+                          <a:rPr lang="de-DE" sz="2200" b="0" i="1" smtClean="0">
                             <a:latin typeface="Cambria Math" panose="02040503050406030204" pitchFamily="18" charset="0"/>
                           </a:rPr>
                           <m:t>(</m:t>
                         </m:r>
                         <m:r>
-                          <a:rPr lang="de-DE" sz="2400" b="0" i="1" smtClean="0">
+                          <a:rPr lang="de-DE" sz="2200" b="0" i="1" smtClean="0">
                             <a:latin typeface="Cambria Math" panose="02040503050406030204" pitchFamily="18" charset="0"/>
                           </a:rPr>
                           <m:t>𝑑</m:t>
                         </m:r>
                         <m:r>
-                          <a:rPr lang="de-DE" sz="2400" b="0" i="1" smtClean="0">
+                          <a:rPr lang="de-DE" sz="2200" b="0" i="1" smtClean="0">
                             <a:latin typeface="Cambria Math" panose="02040503050406030204" pitchFamily="18" charset="0"/>
                           </a:rPr>
                           <m:t>|</m:t>
                         </m:r>
                         <m:r>
-                          <a:rPr lang="de-DE" sz="2400" b="0" i="1" smtClean="0">
+                          <a:rPr lang="de-DE" sz="2200" b="0" i="1" smtClean="0">
                             <a:latin typeface="Cambria Math" panose="02040503050406030204" pitchFamily="18" charset="0"/>
                             <a:ea typeface="Cambria Math" panose="02040503050406030204" pitchFamily="18" charset="0"/>
                           </a:rPr>
                           <m:t>𝜋</m:t>
                         </m:r>
                         <m:r>
-                          <a:rPr lang="de-DE" sz="2400" b="0" i="1" smtClean="0">
+                          <a:rPr lang="de-DE" sz="2200" b="0" i="1" smtClean="0">
                             <a:latin typeface="Cambria Math" panose="02040503050406030204" pitchFamily="18" charset="0"/>
                           </a:rPr>
                           <m:t>)</m:t>
@@ -13679,48 +13812,48 @@
                     </m:nary>
                   </m:oMath>
                 </a14:m>
-                <a:endParaRPr lang="de-DE" sz="2400" dirty="0" smtClean="0"/>
+                <a:endParaRPr lang="de-DE" sz="2200" dirty="0" smtClean="0"/>
               </a:p>
               <a:p>
                 <a:pPr marL="0" indent="0">
                   <a:buNone/>
                 </a:pPr>
                 <a:r>
-                  <a:rPr lang="de-DE" sz="2400" dirty="0"/>
+                  <a:rPr lang="de-DE" sz="2200" dirty="0"/>
                   <a:t> </a:t>
                 </a:r>
                 <a:r>
-                  <a:rPr lang="de-DE" sz="2400" dirty="0" smtClean="0"/>
+                  <a:rPr lang="de-DE" sz="2200" dirty="0" smtClean="0"/>
                   <a:t>   </a:t>
                 </a:r>
                 <a:r>
-                  <a:rPr lang="de-DE" sz="2400" dirty="0" err="1" smtClean="0"/>
+                  <a:rPr lang="de-DE" sz="2200" dirty="0" err="1" smtClean="0"/>
                   <a:t>from</a:t>
                 </a:r>
                 <a:r>
-                  <a:rPr lang="de-DE" sz="2400" dirty="0" smtClean="0"/>
+                  <a:rPr lang="de-DE" sz="2200" dirty="0" smtClean="0"/>
                   <a:t> </a:t>
                 </a:r>
                 <a:r>
-                  <a:rPr lang="de-DE" sz="2400" dirty="0" err="1" smtClean="0"/>
+                  <a:rPr lang="de-DE" sz="2200" dirty="0" err="1" smtClean="0"/>
                   <a:t>before</a:t>
                 </a:r>
                 <a:r>
-                  <a:rPr lang="de-DE" sz="2400" dirty="0"/>
+                  <a:rPr lang="de-DE" sz="2200" dirty="0"/>
                   <a:t> </a:t>
                 </a:r>
                 <a:r>
-                  <a:rPr lang="de-DE" sz="2400" dirty="0" err="1" smtClean="0"/>
+                  <a:rPr lang="de-DE" sz="2200" dirty="0" err="1" smtClean="0"/>
                   <a:t>and</a:t>
                 </a:r>
                 <a:r>
-                  <a:rPr lang="de-DE" sz="2400" dirty="0" smtClean="0"/>
+                  <a:rPr lang="de-DE" sz="2200" dirty="0" smtClean="0"/>
                   <a:t> </a:t>
                 </a:r>
                 <a14:m>
                   <m:oMath xmlns:m="http://schemas.openxmlformats.org/officeDocument/2006/math">
                     <m:r>
-                      <a:rPr lang="de-DE" sz="2400" b="1" i="1" smtClean="0">
+                      <a:rPr lang="de-DE" sz="2200" b="1" i="1" smtClean="0">
                         <a:latin typeface="Cambria Math" panose="02040503050406030204" pitchFamily="18" charset="0"/>
                         <a:ea typeface="Cambria Math" panose="02040503050406030204" pitchFamily="18" charset="0"/>
                       </a:rPr>
@@ -13729,169 +13862,173 @@
                   </m:oMath>
                 </a14:m>
                 <a:r>
-                  <a:rPr lang="de-DE" sz="2400" b="1" dirty="0" smtClean="0"/>
+                  <a:rPr lang="de-DE" sz="2200" b="1" dirty="0" smtClean="0"/>
                   <a:t> </a:t>
                 </a:r>
                 <a:r>
-                  <a:rPr lang="de-DE" sz="2400" b="1" dirty="0" err="1" smtClean="0"/>
+                  <a:rPr lang="de-DE" sz="2200" b="1" dirty="0" err="1" smtClean="0"/>
                   <a:t>is</a:t>
                 </a:r>
                 <a:r>
-                  <a:rPr lang="de-DE" sz="2400" b="1" dirty="0" smtClean="0"/>
+                  <a:rPr lang="de-DE" sz="2200" b="1" dirty="0" smtClean="0"/>
                   <a:t> </a:t>
                 </a:r>
                 <a:r>
-                  <a:rPr lang="de-DE" sz="2400" b="1" dirty="0" err="1" smtClean="0"/>
+                  <a:rPr lang="de-DE" sz="2200" b="1" dirty="0" err="1" smtClean="0"/>
                   <a:t>simply</a:t>
                 </a:r>
                 <a:r>
-                  <a:rPr lang="de-DE" sz="2400" b="1" dirty="0" smtClean="0"/>
+                  <a:rPr lang="de-DE" sz="2200" b="1" dirty="0" smtClean="0"/>
                   <a:t> </a:t>
                 </a:r>
                 <a:r>
-                  <a:rPr lang="de-DE" sz="2400" b="1" dirty="0" err="1" smtClean="0"/>
+                  <a:rPr lang="de-DE" sz="2200" b="1" dirty="0" err="1" smtClean="0"/>
                   <a:t>the</a:t>
                 </a:r>
                 <a:r>
-                  <a:rPr lang="de-DE" sz="2400" b="1" dirty="0" smtClean="0"/>
+                  <a:rPr lang="de-DE" sz="2200" b="1" dirty="0" smtClean="0"/>
                   <a:t> </a:t>
                 </a:r>
                 <a:r>
-                  <a:rPr lang="de-DE" sz="2400" b="1" dirty="0" err="1" smtClean="0"/>
+                  <a:rPr lang="de-DE" sz="2200" b="1" dirty="0" err="1" smtClean="0"/>
                   <a:t>partitioning</a:t>
                 </a:r>
                 <a:r>
-                  <a:rPr lang="de-DE" sz="2400" b="1" dirty="0" smtClean="0"/>
+                  <a:rPr lang="de-DE" sz="2200" b="1" dirty="0" smtClean="0"/>
                   <a:t> </a:t>
                 </a:r>
                 <a:r>
-                  <a:rPr lang="de-DE" sz="2400" b="1" dirty="0" err="1" smtClean="0"/>
+                  <a:rPr lang="de-DE" sz="2200" b="1" dirty="0" err="1" smtClean="0"/>
                   <a:t>of</a:t>
                 </a:r>
                 <a:r>
-                  <a:rPr lang="de-DE" sz="2400" b="1" dirty="0" smtClean="0"/>
+                  <a:rPr lang="de-DE" sz="2200" b="1" dirty="0" smtClean="0"/>
                   <a:t> </a:t>
                 </a:r>
                 <a:r>
-                  <a:rPr lang="de-DE" sz="2400" b="1" dirty="0" err="1" smtClean="0"/>
+                  <a:rPr lang="de-DE" sz="2200" b="1" dirty="0" err="1" smtClean="0"/>
                   <a:t>the</a:t>
                 </a:r>
                 <a:r>
-                  <a:rPr lang="de-DE" sz="2400" b="1" dirty="0" smtClean="0"/>
+                  <a:rPr lang="de-DE" sz="2200" b="1" dirty="0" smtClean="0"/>
                   <a:t> </a:t>
                 </a:r>
                 <a:r>
-                  <a:rPr lang="de-DE" sz="2400" b="1" dirty="0" err="1" smtClean="0"/>
+                  <a:rPr lang="de-DE" sz="2200" b="1" dirty="0" err="1" smtClean="0"/>
                   <a:t>vocabulary</a:t>
                 </a:r>
                 <a:r>
-                  <a:rPr lang="de-DE" sz="2400" b="1" dirty="0" smtClean="0"/>
+                  <a:rPr lang="de-DE" sz="2200" b="1" dirty="0" smtClean="0"/>
                   <a:t> V.</a:t>
                 </a:r>
               </a:p>
               <a:p>
                 <a:r>
-                  <a:rPr lang="de-DE" sz="2400" dirty="0" err="1" smtClean="0"/>
+                  <a:rPr lang="de-DE" sz="2200" dirty="0" err="1" smtClean="0"/>
                   <a:t>It</a:t>
                 </a:r>
                 <a:r>
-                  <a:rPr lang="de-DE" sz="2400" dirty="0" smtClean="0"/>
+                  <a:rPr lang="de-DE" sz="2200" dirty="0" smtClean="0"/>
                   <a:t> </a:t>
                 </a:r>
                 <a:r>
-                  <a:rPr lang="de-DE" sz="2400" dirty="0" err="1" smtClean="0"/>
+                  <a:rPr lang="de-DE" sz="2200" dirty="0" err="1" smtClean="0"/>
                   <a:t>turns</a:t>
                 </a:r>
                 <a:r>
-                  <a:rPr lang="de-DE" sz="2400" dirty="0" smtClean="0"/>
+                  <a:rPr lang="de-DE" sz="2200" dirty="0" smtClean="0"/>
                   <a:t> out </a:t>
                 </a:r>
                 <a:r>
-                  <a:rPr lang="de-DE" sz="2400" dirty="0" err="1" smtClean="0"/>
+                  <a:rPr lang="de-DE" sz="2200" dirty="0" err="1" smtClean="0"/>
                   <a:t>that</a:t>
                 </a:r>
                 <a:r>
-                  <a:rPr lang="de-DE" sz="2400" dirty="0" smtClean="0"/>
+                  <a:rPr lang="de-DE" sz="2200" dirty="0" smtClean="0"/>
                   <a:t> </a:t>
                 </a:r>
                 <a:r>
-                  <a:rPr lang="de-DE" sz="2400" dirty="0" err="1" smtClean="0"/>
+                  <a:rPr lang="de-DE" sz="2200" dirty="0" err="1" smtClean="0"/>
                   <a:t>this</a:t>
                 </a:r>
                 <a:r>
-                  <a:rPr lang="de-DE" sz="2400" dirty="0" smtClean="0"/>
+                  <a:rPr lang="de-DE" sz="2200" dirty="0" smtClean="0"/>
                   <a:t> </a:t>
                 </a:r>
                 <a:r>
-                  <a:rPr lang="de-DE" sz="2400" dirty="0" err="1" smtClean="0"/>
+                  <a:rPr lang="de-DE" sz="2200" dirty="0" err="1" smtClean="0"/>
                   <a:t>can</a:t>
                 </a:r>
                 <a:r>
-                  <a:rPr lang="de-DE" sz="2400" dirty="0" smtClean="0"/>
+                  <a:rPr lang="de-DE" sz="2200" dirty="0" smtClean="0"/>
                   <a:t> </a:t>
                 </a:r>
                 <a:r>
-                  <a:rPr lang="de-DE" sz="2400" dirty="0" err="1" smtClean="0"/>
+                  <a:rPr lang="de-DE" sz="2200" dirty="0" err="1" smtClean="0"/>
                   <a:t>be</a:t>
                 </a:r>
                 <a:r>
-                  <a:rPr lang="de-DE" sz="2400" dirty="0" smtClean="0"/>
+                  <a:rPr lang="de-DE" sz="2200" dirty="0" smtClean="0"/>
                   <a:t> </a:t>
                 </a:r>
                 <a:r>
-                  <a:rPr lang="de-DE" sz="2400" dirty="0" err="1" smtClean="0"/>
-                  <a:t>done</a:t>
-                </a:r>
-                <a:r>
-                  <a:rPr lang="de-DE" sz="2400" dirty="0" smtClean="0"/>
+                  <a:rPr lang="de-DE" sz="2200" dirty="0" err="1" smtClean="0"/>
+                  <a:t>solved</a:t>
+                </a:r>
+                <a:r>
+                  <a:rPr lang="de-DE" sz="2200" dirty="0" smtClean="0"/>
                   <a:t> </a:t>
                 </a:r>
                 <a:r>
-                  <a:rPr lang="de-DE" sz="2400" dirty="0" err="1" smtClean="0"/>
+                  <a:rPr lang="de-DE" sz="2200" dirty="0" err="1" smtClean="0"/>
                   <a:t>well</a:t>
                 </a:r>
                 <a:r>
-                  <a:rPr lang="de-DE" sz="2400" dirty="0" smtClean="0"/>
-                  <a:t> via </a:t>
-                </a:r>
-                <a:r>
-                  <a:rPr lang="de-DE" sz="2400" b="1" dirty="0" err="1" smtClean="0"/>
+                  <a:rPr lang="de-DE" sz="2200" dirty="0" smtClean="0"/>
+                  <a:t> </a:t>
+                </a:r>
+                <a:r>
+                  <a:rPr lang="de-DE" sz="2200" dirty="0" smtClean="0"/>
+                  <a:t>via </a:t>
+                </a:r>
+                <a:r>
+                  <a:rPr lang="de-DE" sz="2200" b="1" dirty="0" err="1" smtClean="0"/>
                   <a:t>agglomerative</a:t>
                 </a:r>
                 <a:r>
-                  <a:rPr lang="de-DE" sz="2400" b="1" dirty="0" smtClean="0"/>
+                  <a:rPr lang="de-DE" sz="2200" b="1" dirty="0" smtClean="0"/>
                   <a:t> </a:t>
                 </a:r>
                 <a:r>
-                  <a:rPr lang="de-DE" sz="2400" b="1" dirty="0" err="1" smtClean="0"/>
+                  <a:rPr lang="de-DE" sz="2200" b="1" dirty="0" err="1" smtClean="0"/>
                   <a:t>clustering</a:t>
                 </a:r>
                 <a:r>
-                  <a:rPr lang="de-DE" sz="2400" dirty="0" smtClean="0"/>
+                  <a:rPr lang="de-DE" sz="2200" dirty="0" smtClean="0"/>
                   <a:t> in a </a:t>
                 </a:r>
                 <a:r>
-                  <a:rPr lang="de-DE" sz="2400" dirty="0" err="1" smtClean="0"/>
+                  <a:rPr lang="de-DE" sz="2200" dirty="0" err="1" smtClean="0"/>
                   <a:t>reasonably</a:t>
                 </a:r>
                 <a:r>
-                  <a:rPr lang="de-DE" sz="2400" dirty="0" smtClean="0"/>
+                  <a:rPr lang="de-DE" sz="2200" dirty="0" smtClean="0"/>
                   <a:t> </a:t>
                 </a:r>
                 <a:r>
-                  <a:rPr lang="de-DE" sz="2400" dirty="0" err="1" smtClean="0"/>
+                  <a:rPr lang="de-DE" sz="2200" dirty="0" err="1" smtClean="0"/>
                   <a:t>efficient</a:t>
                 </a:r>
                 <a:r>
-                  <a:rPr lang="de-DE" sz="2400" dirty="0" smtClean="0"/>
+                  <a:rPr lang="de-DE" sz="2200" dirty="0" smtClean="0"/>
                   <a:t> </a:t>
                 </a:r>
                 <a:r>
-                  <a:rPr lang="de-DE" sz="2400" dirty="0" err="1" smtClean="0"/>
+                  <a:rPr lang="de-DE" sz="2200" dirty="0" err="1" smtClean="0"/>
                   <a:t>way</a:t>
                 </a:r>
                 <a:r>
-                  <a:rPr lang="de-DE" sz="2400" dirty="0" smtClean="0"/>
+                  <a:rPr lang="de-DE" sz="2200" dirty="0" smtClean="0"/>
                   <a:t>!</a:t>
                 </a:r>
               </a:p>
@@ -13904,7 +14041,7 @@
             </p:txBody>
           </p:sp>
         </mc:Choice>
-        <mc:Fallback xmlns="">
+        <mc:Fallback>
           <p:sp>
             <p:nvSpPr>
               <p:cNvPr id="3" name="Inhaltsplatzhalter 2"/>
@@ -13919,7 +14056,7 @@
               <a:blipFill rotWithShape="0">
                 <a:blip r:embed="rId2"/>
                 <a:stretch>
-                  <a:fillRect l="-812" t="-1961"/>
+                  <a:fillRect l="-696" t="-4342"/>
                 </a:stretch>
               </a:blipFill>
             </p:spPr>
@@ -16520,19 +16657,27 @@
               <a:buAutoNum type="arabicPeriod" startAt="3"/>
             </a:pPr>
             <a:r>
-              <a:rPr lang="de-DE" dirty="0" err="1" smtClean="0"/>
+              <a:rPr lang="de-DE" sz="2400" dirty="0" err="1" smtClean="0"/>
               <a:t>Apply</a:t>
             </a:r>
             <a:r>
-              <a:rPr lang="de-DE" dirty="0" smtClean="0"/>
-              <a:t> </a:t>
-            </a:r>
-            <a:r>
-              <a:rPr lang="de-DE" dirty="0" err="1" smtClean="0"/>
+              <a:rPr lang="de-DE" sz="2400" dirty="0" smtClean="0"/>
+              <a:t> </a:t>
+            </a:r>
+            <a:r>
+              <a:rPr lang="de-DE" sz="2400" dirty="0" err="1" smtClean="0"/>
+              <a:t>the</a:t>
+            </a:r>
+            <a:r>
+              <a:rPr lang="de-DE" sz="2400" dirty="0" smtClean="0"/>
+              <a:t> </a:t>
+            </a:r>
+            <a:r>
+              <a:rPr lang="de-DE" sz="2400" dirty="0" err="1" smtClean="0"/>
               <a:t>logarithm</a:t>
             </a:r>
             <a:r>
-              <a:rPr lang="de-DE" dirty="0" smtClean="0"/>
+              <a:rPr lang="de-DE" sz="2400" dirty="0" smtClean="0"/>
               <a:t>:</a:t>
             </a:r>
           </a:p>
@@ -16541,14 +16686,14 @@
               <a:buFont typeface="+mj-lt"/>
               <a:buAutoNum type="arabicPeriod" startAt="3"/>
             </a:pPr>
-            <a:endParaRPr lang="de-DE" dirty="0"/>
+            <a:endParaRPr lang="de-DE" sz="2400" dirty="0"/>
           </a:p>
           <a:p>
             <a:pPr marL="514350" indent="-514350">
               <a:buFont typeface="+mj-lt"/>
               <a:buAutoNum type="arabicPeriod" startAt="3"/>
             </a:pPr>
-            <a:endParaRPr lang="de-DE" dirty="0" smtClean="0"/>
+            <a:endParaRPr lang="de-DE" sz="2400" dirty="0" smtClean="0"/>
           </a:p>
           <a:p>
             <a:pPr marL="514350" indent="-514350">
@@ -16556,27 +16701,27 @@
               <a:buAutoNum type="arabicPeriod" startAt="3"/>
             </a:pPr>
             <a:r>
-              <a:rPr lang="de-DE" dirty="0" err="1" smtClean="0"/>
+              <a:rPr lang="de-DE" sz="2400" dirty="0" err="1" smtClean="0"/>
               <a:t>Estimate</a:t>
             </a:r>
             <a:r>
-              <a:rPr lang="de-DE" dirty="0" smtClean="0"/>
-              <a:t> </a:t>
-            </a:r>
-            <a:r>
-              <a:rPr lang="de-DE" dirty="0" err="1" smtClean="0"/>
+              <a:rPr lang="de-DE" sz="2400" dirty="0" smtClean="0"/>
+              <a:t> </a:t>
+            </a:r>
+            <a:r>
+              <a:rPr lang="de-DE" sz="2400" dirty="0" err="1" smtClean="0"/>
               <a:t>probabilities</a:t>
             </a:r>
             <a:r>
-              <a:rPr lang="de-DE" dirty="0" smtClean="0"/>
-              <a:t> </a:t>
-            </a:r>
-            <a:r>
-              <a:rPr lang="de-DE" dirty="0" err="1" smtClean="0"/>
+              <a:rPr lang="de-DE" sz="2400" dirty="0" smtClean="0"/>
+              <a:t> </a:t>
+            </a:r>
+            <a:r>
+              <a:rPr lang="de-DE" sz="2400" dirty="0" err="1" smtClean="0"/>
               <a:t>using</a:t>
             </a:r>
             <a:r>
-              <a:rPr lang="de-DE" dirty="0" smtClean="0"/>
+              <a:rPr lang="de-DE" sz="2400" dirty="0" smtClean="0"/>
               <a:t> D:</a:t>
             </a:r>
           </a:p>
@@ -16585,14 +16730,14 @@
               <a:buFont typeface="+mj-lt"/>
               <a:buAutoNum type="arabicPeriod" startAt="3"/>
             </a:pPr>
-            <a:endParaRPr lang="de-DE" dirty="0"/>
+            <a:endParaRPr lang="de-DE" sz="2400" dirty="0"/>
           </a:p>
           <a:p>
             <a:pPr marL="514350" indent="-514350">
               <a:buFont typeface="+mj-lt"/>
               <a:buAutoNum type="arabicPeriod" startAt="3"/>
             </a:pPr>
-            <a:endParaRPr lang="de-DE" dirty="0" smtClean="0"/>
+            <a:endParaRPr lang="de-DE" sz="2400" dirty="0" smtClean="0"/>
           </a:p>
           <a:p>
             <a:pPr marL="514350" indent="-514350">
@@ -16600,81 +16745,106 @@
               <a:buAutoNum type="arabicPeriod" startAt="3"/>
             </a:pPr>
             <a:r>
-              <a:rPr lang="de-DE" dirty="0" smtClean="0"/>
+              <a:rPr lang="de-DE" sz="2400" dirty="0" smtClean="0"/>
               <a:t>Think </a:t>
             </a:r>
             <a:r>
-              <a:rPr lang="de-DE" dirty="0" err="1" smtClean="0"/>
+              <a:rPr lang="de-DE" sz="2400" dirty="0" err="1" smtClean="0"/>
               <a:t>of</a:t>
             </a:r>
             <a:r>
-              <a:rPr lang="de-DE" dirty="0" smtClean="0"/>
-              <a:t> </a:t>
-            </a:r>
-            <a:r>
-              <a:rPr lang="de-DE" dirty="0" err="1" smtClean="0"/>
+              <a:rPr lang="de-DE" sz="2400" dirty="0" smtClean="0"/>
+              <a:t> </a:t>
+            </a:r>
+            <a:r>
+              <a:rPr lang="de-DE" sz="2400" dirty="0" err="1" smtClean="0"/>
               <a:t>it</a:t>
             </a:r>
             <a:r>
-              <a:rPr lang="de-DE" dirty="0" smtClean="0"/>
-              <a:t> </a:t>
-            </a:r>
-            <a:r>
-              <a:rPr lang="de-DE" dirty="0" err="1" smtClean="0"/>
+              <a:rPr lang="de-DE" sz="2400" dirty="0" smtClean="0"/>
+              <a:t> </a:t>
+            </a:r>
+            <a:r>
+              <a:rPr lang="de-DE" sz="2400" dirty="0" err="1" smtClean="0"/>
               <a:t>as</a:t>
             </a:r>
             <a:r>
-              <a:rPr lang="de-DE" dirty="0" smtClean="0"/>
-              <a:t> </a:t>
-            </a:r>
-            <a:r>
-              <a:rPr lang="de-DE" dirty="0" err="1" smtClean="0"/>
+              <a:rPr lang="de-DE" sz="2400" dirty="0" smtClean="0"/>
+              <a:t> </a:t>
+            </a:r>
+            <a:r>
+              <a:rPr lang="de-DE" sz="2400" dirty="0" err="1" smtClean="0"/>
               <a:t>stepwise</a:t>
             </a:r>
             <a:r>
-              <a:rPr lang="de-DE" dirty="0" smtClean="0"/>
-              <a:t> </a:t>
-            </a:r>
-            <a:r>
-              <a:rPr lang="de-DE" dirty="0" err="1" smtClean="0"/>
+              <a:rPr lang="de-DE" sz="2400" dirty="0" smtClean="0"/>
+              <a:t> </a:t>
+            </a:r>
+            <a:r>
+              <a:rPr lang="de-DE" sz="2400" dirty="0" err="1" smtClean="0"/>
               <a:t>optimization</a:t>
             </a:r>
             <a:r>
-              <a:rPr lang="de-DE" dirty="0" smtClean="0"/>
-              <a:t> </a:t>
-            </a:r>
-            <a:r>
-              <a:rPr lang="de-DE" dirty="0" err="1" smtClean="0"/>
+              <a:rPr lang="de-DE" sz="2400" dirty="0" smtClean="0"/>
+              <a:t> </a:t>
+            </a:r>
+            <a:r>
+              <a:rPr lang="de-DE" sz="2400" dirty="0" err="1" smtClean="0"/>
               <a:t>process</a:t>
             </a:r>
             <a:r>
-              <a:rPr lang="de-DE" dirty="0" smtClean="0"/>
-              <a:t> </a:t>
-            </a:r>
-            <a:r>
-              <a:rPr lang="de-DE" dirty="0" err="1" smtClean="0"/>
-              <a:t>joint</a:t>
-            </a:r>
-            <a:r>
-              <a:rPr lang="de-DE" dirty="0" smtClean="0"/>
-              <a:t> 2 </a:t>
-            </a:r>
-            <a:r>
-              <a:rPr lang="de-DE" dirty="0" err="1" smtClean="0"/>
+              <a:rPr lang="de-DE" sz="2400" dirty="0" smtClean="0"/>
+              <a:t> </a:t>
+            </a:r>
+            <a:r>
+              <a:rPr lang="de-DE" sz="2400" dirty="0" err="1" smtClean="0"/>
+              <a:t>joining</a:t>
+            </a:r>
+            <a:r>
+              <a:rPr lang="de-DE" sz="2400" dirty="0" smtClean="0"/>
+              <a:t> </a:t>
+            </a:r>
+            <a:r>
+              <a:rPr lang="de-DE" sz="2400" dirty="0" smtClean="0"/>
+              <a:t>2 </a:t>
+            </a:r>
+            <a:r>
+              <a:rPr lang="de-DE" sz="2400" dirty="0" err="1" smtClean="0"/>
               <a:t>topics</a:t>
             </a:r>
             <a:r>
-              <a:rPr lang="de-DE" dirty="0" smtClean="0"/>
+              <a:rPr lang="de-DE" sz="2400" dirty="0" smtClean="0"/>
               <a:t> s </a:t>
             </a:r>
             <a:r>
-              <a:rPr lang="de-DE" dirty="0" err="1" smtClean="0"/>
+              <a:rPr lang="de-DE" sz="2400" dirty="0" err="1" smtClean="0"/>
               <a:t>and</a:t>
             </a:r>
             <a:r>
-              <a:rPr lang="de-DE" dirty="0" smtClean="0"/>
-              <a:t> t:</a:t>
-            </a:r>
+              <a:rPr lang="de-DE" sz="2400" dirty="0" smtClean="0"/>
+              <a:t> </a:t>
+            </a:r>
+            <a:r>
+              <a:rPr lang="de-DE" sz="2400" dirty="0" smtClean="0"/>
+              <a:t>t at </a:t>
+            </a:r>
+            <a:r>
+              <a:rPr lang="de-DE" sz="2400" dirty="0" err="1" smtClean="0"/>
+              <a:t>each</a:t>
+            </a:r>
+            <a:r>
+              <a:rPr lang="de-DE" sz="2400" dirty="0" smtClean="0"/>
+              <a:t> </a:t>
+            </a:r>
+            <a:r>
+              <a:rPr lang="de-DE" sz="2400" dirty="0" err="1" smtClean="0"/>
+              <a:t>step</a:t>
+            </a:r>
+            <a:r>
+              <a:rPr lang="de-DE" sz="2400" dirty="0" smtClean="0"/>
+              <a:t>:</a:t>
+            </a:r>
+            <a:endParaRPr lang="de-DE" sz="2400" dirty="0" smtClean="0"/>
           </a:p>
           <a:p>
             <a:pPr marL="514350" indent="-514350">
@@ -16701,7 +16871,7 @@
         </p:blipFill>
         <p:spPr>
           <a:xfrm>
-            <a:off x="901263" y="2030902"/>
+            <a:off x="922284" y="1908458"/>
             <a:ext cx="10765972" cy="1071104"/>
           </a:xfrm>
           <a:prstGeom prst="rect">
@@ -16725,7 +16895,7 @@
         </p:blipFill>
         <p:spPr>
           <a:xfrm>
-            <a:off x="2850932" y="3591435"/>
+            <a:off x="2861442" y="3394032"/>
             <a:ext cx="8659586" cy="790552"/>
           </a:xfrm>
           <a:prstGeom prst="rect">
@@ -16749,7 +16919,7 @@
         </p:blipFill>
         <p:spPr>
           <a:xfrm>
-            <a:off x="1345616" y="3535533"/>
+            <a:off x="1373352" y="3356402"/>
             <a:ext cx="1505316" cy="831060"/>
           </a:xfrm>
           <a:prstGeom prst="rect">
@@ -16773,7 +16943,7 @@
         </p:blipFill>
         <p:spPr>
           <a:xfrm>
-            <a:off x="2850932" y="5135309"/>
+            <a:off x="3484204" y="4914592"/>
             <a:ext cx="5302140" cy="1116703"/>
           </a:xfrm>
           <a:prstGeom prst="rect">
@@ -17596,13 +17766,8 @@
             </a:r>
             <a:r>
               <a:rPr lang="de-DE" dirty="0" smtClean="0"/>
-              <a:t>∙ </a:t>
-            </a:r>
-            <a:r>
-              <a:rPr lang="de-DE" dirty="0" smtClean="0"/>
-              <a:t>|D|)</a:t>
-            </a:r>
-            <a:endParaRPr lang="de-DE" dirty="0" smtClean="0"/>
+              <a:t>∙ |D|)</a:t>
+            </a:r>
           </a:p>
           <a:p>
             <a:r>
@@ -17642,23 +17807,7 @@
             </a:r>
             <a:r>
               <a:rPr lang="de-DE" dirty="0" smtClean="0"/>
-              <a:t> </a:t>
-            </a:r>
-            <a:r>
-              <a:rPr lang="de-DE" dirty="0" smtClean="0"/>
-              <a:t>|</a:t>
-            </a:r>
-            <a:r>
-              <a:rPr lang="de-DE" dirty="0" smtClean="0"/>
-              <a:t>D| </a:t>
-            </a:r>
-            <a:r>
-              <a:rPr lang="de-DE" dirty="0" smtClean="0"/>
-              <a:t>= </a:t>
-            </a:r>
-            <a:r>
-              <a:rPr lang="de-DE" dirty="0" smtClean="0"/>
-              <a:t>16.000 </a:t>
+              <a:t> |D| = 16.000 </a:t>
             </a:r>
             <a:r>
               <a:rPr lang="de-DE" dirty="0" err="1" smtClean="0"/>
@@ -17913,9 +18062,135 @@
           <a:bodyPr/>
           <a:lstStyle/>
           <a:p>
-            <a:r>
-              <a:rPr lang="de-DE" dirty="0" smtClean="0"/>
-              <a:t>Flat View (just like </a:t>
+            <a:pPr marL="0" indent="0">
+              <a:buNone/>
+            </a:pPr>
+            <a:r>
+              <a:rPr lang="de-DE" dirty="0"/>
+              <a:t>Short Demo on AP Corpus </a:t>
+            </a:r>
+            <a:r>
+              <a:rPr lang="de-DE" dirty="0" err="1" smtClean="0"/>
+              <a:t>Extract</a:t>
+            </a:r>
+            <a:endParaRPr lang="de-DE" dirty="0" smtClean="0"/>
+          </a:p>
+          <a:p>
+            <a:pPr lvl="1"/>
+            <a:r>
+              <a:rPr lang="de-DE" dirty="0" smtClean="0"/>
+              <a:t>2946 </a:t>
+            </a:r>
+            <a:r>
+              <a:rPr lang="de-DE" dirty="0" err="1"/>
+              <a:t>dated</a:t>
+            </a:r>
+            <a:r>
+              <a:rPr lang="de-DE" dirty="0"/>
+              <a:t> </a:t>
+            </a:r>
+            <a:r>
+              <a:rPr lang="de-DE" dirty="0" err="1"/>
+              <a:t>news</a:t>
+            </a:r>
+            <a:r>
+              <a:rPr lang="de-DE" dirty="0"/>
+              <a:t> </a:t>
+            </a:r>
+            <a:r>
+              <a:rPr lang="de-DE" dirty="0" err="1"/>
+              <a:t>wire</a:t>
+            </a:r>
+            <a:r>
+              <a:rPr lang="de-DE" dirty="0"/>
+              <a:t> </a:t>
+            </a:r>
+            <a:r>
+              <a:rPr lang="de-DE" dirty="0" err="1" smtClean="0"/>
+              <a:t>reports</a:t>
+            </a:r>
+            <a:endParaRPr lang="de-DE" dirty="0" smtClean="0"/>
+          </a:p>
+          <a:p>
+            <a:pPr lvl="1"/>
+            <a:r>
+              <a:rPr lang="de-DE" dirty="0" smtClean="0"/>
+              <a:t>5575 after </a:t>
+            </a:r>
+            <a:r>
+              <a:rPr lang="de-DE" dirty="0" err="1" smtClean="0"/>
+              <a:t>stop</a:t>
+            </a:r>
+            <a:r>
+              <a:rPr lang="de-DE" dirty="0" smtClean="0"/>
+              <a:t> </a:t>
+            </a:r>
+            <a:r>
+              <a:rPr lang="de-DE" dirty="0" err="1" smtClean="0"/>
+              <a:t>word</a:t>
+            </a:r>
+            <a:r>
+              <a:rPr lang="de-DE" dirty="0" smtClean="0"/>
+              <a:t> </a:t>
+            </a:r>
+            <a:r>
+              <a:rPr lang="de-DE" dirty="0" err="1" smtClean="0"/>
+              <a:t>removal</a:t>
+            </a:r>
+            <a:r>
+              <a:rPr lang="de-DE" dirty="0" smtClean="0"/>
+              <a:t>, </a:t>
+            </a:r>
+            <a:r>
+              <a:rPr lang="de-DE" dirty="0" err="1" smtClean="0"/>
+              <a:t>stemming</a:t>
+            </a:r>
+            <a:r>
+              <a:rPr lang="de-DE" dirty="0" smtClean="0"/>
+              <a:t>, </a:t>
+            </a:r>
+            <a:r>
+              <a:rPr lang="de-DE" dirty="0" err="1" smtClean="0"/>
+              <a:t>filtering</a:t>
+            </a:r>
+            <a:r>
+              <a:rPr lang="de-DE" dirty="0" smtClean="0"/>
+              <a:t> </a:t>
+            </a:r>
+            <a:r>
+              <a:rPr lang="de-DE" dirty="0" err="1" smtClean="0"/>
+              <a:t>by</a:t>
+            </a:r>
+            <a:r>
+              <a:rPr lang="de-DE" dirty="0" smtClean="0"/>
+              <a:t> </a:t>
+            </a:r>
+            <a:r>
+              <a:rPr lang="de-DE" dirty="0" err="1" smtClean="0"/>
+              <a:t>word</a:t>
+            </a:r>
+            <a:r>
+              <a:rPr lang="de-DE" dirty="0" smtClean="0"/>
+              <a:t> </a:t>
+            </a:r>
+            <a:r>
+              <a:rPr lang="de-DE" dirty="0" err="1" smtClean="0"/>
+              <a:t>frequency</a:t>
+            </a:r>
+            <a:r>
+              <a:rPr lang="de-DE" dirty="0" smtClean="0"/>
+              <a:t> ≥ 10</a:t>
+            </a:r>
+            <a:endParaRPr lang="de-DE" dirty="0" smtClean="0"/>
+          </a:p>
+          <a:p>
+            <a:r>
+              <a:rPr lang="de-DE" dirty="0" smtClean="0"/>
+              <a:t>Flat </a:t>
+            </a:r>
+            <a:r>
+              <a:rPr lang="de-DE" dirty="0" smtClean="0"/>
+              <a:t>View (just like </a:t>
             </a:r>
             <a:r>
               <a:rPr lang="de-DE" dirty="0" err="1" smtClean="0"/>
@@ -17923,8 +18198,88 @@
             </a:r>
             <a:r>
               <a:rPr lang="de-DE" dirty="0" smtClean="0"/>
-              <a:t> LDA)</a:t>
-            </a:r>
+              <a:t> LDA</a:t>
+            </a:r>
+            <a:r>
+              <a:rPr lang="de-DE" dirty="0" smtClean="0"/>
+              <a:t>)</a:t>
+            </a:r>
+          </a:p>
+          <a:p>
+            <a:pPr lvl="1"/>
+            <a:r>
+              <a:rPr lang="de-DE" dirty="0" smtClean="0"/>
+              <a:t>100 </a:t>
+            </a:r>
+            <a:r>
+              <a:rPr lang="de-DE" dirty="0" err="1" smtClean="0"/>
+              <a:t>topics</a:t>
+            </a:r>
+            <a:r>
+              <a:rPr lang="de-DE" dirty="0"/>
+              <a:t> </a:t>
+            </a:r>
+            <a:r>
+              <a:rPr lang="de-DE" dirty="0" smtClean="0"/>
+              <a:t>– </a:t>
+            </a:r>
+            <a:r>
+              <a:rPr lang="de-DE" dirty="0" err="1" smtClean="0"/>
+              <a:t>snapshot</a:t>
+            </a:r>
+            <a:r>
+              <a:rPr lang="de-DE" dirty="0" smtClean="0"/>
+              <a:t> </a:t>
+            </a:r>
+            <a:r>
+              <a:rPr lang="de-DE" dirty="0" err="1" smtClean="0"/>
+              <a:t>of</a:t>
+            </a:r>
+            <a:r>
+              <a:rPr lang="de-DE" dirty="0" smtClean="0"/>
+              <a:t> </a:t>
+            </a:r>
+            <a:r>
+              <a:rPr lang="de-DE" dirty="0" err="1" smtClean="0"/>
+              <a:t>the</a:t>
+            </a:r>
+            <a:r>
+              <a:rPr lang="de-DE" dirty="0" smtClean="0"/>
+              <a:t> „last 100 </a:t>
+            </a:r>
+            <a:r>
+              <a:rPr lang="de-DE" dirty="0" err="1" smtClean="0"/>
+              <a:t>clusters</a:t>
+            </a:r>
+            <a:r>
+              <a:rPr lang="de-DE" dirty="0" smtClean="0"/>
+              <a:t>“ on </a:t>
+            </a:r>
+            <a:r>
+              <a:rPr lang="de-DE" dirty="0" err="1" smtClean="0"/>
+              <a:t>the</a:t>
+            </a:r>
+            <a:r>
+              <a:rPr lang="de-DE" dirty="0" smtClean="0"/>
+              <a:t> </a:t>
+            </a:r>
+            <a:r>
+              <a:rPr lang="de-DE" dirty="0" err="1" smtClean="0"/>
+              <a:t>way</a:t>
+            </a:r>
+            <a:r>
+              <a:rPr lang="de-DE" dirty="0" smtClean="0"/>
+              <a:t> </a:t>
+            </a:r>
+            <a:r>
+              <a:rPr lang="de-DE" dirty="0" err="1" smtClean="0"/>
+              <a:t>to</a:t>
+            </a:r>
+            <a:r>
+              <a:rPr lang="de-DE" dirty="0" smtClean="0"/>
+              <a:t> 1</a:t>
+            </a:r>
+            <a:endParaRPr lang="de-DE" dirty="0" smtClean="0"/>
           </a:p>
           <a:p>
             <a:r>
@@ -17953,15 +18308,11 @@
             </a:r>
             <a:r>
               <a:rPr lang="de-DE" dirty="0" smtClean="0"/>
-              <a:t> (</a:t>
-            </a:r>
-            <a:r>
-              <a:rPr lang="de-DE" dirty="0" err="1" smtClean="0"/>
-              <a:t>much</a:t>
-            </a:r>
-            <a:r>
-              <a:rPr lang="de-DE" dirty="0" smtClean="0"/>
-              <a:t> </a:t>
+              <a:t> </a:t>
+            </a:r>
+            <a:r>
+              <a:rPr lang="de-DE" dirty="0" smtClean="0"/>
+              <a:t>(</a:t>
             </a:r>
             <a:r>
               <a:rPr lang="de-DE" dirty="0" err="1" smtClean="0"/>
@@ -17979,6 +18330,98 @@
               <a:rPr lang="de-DE" dirty="0" smtClean="0"/>
               <a:t>)</a:t>
             </a:r>
+          </a:p>
+          <a:p>
+            <a:pPr lvl="1"/>
+            <a:r>
+              <a:rPr lang="de-DE" dirty="0" err="1" smtClean="0"/>
+              <a:t>Reflection</a:t>
+            </a:r>
+            <a:r>
+              <a:rPr lang="de-DE" dirty="0" smtClean="0"/>
+              <a:t> </a:t>
+            </a:r>
+            <a:r>
+              <a:rPr lang="de-DE" dirty="0" err="1" smtClean="0"/>
+              <a:t>of</a:t>
+            </a:r>
+            <a:r>
+              <a:rPr lang="de-DE" dirty="0" smtClean="0"/>
+              <a:t> </a:t>
+            </a:r>
+            <a:r>
+              <a:rPr lang="de-DE" dirty="0" err="1" smtClean="0"/>
+              <a:t>the</a:t>
+            </a:r>
+            <a:r>
+              <a:rPr lang="de-DE" dirty="0" smtClean="0"/>
+              <a:t> </a:t>
+            </a:r>
+            <a:r>
+              <a:rPr lang="de-DE" dirty="0" err="1" smtClean="0"/>
+              <a:t>cluster</a:t>
+            </a:r>
+            <a:r>
+              <a:rPr lang="de-DE" dirty="0" smtClean="0"/>
+              <a:t> </a:t>
+            </a:r>
+            <a:r>
+              <a:rPr lang="de-DE" dirty="0" err="1" smtClean="0"/>
+              <a:t>join</a:t>
+            </a:r>
+            <a:r>
+              <a:rPr lang="de-DE" dirty="0" smtClean="0"/>
+              <a:t> </a:t>
+            </a:r>
+            <a:r>
+              <a:rPr lang="de-DE" dirty="0" err="1" smtClean="0"/>
+              <a:t>process</a:t>
+            </a:r>
+            <a:r>
+              <a:rPr lang="de-DE" dirty="0" smtClean="0"/>
+              <a:t>,</a:t>
+            </a:r>
+          </a:p>
+          <a:p>
+            <a:pPr lvl="1"/>
+            <a:r>
+              <a:rPr lang="de-DE" dirty="0" err="1"/>
+              <a:t>displayed</a:t>
+            </a:r>
+            <a:r>
+              <a:rPr lang="de-DE" dirty="0"/>
+              <a:t> </a:t>
+            </a:r>
+            <a:r>
+              <a:rPr lang="de-DE" dirty="0" err="1"/>
+              <a:t>as</a:t>
+            </a:r>
+            <a:r>
+              <a:rPr lang="de-DE" dirty="0"/>
+              <a:t> a Mindmap </a:t>
+            </a:r>
+            <a:r>
+              <a:rPr lang="de-DE" dirty="0" err="1"/>
+              <a:t>using</a:t>
+            </a:r>
+            <a:r>
+              <a:rPr lang="de-DE" dirty="0"/>
+              <a:t> „</a:t>
+            </a:r>
+            <a:r>
+              <a:rPr lang="de-DE" dirty="0" err="1"/>
+              <a:t>Freemind</a:t>
+            </a:r>
+            <a:r>
+              <a:rPr lang="de-DE" dirty="0"/>
+              <a:t>“</a:t>
+            </a:r>
+            <a:endParaRPr lang="en-AU" dirty="0"/>
+          </a:p>
+          <a:p>
+            <a:pPr marL="457200" lvl="1" indent="0">
+              <a:buNone/>
+            </a:pPr>
             <a:endParaRPr lang="en-AU" dirty="0"/>
           </a:p>
         </p:txBody>
@@ -17987,122 +18430,6 @@
     <p:extLst>
       <p:ext uri="{BB962C8B-B14F-4D97-AF65-F5344CB8AC3E}">
         <p14:creationId xmlns:p14="http://schemas.microsoft.com/office/powerpoint/2010/main" val="1468562103"/>
-      </p:ext>
-    </p:extLst>
-  </p:cSld>
-  <p:clrMapOvr>
-    <a:masterClrMapping/>
-  </p:clrMapOvr>
-</p:sld>
-</file>
-
-<file path=ppt/slides/slide24.xml><?xml version="1.0" encoding="utf-8"?>
-<p:sld xmlns:a="http://schemas.openxmlformats.org/drawingml/2006/main" xmlns:r="http://schemas.openxmlformats.org/officeDocument/2006/relationships" xmlns:p="http://schemas.openxmlformats.org/presentationml/2006/main">
-  <p:cSld>
-    <p:spTree>
-      <p:nvGrpSpPr>
-        <p:cNvPr id="1" name=""/>
-        <p:cNvGrpSpPr/>
-        <p:nvPr/>
-      </p:nvGrpSpPr>
-      <p:grpSpPr>
-        <a:xfrm>
-          <a:off x="0" y="0"/>
-          <a:ext cx="0" cy="0"/>
-          <a:chOff x="0" y="0"/>
-          <a:chExt cx="0" cy="0"/>
-        </a:xfrm>
-      </p:grpSpPr>
-      <p:sp>
-        <p:nvSpPr>
-          <p:cNvPr id="2" name="Titel 1"/>
-          <p:cNvSpPr>
-            <a:spLocks noGrp="1"/>
-          </p:cNvSpPr>
-          <p:nvPr>
-            <p:ph type="title"/>
-          </p:nvPr>
-        </p:nvSpPr>
-        <p:spPr/>
-        <p:txBody>
-          <a:bodyPr/>
-          <a:lstStyle/>
-          <a:p>
-            <a:r>
-              <a:rPr lang="de-DE" dirty="0" smtClean="0"/>
-              <a:t>Short Demo</a:t>
-            </a:r>
-            <a:endParaRPr lang="en-AU" dirty="0"/>
-          </a:p>
-        </p:txBody>
-      </p:sp>
-      <p:sp>
-        <p:nvSpPr>
-          <p:cNvPr id="3" name="Inhaltsplatzhalter 2"/>
-          <p:cNvSpPr>
-            <a:spLocks noGrp="1"/>
-          </p:cNvSpPr>
-          <p:nvPr>
-            <p:ph idx="1"/>
-          </p:nvPr>
-        </p:nvSpPr>
-        <p:spPr/>
-        <p:txBody>
-          <a:bodyPr/>
-          <a:lstStyle/>
-          <a:p>
-            <a:r>
-              <a:rPr lang="de-DE" dirty="0" smtClean="0"/>
-              <a:t>AP Corpus </a:t>
-            </a:r>
-            <a:r>
-              <a:rPr lang="de-DE" dirty="0" err="1" smtClean="0"/>
-              <a:t>Extract</a:t>
-            </a:r>
-            <a:r>
-              <a:rPr lang="de-DE" dirty="0" smtClean="0"/>
-              <a:t> </a:t>
-            </a:r>
-            <a:r>
-              <a:rPr lang="de-DE" dirty="0" err="1" smtClean="0"/>
-              <a:t>displayed</a:t>
-            </a:r>
-            <a:r>
-              <a:rPr lang="de-DE" dirty="0" smtClean="0"/>
-              <a:t> </a:t>
-            </a:r>
-            <a:r>
-              <a:rPr lang="de-DE" dirty="0" err="1" smtClean="0"/>
-              <a:t>as</a:t>
-            </a:r>
-            <a:r>
-              <a:rPr lang="de-DE" dirty="0" smtClean="0"/>
-              <a:t> a Mindmap </a:t>
-            </a:r>
-            <a:r>
-              <a:rPr lang="de-DE" dirty="0" err="1" smtClean="0"/>
-              <a:t>using</a:t>
-            </a:r>
-            <a:r>
-              <a:rPr lang="de-DE" dirty="0" smtClean="0"/>
-              <a:t> „</a:t>
-            </a:r>
-            <a:r>
-              <a:rPr lang="de-DE" dirty="0" err="1" smtClean="0"/>
-              <a:t>Freemind</a:t>
-            </a:r>
-            <a:r>
-              <a:rPr lang="de-DE" dirty="0" smtClean="0"/>
-              <a:t>“</a:t>
-            </a:r>
-            <a:endParaRPr lang="en-AU" dirty="0"/>
-          </a:p>
-        </p:txBody>
-      </p:sp>
-    </p:spTree>
-    <p:extLst>
-      <p:ext uri="{BB962C8B-B14F-4D97-AF65-F5344CB8AC3E}">
-        <p14:creationId xmlns:p14="http://schemas.microsoft.com/office/powerpoint/2010/main" val="626444709"/>
       </p:ext>
     </p:extLst>
   </p:cSld>
@@ -18259,8 +18586,8 @@
           </a:p>
         </p:txBody>
       </p:sp>
-      <mc:AlternateContent xmlns:mc="http://schemas.openxmlformats.org/markup-compatibility/2006" xmlns:a14="http://schemas.microsoft.com/office/drawing/2010/main">
-        <mc:Choice Requires="a14">
+      <mc:AlternateContent xmlns:mc="http://schemas.openxmlformats.org/markup-compatibility/2006">
+        <mc:Choice xmlns:a14="http://schemas.microsoft.com/office/drawing/2010/main" Requires="a14">
           <p:sp>
             <p:nvSpPr>
               <p:cNvPr id="3" name="Inhaltsplatzhalter 2"/>
@@ -18337,17 +18664,14 @@
                 </a:r>
                 <a:r>
                   <a:rPr lang="de-DE" sz="2400" b="1" dirty="0" smtClean="0"/>
-                  <a:t>.</a:t>
-                </a:r>
+                  <a:t> M.</a:t>
+                </a:r>
+                <a:endParaRPr lang="de-DE" sz="2400" b="1" dirty="0" smtClean="0"/>
               </a:p>
               <a:p>
                 <a:r>
-                  <a:rPr lang="de-DE" sz="2400" dirty="0" smtClean="0"/>
-                  <a:t>The </a:t>
-                </a:r>
-                <a:r>
-                  <a:rPr lang="de-DE" sz="2400" dirty="0" err="1" smtClean="0"/>
-                  <a:t>model</a:t>
+                  <a:rPr lang="de-DE" sz="2400" dirty="0"/>
+                  <a:t>M</a:t>
                 </a:r>
                 <a:r>
                   <a:rPr lang="de-DE" sz="2400" dirty="0" smtClean="0"/>
@@ -18388,6 +18712,14 @@
                 <a:r>
                   <a:rPr lang="de-DE" sz="2400" dirty="0" err="1" smtClean="0"/>
                   <a:t>complex</a:t>
+                </a:r>
+                <a:r>
+                  <a:rPr lang="de-DE" sz="2400" dirty="0" smtClean="0"/>
+                  <a:t>, </a:t>
+                </a:r>
+                <a:r>
+                  <a:rPr lang="de-DE" sz="2400" dirty="0" err="1" smtClean="0"/>
+                  <a:t>static</a:t>
                 </a:r>
                 <a:r>
                   <a:rPr lang="de-DE" sz="2400" dirty="0" smtClean="0"/>
@@ -18466,6 +18798,18 @@
                     <a:sym typeface="Wingdings" panose="05000000000000000000" pitchFamily="2" charset="2"/>
                   </a:rPr>
                   <a:t> </a:t>
+                </a:r>
+                <a:r>
+                  <a:rPr lang="de-DE" sz="2400" dirty="0" err="1" smtClean="0">
+                    <a:sym typeface="Wingdings" panose="05000000000000000000" pitchFamily="2" charset="2"/>
+                  </a:rPr>
+                  <a:t>for</a:t>
+                </a:r>
+                <a:r>
+                  <a:rPr lang="de-DE" sz="2400" dirty="0" smtClean="0">
+                    <a:sym typeface="Wingdings" panose="05000000000000000000" pitchFamily="2" charset="2"/>
+                  </a:rPr>
+                  <a:t> M </a:t>
                 </a:r>
                 <a:r>
                   <a:rPr lang="de-DE" sz="2400" dirty="0" err="1" smtClean="0">
@@ -18811,7 +19155,7 @@
             </p:txBody>
           </p:sp>
         </mc:Choice>
-        <mc:Fallback xmlns="">
+        <mc:Fallback>
           <p:sp>
             <p:nvSpPr>
               <p:cNvPr id="3" name="Inhaltsplatzhalter 2"/>
@@ -19137,8 +19481,8 @@
           </a:p>
         </p:txBody>
       </p:sp>
-      <mc:AlternateContent xmlns:mc="http://schemas.openxmlformats.org/markup-compatibility/2006" xmlns:a14="http://schemas.microsoft.com/office/drawing/2010/main">
-        <mc:Choice Requires="a14">
+      <mc:AlternateContent xmlns:mc="http://schemas.openxmlformats.org/markup-compatibility/2006">
+        <mc:Choice xmlns:a14="http://schemas.microsoft.com/office/drawing/2010/main" Requires="a14">
           <p:sp>
             <p:nvSpPr>
               <p:cNvPr id="3" name="Inhaltsplatzhalter 2"/>
@@ -19335,6 +19679,9 @@
                   <a:rPr lang="de-DE" dirty="0" err="1" smtClean="0"/>
                   <a:t>then</a:t>
                 </a:r>
+                <a:endParaRPr lang="de-DE" dirty="0" smtClean="0"/>
+              </a:p>
+              <a:p>
                 <a:endParaRPr lang="de-DE" dirty="0" smtClean="0"/>
               </a:p>
               <a:p>
@@ -19411,20 +19758,271 @@
                       <m:r>
                         <a:rPr lang="de-DE" b="0" i="1" smtClean="0">
                           <a:latin typeface="Cambria Math" panose="02040503050406030204" pitchFamily="18" charset="0"/>
+                          <a:ea typeface="Cambria Math" panose="02040503050406030204" pitchFamily="18" charset="0"/>
                         </a:rPr>
                         <m:t>=</m:t>
+                      </m:r>
+                      <m:func>
+                        <m:funcPr>
+                          <m:ctrlPr>
+                            <a:rPr lang="de-DE" b="0" i="1" smtClean="0">
+                              <a:latin typeface="Cambria Math" panose="02040503050406030204" pitchFamily="18" charset="0"/>
+                              <a:ea typeface="Cambria Math" panose="02040503050406030204" pitchFamily="18" charset="0"/>
+                            </a:rPr>
+                          </m:ctrlPr>
+                        </m:funcPr>
+                        <m:fName>
+                          <m:r>
+                            <m:rPr>
+                              <m:sty m:val="p"/>
+                            </m:rPr>
+                            <a:rPr lang="de-DE" b="0" i="0" smtClean="0">
+                              <a:latin typeface="Cambria Math" panose="02040503050406030204" pitchFamily="18" charset="0"/>
+                              <a:ea typeface="Cambria Math" panose="02040503050406030204" pitchFamily="18" charset="0"/>
+                            </a:rPr>
+                            <m:t>log</m:t>
+                          </m:r>
+                        </m:fName>
+                        <m:e>
+                          <m:r>
+                            <a:rPr lang="de-DE" b="0" i="1" smtClean="0">
+                              <a:latin typeface="Cambria Math" panose="02040503050406030204" pitchFamily="18" charset="0"/>
+                              <a:ea typeface="Cambria Math" panose="02040503050406030204" pitchFamily="18" charset="0"/>
+                            </a:rPr>
+                            <m:t>(</m:t>
+                          </m:r>
+                          <m:r>
+                            <a:rPr lang="de-DE" i="1">
+                              <a:latin typeface="Cambria Math" panose="02040503050406030204" pitchFamily="18" charset="0"/>
+                            </a:rPr>
+                            <m:t>𝑐</m:t>
+                          </m:r>
+                          <m:r>
+                            <a:rPr lang="de-DE" i="1">
+                              <a:latin typeface="Cambria Math" panose="02040503050406030204" pitchFamily="18" charset="0"/>
+                            </a:rPr>
+                            <m:t> ∙</m:t>
+                          </m:r>
+                        </m:e>
+                      </m:func>
+                      <m:r>
+                        <a:rPr lang="de-DE" b="0" i="1" smtClean="0">
+                          <a:latin typeface="Cambria Math" panose="02040503050406030204" pitchFamily="18" charset="0"/>
+                          <a:ea typeface="Cambria Math" panose="02040503050406030204" pitchFamily="18" charset="0"/>
+                        </a:rPr>
+                        <m:t> </m:t>
+                      </m:r>
+                      <m:nary>
+                        <m:naryPr>
+                          <m:chr m:val="∏"/>
+                          <m:ctrlPr>
+                            <a:rPr lang="de-DE" b="0" i="1" dirty="0" smtClean="0">
+                              <a:latin typeface="Cambria Math" panose="02040503050406030204" pitchFamily="18" charset="0"/>
+                              <a:ea typeface="Cambria Math" panose="02040503050406030204" pitchFamily="18" charset="0"/>
+                            </a:rPr>
+                          </m:ctrlPr>
+                        </m:naryPr>
+                        <m:sub>
+                          <m:r>
+                            <m:rPr>
+                              <m:brk m:alnAt="23"/>
+                            </m:rPr>
+                            <a:rPr lang="de-DE" i="1">
+                              <a:latin typeface="Cambria Math" panose="02040503050406030204" pitchFamily="18" charset="0"/>
+                              <a:ea typeface="Cambria Math" panose="02040503050406030204" pitchFamily="18" charset="0"/>
+                            </a:rPr>
+                            <m:t>𝑤</m:t>
+                          </m:r>
+                          <m:r>
+                            <a:rPr lang="de-DE" i="1">
+                              <a:latin typeface="Cambria Math" panose="02040503050406030204" pitchFamily="18" charset="0"/>
+                              <a:ea typeface="Cambria Math" panose="02040503050406030204" pitchFamily="18" charset="0"/>
+                            </a:rPr>
+                            <m:t> </m:t>
+                          </m:r>
+                          <m:r>
+                            <a:rPr lang="de-DE" i="1">
+                              <a:latin typeface="Cambria Math" panose="02040503050406030204" pitchFamily="18" charset="0"/>
+                              <a:ea typeface="Cambria Math" panose="02040503050406030204" pitchFamily="18" charset="0"/>
+                            </a:rPr>
+                            <m:t>𝜖</m:t>
+                          </m:r>
+                          <m:r>
+                            <a:rPr lang="de-DE" i="1">
+                              <a:latin typeface="Cambria Math" panose="02040503050406030204" pitchFamily="18" charset="0"/>
+                              <a:ea typeface="Cambria Math" panose="02040503050406030204" pitchFamily="18" charset="0"/>
+                            </a:rPr>
+                            <m:t> </m:t>
+                          </m:r>
+                          <m:r>
+                            <a:rPr lang="de-DE" i="1">
+                              <a:latin typeface="Cambria Math" panose="02040503050406030204" pitchFamily="18" charset="0"/>
+                              <a:ea typeface="Cambria Math" panose="02040503050406030204" pitchFamily="18" charset="0"/>
+                            </a:rPr>
+                            <m:t>𝑉</m:t>
+                          </m:r>
+                        </m:sub>
+                        <m:sup/>
+                        <m:e>
+                          <m:sSup>
+                            <m:sSupPr>
+                              <m:ctrlPr>
+                                <a:rPr lang="de-DE" b="0" i="1" smtClean="0">
+                                  <a:latin typeface="Cambria Math" panose="02040503050406030204" pitchFamily="18" charset="0"/>
+                                  <a:ea typeface="Cambria Math" panose="02040503050406030204" pitchFamily="18" charset="0"/>
+                                </a:rPr>
+                              </m:ctrlPr>
+                            </m:sSupPr>
+                            <m:e>
+                              <m:r>
+                                <a:rPr lang="de-DE" i="1">
+                                  <a:latin typeface="Cambria Math" panose="02040503050406030204" pitchFamily="18" charset="0"/>
+                                </a:rPr>
+                                <m:t>𝑝</m:t>
+                              </m:r>
+                              <m:r>
+                                <a:rPr lang="de-DE" i="1">
+                                  <a:latin typeface="Cambria Math" panose="02040503050406030204" pitchFamily="18" charset="0"/>
+                                </a:rPr>
+                                <m:t>(</m:t>
+                              </m:r>
+                              <m:r>
+                                <a:rPr lang="de-DE" i="1">
+                                  <a:latin typeface="Cambria Math" panose="02040503050406030204" pitchFamily="18" charset="0"/>
+                                </a:rPr>
+                                <m:t>𝑤</m:t>
+                              </m:r>
+                              <m:r>
+                                <a:rPr lang="de-DE" i="1">
+                                  <a:latin typeface="Cambria Math" panose="02040503050406030204" pitchFamily="18" charset="0"/>
+                                </a:rPr>
+                                <m:t>|</m:t>
+                              </m:r>
+                              <m:r>
+                                <a:rPr lang="de-DE" i="1">
+                                  <a:latin typeface="Cambria Math" panose="02040503050406030204" pitchFamily="18" charset="0"/>
+                                </a:rPr>
+                                <m:t>𝑑</m:t>
+                              </m:r>
+                              <m:r>
+                                <a:rPr lang="de-DE" i="1">
+                                  <a:latin typeface="Cambria Math" panose="02040503050406030204" pitchFamily="18" charset="0"/>
+                                </a:rPr>
+                                <m:t>,</m:t>
+                              </m:r>
+                              <m:r>
+                                <a:rPr lang="de-DE" i="1">
+                                  <a:latin typeface="Cambria Math" panose="02040503050406030204" pitchFamily="18" charset="0"/>
+                                  <a:ea typeface="Cambria Math" panose="02040503050406030204" pitchFamily="18" charset="0"/>
+                                </a:rPr>
+                                <m:t>𝜋</m:t>
+                              </m:r>
+                              <m:r>
+                                <a:rPr lang="de-DE" i="1">
+                                  <a:latin typeface="Cambria Math" panose="02040503050406030204" pitchFamily="18" charset="0"/>
+                                </a:rPr>
+                                <m:t>)</m:t>
+                              </m:r>
+                            </m:e>
+                            <m:sup>
+                              <m:sSub>
+                                <m:sSubPr>
+                                  <m:ctrlPr>
+                                    <a:rPr lang="de-DE" i="1">
+                                      <a:latin typeface="Cambria Math" panose="02040503050406030204" pitchFamily="18" charset="0"/>
+                                    </a:rPr>
+                                  </m:ctrlPr>
+                                </m:sSubPr>
+                                <m:e>
+                                  <m:r>
+                                    <a:rPr lang="de-DE" i="1">
+                                      <a:latin typeface="Cambria Math" panose="02040503050406030204" pitchFamily="18" charset="0"/>
+                                    </a:rPr>
+                                    <m:t>𝑓</m:t>
+                                  </m:r>
+                                </m:e>
+                                <m:sub>
+                                  <m:r>
+                                    <a:rPr lang="de-DE" i="1">
+                                      <a:latin typeface="Cambria Math" panose="02040503050406030204" pitchFamily="18" charset="0"/>
+                                    </a:rPr>
+                                    <m:t>𝑑</m:t>
+                                  </m:r>
+                                </m:sub>
+                              </m:sSub>
+                              <m:d>
+                                <m:dPr>
+                                  <m:ctrlPr>
+                                    <a:rPr lang="de-DE" i="1">
+                                      <a:latin typeface="Cambria Math" panose="02040503050406030204" pitchFamily="18" charset="0"/>
+                                    </a:rPr>
+                                  </m:ctrlPr>
+                                </m:dPr>
+                                <m:e>
+                                  <m:r>
+                                    <a:rPr lang="de-DE" i="1">
+                                      <a:latin typeface="Cambria Math" panose="02040503050406030204" pitchFamily="18" charset="0"/>
+                                    </a:rPr>
+                                    <m:t>𝑤</m:t>
+                                  </m:r>
+                                </m:e>
+                              </m:d>
+                            </m:sup>
+                          </m:sSup>
+                        </m:e>
+                      </m:nary>
+                      <m:r>
+                        <a:rPr lang="de-DE" b="0" i="1" smtClean="0">
+                          <a:latin typeface="Cambria Math" panose="02040503050406030204" pitchFamily="18" charset="0"/>
+                          <a:ea typeface="Cambria Math" panose="02040503050406030204" pitchFamily="18" charset="0"/>
+                        </a:rPr>
+                        <m:t>)</m:t>
                       </m:r>
                       <m:r>
                         <a:rPr lang="de-DE" b="0" i="1" smtClean="0">
                           <a:latin typeface="Cambria Math" panose="02040503050406030204" pitchFamily="18" charset="0"/>
                         </a:rPr>
-                        <m:t>𝑐</m:t>
+                        <m:t>=</m:t>
+                      </m:r>
+                      <m:func>
+                        <m:funcPr>
+                          <m:ctrlPr>
+                            <a:rPr lang="de-DE" b="0" i="1" smtClean="0">
+                              <a:latin typeface="Cambria Math" panose="02040503050406030204" pitchFamily="18" charset="0"/>
+                            </a:rPr>
+                          </m:ctrlPr>
+                        </m:funcPr>
+                        <m:fName>
+                          <m:r>
+                            <m:rPr>
+                              <m:sty m:val="p"/>
+                            </m:rPr>
+                            <a:rPr lang="de-DE" b="0" i="0" smtClean="0">
+                              <a:latin typeface="Cambria Math" panose="02040503050406030204" pitchFamily="18" charset="0"/>
+                            </a:rPr>
+                            <m:t>log</m:t>
+                          </m:r>
+                        </m:fName>
+                        <m:e>
+                          <m:r>
+                            <a:rPr lang="de-DE" b="0" i="1" smtClean="0">
+                              <a:latin typeface="Cambria Math" panose="02040503050406030204" pitchFamily="18" charset="0"/>
+                            </a:rPr>
+                            <m:t>𝑐</m:t>
+                          </m:r>
+                        </m:e>
+                      </m:func>
+                      <m:r>
+                        <a:rPr lang="de-DE" b="0" i="1" smtClean="0">
+                          <a:latin typeface="Cambria Math" panose="02040503050406030204" pitchFamily="18" charset="0"/>
+                        </a:rPr>
+                        <m:t>+</m:t>
                       </m:r>
                       <m:r>
                         <a:rPr lang="de-DE" b="0" i="1" smtClean="0">
                           <a:latin typeface="Cambria Math" panose="02040503050406030204" pitchFamily="18" charset="0"/>
                         </a:rPr>
-                        <m:t> ∙ </m:t>
+                        <m:t> </m:t>
                       </m:r>
                       <m:nary>
                         <m:naryPr>
@@ -19601,7 +20199,7 @@
             </p:txBody>
           </p:sp>
         </mc:Choice>
-        <mc:Fallback xmlns="">
+        <mc:Fallback>
           <p:sp>
             <p:nvSpPr>
               <p:cNvPr id="3" name="Inhaltsplatzhalter 2"/>
@@ -19643,13 +20241,13 @@
         </p:nvSpPr>
         <p:spPr>
           <a:xfrm>
-            <a:off x="3374870" y="4718091"/>
+            <a:off x="8750912" y="2640201"/>
             <a:ext cx="2420534" cy="1361093"/>
           </a:xfrm>
           <a:prstGeom prst="wedgeRoundRectCallout">
             <a:avLst>
-              <a:gd name="adj1" fmla="val 18098"/>
-              <a:gd name="adj2" fmla="val -98583"/>
+              <a:gd name="adj1" fmla="val -170135"/>
+              <a:gd name="adj2" fmla="val 68598"/>
               <a:gd name="adj3" fmla="val 16667"/>
             </a:avLst>
           </a:prstGeom>
@@ -19802,8 +20400,8 @@
           </a:p>
         </p:txBody>
       </p:sp>
-      <mc:AlternateContent xmlns:mc="http://schemas.openxmlformats.org/markup-compatibility/2006" xmlns:a14="http://schemas.microsoft.com/office/drawing/2010/main">
-        <mc:Choice Requires="a14">
+      <mc:AlternateContent xmlns:mc="http://schemas.openxmlformats.org/markup-compatibility/2006">
+        <mc:Choice xmlns:a14="http://schemas.microsoft.com/office/drawing/2010/main" Requires="a14">
           <p:sp>
             <p:nvSpPr>
               <p:cNvPr id="3" name="Inhaltsplatzhalter 2"/>
@@ -19814,13 +20412,18 @@
                 <p:ph idx="1"/>
               </p:nvPr>
             </p:nvSpPr>
-            <p:spPr/>
+            <p:spPr>
+              <a:xfrm>
+                <a:off x="838200" y="1825625"/>
+                <a:ext cx="8626366" cy="4351338"/>
+              </a:xfrm>
+            </p:spPr>
             <p:txBody>
               <a:bodyPr/>
               <a:lstStyle/>
               <a:p>
                 <a:r>
-                  <a:rPr lang="de-DE" sz="2400" dirty="0" err="1" smtClean="0"/>
+                  <a:rPr lang="de-DE" sz="2400" dirty="0" smtClean="0"/>
                   <a:t>Let</a:t>
                 </a:r>
                 <a:r>
@@ -20054,8 +20657,53 @@
                   <a:rPr lang="de-DE" sz="2000" dirty="0" smtClean="0">
                     <a:sym typeface="Wingdings" panose="05000000000000000000" pitchFamily="2" charset="2"/>
                   </a:rPr>
-                  <a:t>)</a:t>
-                </a:r>
+                  <a:t>) </a:t>
+                </a:r>
+                <a:r>
+                  <a:rPr lang="de-DE" sz="2000" dirty="0" err="1" smtClean="0">
+                    <a:sym typeface="Wingdings" panose="05000000000000000000" pitchFamily="2" charset="2"/>
+                  </a:rPr>
+                  <a:t>as</a:t>
+                </a:r>
+                <a:r>
+                  <a:rPr lang="de-DE" sz="2000" dirty="0" smtClean="0">
+                    <a:sym typeface="Wingdings" panose="05000000000000000000" pitchFamily="2" charset="2"/>
+                  </a:rPr>
+                  <a:t> </a:t>
+                </a:r>
+                <a:r>
+                  <a:rPr lang="de-DE" sz="2000" dirty="0" err="1" smtClean="0">
+                    <a:sym typeface="Wingdings" panose="05000000000000000000" pitchFamily="2" charset="2"/>
+                  </a:rPr>
+                  <a:t>part</a:t>
+                </a:r>
+                <a:r>
+                  <a:rPr lang="de-DE" sz="2000" dirty="0" smtClean="0">
+                    <a:sym typeface="Wingdings" panose="05000000000000000000" pitchFamily="2" charset="2"/>
+                  </a:rPr>
+                  <a:t> </a:t>
+                </a:r>
+                <a:r>
+                  <a:rPr lang="de-DE" sz="2000" dirty="0" err="1" smtClean="0">
+                    <a:sym typeface="Wingdings" panose="05000000000000000000" pitchFamily="2" charset="2"/>
+                  </a:rPr>
+                  <a:t>of</a:t>
+                </a:r>
+                <a:r>
+                  <a:rPr lang="de-DE" sz="2000" dirty="0" smtClean="0">
+                    <a:sym typeface="Wingdings" panose="05000000000000000000" pitchFamily="2" charset="2"/>
+                  </a:rPr>
+                  <a:t> </a:t>
+                </a:r>
+                <a:r>
+                  <a:rPr lang="el-GR" sz="2000" dirty="0" smtClean="0">
+                    <a:sym typeface="Wingdings" panose="05000000000000000000" pitchFamily="2" charset="2"/>
+                  </a:rPr>
+                  <a:t>π</a:t>
+                </a:r>
+                <a:endParaRPr lang="de-DE" sz="2000" dirty="0" smtClean="0">
+                  <a:sym typeface="Wingdings" panose="05000000000000000000" pitchFamily="2" charset="2"/>
+                </a:endParaRPr>
               </a:p>
               <a:p>
                 <a:pPr lvl="1"/>
@@ -20261,10 +20909,52 @@
                   <a:t>w|t</a:t>
                 </a:r>
                 <a:r>
-                  <a:rPr lang="de-DE" sz="2000" dirty="0" smtClean="0">
+                  <a:rPr lang="de-DE" sz="2000" dirty="0">
                     <a:sym typeface="Wingdings" panose="05000000000000000000" pitchFamily="2" charset="2"/>
                   </a:rPr>
-                  <a:t>)</a:t>
+                  <a:t>) </a:t>
+                </a:r>
+                <a:r>
+                  <a:rPr lang="de-DE" sz="2000" dirty="0" err="1">
+                    <a:sym typeface="Wingdings" panose="05000000000000000000" pitchFamily="2" charset="2"/>
+                  </a:rPr>
+                  <a:t>as</a:t>
+                </a:r>
+                <a:r>
+                  <a:rPr lang="de-DE" sz="2000" dirty="0">
+                    <a:sym typeface="Wingdings" panose="05000000000000000000" pitchFamily="2" charset="2"/>
+                  </a:rPr>
+                  <a:t> </a:t>
+                </a:r>
+                <a:r>
+                  <a:rPr lang="de-DE" sz="2000" dirty="0" err="1">
+                    <a:sym typeface="Wingdings" panose="05000000000000000000" pitchFamily="2" charset="2"/>
+                  </a:rPr>
+                  <a:t>part</a:t>
+                </a:r>
+                <a:r>
+                  <a:rPr lang="de-DE" sz="2000" dirty="0">
+                    <a:sym typeface="Wingdings" panose="05000000000000000000" pitchFamily="2" charset="2"/>
+                  </a:rPr>
+                  <a:t> </a:t>
+                </a:r>
+                <a:r>
+                  <a:rPr lang="de-DE" sz="2000" dirty="0" err="1">
+                    <a:sym typeface="Wingdings" panose="05000000000000000000" pitchFamily="2" charset="2"/>
+                  </a:rPr>
+                  <a:t>of</a:t>
+                </a:r>
+                <a:r>
+                  <a:rPr lang="de-DE" sz="2000" dirty="0">
+                    <a:sym typeface="Wingdings" panose="05000000000000000000" pitchFamily="2" charset="2"/>
+                  </a:rPr>
+                  <a:t> </a:t>
+                </a:r>
+                <a:r>
+                  <a:rPr lang="el-GR" sz="2000" dirty="0">
+                    <a:sym typeface="Wingdings" panose="05000000000000000000" pitchFamily="2" charset="2"/>
+                  </a:rPr>
+                  <a:t>π</a:t>
                 </a:r>
                 <a:endParaRPr lang="de-DE" sz="2000" dirty="0" smtClean="0"/>
               </a:p>
@@ -20316,6 +21006,19 @@
                             <a:latin typeface="Cambria Math" panose="02040503050406030204" pitchFamily="18" charset="0"/>
                           </a:rPr>
                           <m:t>𝑑</m:t>
+                        </m:r>
+                        <m:r>
+                          <a:rPr lang="de-DE" b="0" i="1" smtClean="0">
+                            <a:latin typeface="Cambria Math" panose="02040503050406030204" pitchFamily="18" charset="0"/>
+                          </a:rPr>
+                          <m:t>,</m:t>
+                        </m:r>
+                        <m:r>
+                          <a:rPr lang="de-DE" b="0" i="1" smtClean="0">
+                            <a:latin typeface="Cambria Math" panose="02040503050406030204" pitchFamily="18" charset="0"/>
+                            <a:ea typeface="Cambria Math" panose="02040503050406030204" pitchFamily="18" charset="0"/>
+                          </a:rPr>
+                          <m:t>𝜋</m:t>
                         </m:r>
                       </m:e>
                     </m:d>
@@ -20450,7 +21153,7 @@
             </p:txBody>
           </p:sp>
         </mc:Choice>
-        <mc:Fallback xmlns="">
+        <mc:Fallback>
           <p:sp>
             <p:nvSpPr>
               <p:cNvPr id="3" name="Inhaltsplatzhalter 2"/>
@@ -20462,10 +21165,14 @@
               </p:nvPr>
             </p:nvSpPr>
             <p:spPr>
+              <a:xfrm>
+                <a:off x="838200" y="1825625"/>
+                <a:ext cx="8626366" cy="4351338"/>
+              </a:xfrm>
               <a:blipFill rotWithShape="0">
                 <a:blip r:embed="rId2"/>
                 <a:stretch>
-                  <a:fillRect l="-812" t="-1961"/>
+                  <a:fillRect l="-989" t="-1961"/>
                 </a:stretch>
               </a:blipFill>
             </p:spPr>
@@ -20736,7 +21443,7 @@
             </a:r>
             <a:r>
               <a:rPr lang="de-DE" dirty="0" smtClean="0"/>
-              <a:t>-Distribution </a:t>
+              <a:t> Distribution </a:t>
             </a:r>
             <a:r>
               <a:rPr lang="de-DE" dirty="0" err="1" smtClean="0"/>
@@ -21315,8 +22022,8 @@
           </a:p>
         </p:txBody>
       </p:sp>
-      <mc:AlternateContent xmlns:mc="http://schemas.openxmlformats.org/markup-compatibility/2006" xmlns:a14="http://schemas.microsoft.com/office/drawing/2010/main">
-        <mc:Choice Requires="a14">
+      <mc:AlternateContent xmlns:mc="http://schemas.openxmlformats.org/markup-compatibility/2006">
+        <mc:Choice xmlns:a14="http://schemas.microsoft.com/office/drawing/2010/main" Requires="a14">
           <p:sp>
             <p:nvSpPr>
               <p:cNvPr id="3" name="Inhaltsplatzhalter 2"/>
@@ -21335,7 +22042,7 @@
             </p:spPr>
             <p:txBody>
               <a:bodyPr>
-                <a:normAutofit/>
+                <a:normAutofit fontScale="92500"/>
               </a:bodyPr>
               <a:lstStyle/>
               <a:p>
@@ -21887,7 +22594,11 @@
                 </a:r>
                 <a:r>
                   <a:rPr lang="de-DE" dirty="0" smtClean="0"/>
-                  <a:t> LDA </a:t>
+                  <a:t> </a:t>
+                </a:r>
+                <a:r>
+                  <a:rPr lang="de-DE" dirty="0" smtClean="0"/>
+                  <a:t>LDA, </a:t>
                 </a:r>
                 <a:r>
                   <a:rPr lang="de-DE" dirty="0" err="1" smtClean="0"/>
@@ -21923,11 +22634,15 @@
                 </a:r>
                 <a:r>
                   <a:rPr lang="de-DE" dirty="0" err="1" smtClean="0"/>
-                  <a:t>topics|T</a:t>
+                  <a:t>topics</a:t>
                 </a:r>
                 <a:r>
                   <a:rPr lang="de-DE" dirty="0" smtClean="0"/>
-                  <a:t>| must </a:t>
+                  <a:t> |</a:t>
+                </a:r>
+                <a:r>
+                  <a:rPr lang="de-DE" dirty="0" smtClean="0"/>
+                  <a:t>T| must </a:t>
                 </a:r>
                 <a:r>
                   <a:rPr lang="de-DE" dirty="0" err="1" smtClean="0"/>
@@ -21973,7 +22688,7 @@
             </p:txBody>
           </p:sp>
         </mc:Choice>
-        <mc:Fallback xmlns="">
+        <mc:Fallback>
           <p:sp>
             <p:nvSpPr>
               <p:cNvPr id="3" name="Inhaltsplatzhalter 2"/>
@@ -21992,7 +22707,7 @@
               <a:blipFill rotWithShape="0">
                 <a:blip r:embed="rId2"/>
                 <a:stretch>
-                  <a:fillRect l="-1037" t="-2241" r="-1037" b="-3782"/>
+                  <a:fillRect l="-922" t="-2101"/>
                 </a:stretch>
               </a:blipFill>
             </p:spPr>

--- a/doc/PTM.pptx
+++ b/doc/PTM.pptx
@@ -5,7 +5,7 @@
     <p:sldMasterId id="2147483648" r:id="rId1"/>
   </p:sldMasterIdLst>
   <p:notesMasterIdLst>
-    <p:notesMasterId r:id="rId25"/>
+    <p:notesMasterId r:id="rId26"/>
   </p:notesMasterIdLst>
   <p:sldIdLst>
     <p:sldId id="256" r:id="rId2"/>
@@ -26,11 +26,12 @@
     <p:sldId id="270" r:id="rId17"/>
     <p:sldId id="274" r:id="rId18"/>
     <p:sldId id="276" r:id="rId19"/>
-    <p:sldId id="273" r:id="rId20"/>
-    <p:sldId id="277" r:id="rId21"/>
-    <p:sldId id="278" r:id="rId22"/>
-    <p:sldId id="279" r:id="rId23"/>
-    <p:sldId id="280" r:id="rId24"/>
+    <p:sldId id="281" r:id="rId20"/>
+    <p:sldId id="273" r:id="rId21"/>
+    <p:sldId id="277" r:id="rId22"/>
+    <p:sldId id="278" r:id="rId23"/>
+    <p:sldId id="279" r:id="rId24"/>
+    <p:sldId id="280" r:id="rId25"/>
   </p:sldIdLst>
   <p:sldSz cx="12192000" cy="6858000"/>
   <p:notesSz cx="6858000" cy="9144000"/>
@@ -513,11 +514,11 @@
           <c:showPercent val="0"/>
           <c:showBubbleSize val="0"/>
         </c:dLbls>
-        <c:axId val="-1518132624"/>
-        <c:axId val="-1518132080"/>
+        <c:axId val="-684645872"/>
+        <c:axId val="-684638256"/>
       </c:scatterChart>
       <c:valAx>
-        <c:axId val="-1518132624"/>
+        <c:axId val="-684645872"/>
         <c:scaling>
           <c:orientation val="minMax"/>
         </c:scaling>
@@ -635,12 +636,12 @@
             <a:endParaRPr lang="en-US"/>
           </a:p>
         </c:txPr>
-        <c:crossAx val="-1518132080"/>
+        <c:crossAx val="-684638256"/>
         <c:crosses val="autoZero"/>
         <c:crossBetween val="midCat"/>
       </c:valAx>
       <c:valAx>
-        <c:axId val="-1518132080"/>
+        <c:axId val="-684638256"/>
         <c:scaling>
           <c:orientation val="minMax"/>
         </c:scaling>
@@ -754,7 +755,7 @@
             <a:endParaRPr lang="en-US"/>
           </a:p>
         </c:txPr>
-        <c:crossAx val="-1518132624"/>
+        <c:crossAx val="-684645872"/>
         <c:crosses val="autoZero"/>
         <c:crossBetween val="midCat"/>
       </c:valAx>
@@ -1029,11 +1030,11 @@
           <c:showBubbleSize val="0"/>
         </c:dLbls>
         <c:smooth val="0"/>
-        <c:axId val="-1778508912"/>
-        <c:axId val="-1408129488"/>
+        <c:axId val="-684639344"/>
+        <c:axId val="-684632272"/>
       </c:lineChart>
       <c:catAx>
-        <c:axId val="-1778508912"/>
+        <c:axId val="-684639344"/>
         <c:scaling>
           <c:orientation val="minMax"/>
         </c:scaling>
@@ -1136,7 +1137,7 @@
             <a:endParaRPr lang="en-US"/>
           </a:p>
         </c:txPr>
-        <c:crossAx val="-1408129488"/>
+        <c:crossAx val="-684632272"/>
         <c:crosses val="autoZero"/>
         <c:auto val="1"/>
         <c:lblAlgn val="ctr"/>
@@ -1144,7 +1145,7 @@
         <c:noMultiLvlLbl val="0"/>
       </c:catAx>
       <c:valAx>
-        <c:axId val="-1408129488"/>
+        <c:axId val="-684632272"/>
         <c:scaling>
           <c:orientation val="minMax"/>
         </c:scaling>
@@ -1251,7 +1252,7 @@
             <a:endParaRPr lang="en-US"/>
           </a:p>
         </c:txPr>
-        <c:crossAx val="-1778508912"/>
+        <c:crossAx val="-684639344"/>
         <c:crosses val="autoZero"/>
         <c:crossBetween val="between"/>
       </c:valAx>
@@ -3374,11 +3375,11 @@
           <c:showPercent val="0"/>
           <c:showBubbleSize val="0"/>
         </c:dLbls>
-        <c:axId val="-1408118608"/>
-        <c:axId val="-1408130032"/>
+        <c:axId val="-548222496"/>
+        <c:axId val="-548225760"/>
       </c:scatterChart>
       <c:valAx>
-        <c:axId val="-1408118608"/>
+        <c:axId val="-548222496"/>
         <c:scaling>
           <c:orientation val="minMax"/>
         </c:scaling>
@@ -3424,7 +3425,6 @@
               </a:p>
             </c:rich>
           </c:tx>
-          <c:layout/>
           <c:overlay val="0"/>
           <c:spPr>
             <a:noFill/>
@@ -3491,12 +3491,12 @@
             <a:endParaRPr lang="en-US"/>
           </a:p>
         </c:txPr>
-        <c:crossAx val="-1408130032"/>
+        <c:crossAx val="-548225760"/>
         <c:crosses val="autoZero"/>
         <c:crossBetween val="midCat"/>
       </c:valAx>
       <c:valAx>
-        <c:axId val="-1408130032"/>
+        <c:axId val="-548225760"/>
         <c:scaling>
           <c:orientation val="minMax"/>
         </c:scaling>
@@ -3542,7 +3542,6 @@
               </a:p>
             </c:rich>
           </c:tx>
-          <c:layout/>
           <c:overlay val="0"/>
           <c:spPr>
             <a:noFill/>
@@ -3609,7 +3608,7 @@
             <a:endParaRPr lang="en-US"/>
           </a:p>
         </c:txPr>
-        <c:crossAx val="-1408118608"/>
+        <c:crossAx val="-548222496"/>
         <c:crosses val="autoZero"/>
         <c:crossBetween val="midCat"/>
       </c:valAx>
@@ -4783,11 +4782,11 @@
           <c:showPercent val="0"/>
           <c:showBubbleSize val="0"/>
         </c:dLbls>
-        <c:axId val="-1408131664"/>
-        <c:axId val="-1408128944"/>
+        <c:axId val="-548221952"/>
+        <c:axId val="-548227392"/>
       </c:scatterChart>
       <c:valAx>
-        <c:axId val="-1408131664"/>
+        <c:axId val="-548221952"/>
         <c:scaling>
           <c:orientation val="minMax"/>
         </c:scaling>
@@ -4900,12 +4899,12 @@
             <a:endParaRPr lang="en-US"/>
           </a:p>
         </c:txPr>
-        <c:crossAx val="-1408128944"/>
+        <c:crossAx val="-548227392"/>
         <c:crosses val="autoZero"/>
         <c:crossBetween val="midCat"/>
       </c:valAx>
       <c:valAx>
-        <c:axId val="-1408128944"/>
+        <c:axId val="-548227392"/>
         <c:scaling>
           <c:orientation val="minMax"/>
         </c:scaling>
@@ -5018,7 +5017,7 @@
             <a:endParaRPr lang="en-US"/>
           </a:p>
         </c:txPr>
-        <c:crossAx val="-1408131664"/>
+        <c:crossAx val="-548221952"/>
         <c:crosses val="autoZero"/>
         <c:crossBetween val="midCat"/>
       </c:valAx>
@@ -7404,7 +7403,7 @@
           <a:p>
             <a:fld id="{FE3CEECD-D0B1-4706-8486-2468880BC9D2}" type="datetimeFigureOut">
               <a:rPr lang="en-AU" smtClean="0"/>
-              <a:t>16/06/2016</a:t>
+              <a:t>17/06/2016</a:t>
             </a:fld>
             <a:endParaRPr lang="en-AU"/>
           </a:p>
@@ -7887,7 +7886,7 @@
           <a:p>
             <a:fld id="{EBC92D59-9213-4E0F-8E71-EE196DE57A4C}" type="datetimeFigureOut">
               <a:rPr lang="de-DE" smtClean="0"/>
-              <a:t>16.06.2016</a:t>
+              <a:t>17.06.2016</a:t>
             </a:fld>
             <a:endParaRPr lang="de-DE"/>
           </a:p>
@@ -8057,7 +8056,7 @@
           <a:p>
             <a:fld id="{EBC92D59-9213-4E0F-8E71-EE196DE57A4C}" type="datetimeFigureOut">
               <a:rPr lang="de-DE" smtClean="0"/>
-              <a:t>16.06.2016</a:t>
+              <a:t>17.06.2016</a:t>
             </a:fld>
             <a:endParaRPr lang="de-DE"/>
           </a:p>
@@ -8237,7 +8236,7 @@
           <a:p>
             <a:fld id="{EBC92D59-9213-4E0F-8E71-EE196DE57A4C}" type="datetimeFigureOut">
               <a:rPr lang="de-DE" smtClean="0"/>
-              <a:t>16.06.2016</a:t>
+              <a:t>17.06.2016</a:t>
             </a:fld>
             <a:endParaRPr lang="de-DE"/>
           </a:p>
@@ -8407,7 +8406,7 @@
           <a:p>
             <a:fld id="{EBC92D59-9213-4E0F-8E71-EE196DE57A4C}" type="datetimeFigureOut">
               <a:rPr lang="de-DE" smtClean="0"/>
-              <a:t>16.06.2016</a:t>
+              <a:t>17.06.2016</a:t>
             </a:fld>
             <a:endParaRPr lang="de-DE"/>
           </a:p>
@@ -8653,7 +8652,7 @@
           <a:p>
             <a:fld id="{EBC92D59-9213-4E0F-8E71-EE196DE57A4C}" type="datetimeFigureOut">
               <a:rPr lang="de-DE" smtClean="0"/>
-              <a:t>16.06.2016</a:t>
+              <a:t>17.06.2016</a:t>
             </a:fld>
             <a:endParaRPr lang="de-DE"/>
           </a:p>
@@ -8885,7 +8884,7 @@
           <a:p>
             <a:fld id="{EBC92D59-9213-4E0F-8E71-EE196DE57A4C}" type="datetimeFigureOut">
               <a:rPr lang="de-DE" smtClean="0"/>
-              <a:t>16.06.2016</a:t>
+              <a:t>17.06.2016</a:t>
             </a:fld>
             <a:endParaRPr lang="de-DE"/>
           </a:p>
@@ -9252,7 +9251,7 @@
           <a:p>
             <a:fld id="{EBC92D59-9213-4E0F-8E71-EE196DE57A4C}" type="datetimeFigureOut">
               <a:rPr lang="de-DE" smtClean="0"/>
-              <a:t>16.06.2016</a:t>
+              <a:t>17.06.2016</a:t>
             </a:fld>
             <a:endParaRPr lang="de-DE"/>
           </a:p>
@@ -9370,7 +9369,7 @@
           <a:p>
             <a:fld id="{EBC92D59-9213-4E0F-8E71-EE196DE57A4C}" type="datetimeFigureOut">
               <a:rPr lang="de-DE" smtClean="0"/>
-              <a:t>16.06.2016</a:t>
+              <a:t>17.06.2016</a:t>
             </a:fld>
             <a:endParaRPr lang="de-DE"/>
           </a:p>
@@ -9465,7 +9464,7 @@
           <a:p>
             <a:fld id="{EBC92D59-9213-4E0F-8E71-EE196DE57A4C}" type="datetimeFigureOut">
               <a:rPr lang="de-DE" smtClean="0"/>
-              <a:t>16.06.2016</a:t>
+              <a:t>17.06.2016</a:t>
             </a:fld>
             <a:endParaRPr lang="de-DE"/>
           </a:p>
@@ -9742,7 +9741,7 @@
           <a:p>
             <a:fld id="{EBC92D59-9213-4E0F-8E71-EE196DE57A4C}" type="datetimeFigureOut">
               <a:rPr lang="de-DE" smtClean="0"/>
-              <a:t>16.06.2016</a:t>
+              <a:t>17.06.2016</a:t>
             </a:fld>
             <a:endParaRPr lang="de-DE"/>
           </a:p>
@@ -9995,7 +9994,7 @@
           <a:p>
             <a:fld id="{EBC92D59-9213-4E0F-8E71-EE196DE57A4C}" type="datetimeFigureOut">
               <a:rPr lang="de-DE" smtClean="0"/>
-              <a:t>16.06.2016</a:t>
+              <a:t>17.06.2016</a:t>
             </a:fld>
             <a:endParaRPr lang="de-DE"/>
           </a:p>
@@ -10208,7 +10207,7 @@
           <a:p>
             <a:fld id="{EBC92D59-9213-4E0F-8E71-EE196DE57A4C}" type="datetimeFigureOut">
               <a:rPr lang="de-DE" smtClean="0"/>
-              <a:t>16.06.2016</a:t>
+              <a:t>17.06.2016</a:t>
             </a:fld>
             <a:endParaRPr lang="de-DE"/>
           </a:p>
@@ -10694,15 +10693,7 @@
           <a:p>
             <a:r>
               <a:rPr lang="de-DE" dirty="0" smtClean="0"/>
-              <a:t>Daniel Pfeifer, June </a:t>
-            </a:r>
-            <a:r>
-              <a:rPr lang="de-DE" dirty="0" smtClean="0"/>
-              <a:t>16 </a:t>
-            </a:r>
-            <a:r>
-              <a:rPr lang="de-DE" dirty="0" smtClean="0"/>
-              <a:t>2016</a:t>
+              <a:t>Daniel Pfeifer, June 16 2016</a:t>
             </a:r>
             <a:endParaRPr lang="de-DE" dirty="0"/>
           </a:p>
@@ -10941,11 +10932,7 @@
             </a:r>
             <a:r>
               <a:rPr lang="de-DE" sz="2400" dirty="0" smtClean="0"/>
-              <a:t> </a:t>
-            </a:r>
-            <a:r>
-              <a:rPr lang="de-DE" sz="2400" dirty="0" smtClean="0"/>
-              <a:t>integral </a:t>
+              <a:t> integral </a:t>
             </a:r>
             <a:r>
               <a:rPr lang="de-DE" sz="2400" dirty="0" err="1" smtClean="0"/>
@@ -10979,7 +10966,6 @@
               <a:rPr lang="de-DE" sz="2400" dirty="0" smtClean="0"/>
               <a:t>.</a:t>
             </a:r>
-            <a:endParaRPr lang="de-DE" sz="2400" dirty="0" smtClean="0"/>
           </a:p>
           <a:p>
             <a:r>
@@ -12358,7 +12344,6 @@
               <a:rPr lang="de-DE" dirty="0" smtClean="0"/>
               <a:t>),</a:t>
             </a:r>
-            <a:endParaRPr lang="de-DE" dirty="0" smtClean="0"/>
           </a:p>
           <a:p>
             <a:pPr lvl="1"/>
@@ -13052,11 +13037,7 @@
             </a:r>
             <a:r>
               <a:rPr lang="de-DE" dirty="0" smtClean="0"/>
-              <a:t> (TG</a:t>
-            </a:r>
-            <a:r>
-              <a:rPr lang="de-DE" dirty="0" smtClean="0"/>
-              <a:t>) – </a:t>
+              <a:t> (TG) – </a:t>
             </a:r>
             <a:r>
               <a:rPr lang="de-DE" dirty="0"/>
@@ -13090,10 +13071,15 @@
                 <p:ph idx="1"/>
               </p:nvPr>
             </p:nvSpPr>
-            <p:spPr/>
+            <p:spPr>
+              <a:xfrm>
+                <a:off x="838199" y="1825625"/>
+                <a:ext cx="10980683" cy="4351338"/>
+              </a:xfrm>
+            </p:spPr>
             <p:txBody>
               <a:bodyPr>
-                <a:normAutofit lnSpcReduction="10000"/>
+                <a:normAutofit/>
               </a:bodyPr>
               <a:lstStyle/>
               <a:p>
@@ -13317,7 +13303,6 @@
                   <a:rPr lang="de-DE" sz="2200" dirty="0" smtClean="0"/>
                   <a:t> </a:t>
                 </a:r>
-                <a:endParaRPr lang="de-DE" sz="2200" dirty="0" smtClean="0"/>
               </a:p>
               <a:p>
                 <a:pPr marL="0" indent="0">
@@ -13980,14 +13965,6 @@
                   <a:t> </a:t>
                 </a:r>
                 <a:r>
-                  <a:rPr lang="de-DE" sz="2200" dirty="0" err="1" smtClean="0"/>
-                  <a:t>well</a:t>
-                </a:r>
-                <a:r>
-                  <a:rPr lang="de-DE" sz="2200" dirty="0" smtClean="0"/>
-                  <a:t> </a:t>
-                </a:r>
-                <a:r>
                   <a:rPr lang="de-DE" sz="2200" dirty="0" smtClean="0"/>
                   <a:t>via </a:t>
                 </a:r>
@@ -14053,10 +14030,14 @@
               </p:nvPr>
             </p:nvSpPr>
             <p:spPr>
+              <a:xfrm>
+                <a:off x="838199" y="1825625"/>
+                <a:ext cx="10980683" cy="4351338"/>
+              </a:xfrm>
               <a:blipFill rotWithShape="0">
                 <a:blip r:embed="rId2"/>
                 <a:stretch>
-                  <a:fillRect l="-696" t="-4342"/>
+                  <a:fillRect l="-610" t="-2801" r="-444"/>
                 </a:stretch>
               </a:blipFill>
             </p:spPr>
@@ -15849,6 +15830,938 @@
 </file>
 
 <file path=ppt/slides/slide19.xml><?xml version="1.0" encoding="utf-8"?>
+<p:sld xmlns:a="http://schemas.openxmlformats.org/drawingml/2006/main" xmlns:r="http://schemas.openxmlformats.org/officeDocument/2006/relationships" xmlns:p="http://schemas.openxmlformats.org/presentationml/2006/main">
+  <p:cSld>
+    <p:spTree>
+      <p:nvGrpSpPr>
+        <p:cNvPr id="1" name=""/>
+        <p:cNvGrpSpPr/>
+        <p:nvPr/>
+      </p:nvGrpSpPr>
+      <p:grpSpPr>
+        <a:xfrm>
+          <a:off x="0" y="0"/>
+          <a:ext cx="0" cy="0"/>
+          <a:chOff x="0" y="0"/>
+          <a:chExt cx="0" cy="0"/>
+        </a:xfrm>
+      </p:grpSpPr>
+      <p:sp>
+        <p:nvSpPr>
+          <p:cNvPr id="2" name="Titel 1"/>
+          <p:cNvSpPr>
+            <a:spLocks noGrp="1"/>
+          </p:cNvSpPr>
+          <p:nvPr>
+            <p:ph type="title"/>
+          </p:nvPr>
+        </p:nvSpPr>
+        <p:spPr/>
+        <p:txBody>
+          <a:bodyPr/>
+          <a:lstStyle/>
+          <a:p>
+            <a:r>
+              <a:rPr lang="de-DE" dirty="0" smtClean="0"/>
+              <a:t>This (</a:t>
+            </a:r>
+            <a:r>
+              <a:rPr lang="de-DE" dirty="0" err="1" smtClean="0"/>
+              <a:t>probably</a:t>
+            </a:r>
+            <a:r>
+              <a:rPr lang="de-DE" dirty="0" smtClean="0"/>
+              <a:t>) </a:t>
+            </a:r>
+            <a:r>
+              <a:rPr lang="de-DE" dirty="0" err="1" smtClean="0"/>
+              <a:t>means</a:t>
+            </a:r>
+            <a:r>
+              <a:rPr lang="de-DE" dirty="0" smtClean="0"/>
+              <a:t> </a:t>
+            </a:r>
+            <a:r>
+              <a:rPr lang="de-DE" dirty="0" err="1" smtClean="0"/>
+              <a:t>that</a:t>
+            </a:r>
+            <a:r>
+              <a:rPr lang="de-DE" dirty="0" smtClean="0"/>
+              <a:t>…</a:t>
+            </a:r>
+            <a:endParaRPr lang="en-AU" dirty="0"/>
+          </a:p>
+        </p:txBody>
+      </p:sp>
+      <p:sp>
+        <p:nvSpPr>
+          <p:cNvPr id="3" name="Inhaltsplatzhalter 2"/>
+          <p:cNvSpPr>
+            <a:spLocks noGrp="1"/>
+          </p:cNvSpPr>
+          <p:nvPr>
+            <p:ph idx="1"/>
+          </p:nvPr>
+        </p:nvSpPr>
+        <p:spPr/>
+        <p:txBody>
+          <a:bodyPr/>
+          <a:lstStyle/>
+          <a:p>
+            <a:r>
+              <a:rPr lang="de-DE" dirty="0" smtClean="0"/>
+              <a:t>… </a:t>
+            </a:r>
+            <a:r>
+              <a:rPr lang="de-DE" dirty="0" err="1" smtClean="0"/>
+              <a:t>unless</a:t>
+            </a:r>
+            <a:r>
+              <a:rPr lang="de-DE" dirty="0" smtClean="0"/>
+              <a:t> </a:t>
+            </a:r>
+            <a:r>
+              <a:rPr lang="de-DE" dirty="0" err="1" smtClean="0"/>
+              <a:t>there</a:t>
+            </a:r>
+            <a:r>
+              <a:rPr lang="de-DE" dirty="0" smtClean="0"/>
+              <a:t> </a:t>
+            </a:r>
+            <a:r>
+              <a:rPr lang="de-DE" dirty="0" err="1" smtClean="0"/>
+              <a:t>is</a:t>
+            </a:r>
+            <a:r>
+              <a:rPr lang="de-DE" dirty="0" smtClean="0"/>
+              <a:t> a </a:t>
+            </a:r>
+            <a:r>
+              <a:rPr lang="de-DE" dirty="0" err="1" smtClean="0"/>
+              <a:t>flaw</a:t>
+            </a:r>
+            <a:r>
+              <a:rPr lang="de-DE" dirty="0" smtClean="0"/>
+              <a:t> in </a:t>
+            </a:r>
+            <a:r>
+              <a:rPr lang="de-DE" dirty="0" err="1" smtClean="0"/>
+              <a:t>my</a:t>
+            </a:r>
+            <a:r>
+              <a:rPr lang="de-DE" dirty="0" smtClean="0"/>
+              <a:t> </a:t>
+            </a:r>
+            <a:r>
+              <a:rPr lang="de-DE" dirty="0" err="1" smtClean="0"/>
+              <a:t>analysis</a:t>
+            </a:r>
+            <a:r>
+              <a:rPr lang="de-DE" dirty="0" smtClean="0"/>
+              <a:t> …</a:t>
+            </a:r>
+          </a:p>
+          <a:p>
+            <a:r>
+              <a:rPr lang="de-DE" dirty="0" smtClean="0"/>
+              <a:t>… LDA </a:t>
+            </a:r>
+            <a:r>
+              <a:rPr lang="de-DE" dirty="0" err="1" smtClean="0"/>
+              <a:t>tends</a:t>
+            </a:r>
+            <a:r>
+              <a:rPr lang="de-DE" dirty="0" smtClean="0"/>
+              <a:t> </a:t>
+            </a:r>
+            <a:r>
+              <a:rPr lang="de-DE" dirty="0" err="1" smtClean="0"/>
+              <a:t>to</a:t>
+            </a:r>
+            <a:r>
+              <a:rPr lang="de-DE" dirty="0" smtClean="0"/>
+              <a:t> </a:t>
+            </a:r>
+            <a:r>
+              <a:rPr lang="de-DE" dirty="0" err="1" smtClean="0"/>
+              <a:t>overfit</a:t>
+            </a:r>
+            <a:r>
+              <a:rPr lang="de-DE" dirty="0" smtClean="0"/>
+              <a:t> </a:t>
+            </a:r>
+            <a:r>
+              <a:rPr lang="de-DE" dirty="0" err="1" smtClean="0"/>
+              <a:t>the</a:t>
+            </a:r>
+            <a:r>
+              <a:rPr lang="de-DE" dirty="0" smtClean="0"/>
+              <a:t> </a:t>
+            </a:r>
+            <a:r>
+              <a:rPr lang="de-DE" dirty="0" err="1" smtClean="0"/>
+              <a:t>data</a:t>
+            </a:r>
+            <a:r>
+              <a:rPr lang="de-DE" dirty="0" smtClean="0"/>
+              <a:t> (</a:t>
+            </a:r>
+            <a:r>
+              <a:rPr lang="de-DE" dirty="0" err="1" smtClean="0"/>
+              <a:t>given</a:t>
+            </a:r>
+            <a:r>
+              <a:rPr lang="de-DE" dirty="0" smtClean="0"/>
+              <a:t> </a:t>
+            </a:r>
+            <a:r>
+              <a:rPr lang="de-DE" dirty="0" err="1" smtClean="0"/>
+              <a:t>the</a:t>
+            </a:r>
+            <a:r>
+              <a:rPr lang="de-DE" dirty="0" smtClean="0"/>
+              <a:t> </a:t>
+            </a:r>
+            <a:r>
+              <a:rPr lang="de-DE" dirty="0" err="1" smtClean="0"/>
+              <a:t>circumstances</a:t>
+            </a:r>
+            <a:r>
+              <a:rPr lang="de-DE" dirty="0" smtClean="0"/>
+              <a:t>)</a:t>
+            </a:r>
+          </a:p>
+          <a:p>
+            <a:r>
+              <a:rPr lang="de-DE" dirty="0" err="1" smtClean="0"/>
+              <a:t>And</a:t>
+            </a:r>
+            <a:r>
+              <a:rPr lang="de-DE" dirty="0" smtClean="0"/>
+              <a:t> </a:t>
+            </a:r>
+            <a:r>
+              <a:rPr lang="de-DE" dirty="0" err="1" smtClean="0"/>
+              <a:t>this</a:t>
+            </a:r>
+            <a:r>
+              <a:rPr lang="de-DE" dirty="0" smtClean="0"/>
+              <a:t> (</a:t>
+            </a:r>
+            <a:r>
+              <a:rPr lang="de-DE" dirty="0" err="1" smtClean="0"/>
+              <a:t>probably</a:t>
+            </a:r>
+            <a:r>
+              <a:rPr lang="de-DE" dirty="0" smtClean="0"/>
+              <a:t>) </a:t>
+            </a:r>
+            <a:r>
+              <a:rPr lang="de-DE" dirty="0" err="1" smtClean="0"/>
+              <a:t>means</a:t>
+            </a:r>
+            <a:r>
+              <a:rPr lang="de-DE" dirty="0" smtClean="0"/>
+              <a:t> </a:t>
+            </a:r>
+            <a:r>
+              <a:rPr lang="de-DE" dirty="0" err="1" smtClean="0"/>
+              <a:t>that</a:t>
+            </a:r>
+            <a:endParaRPr lang="de-DE" dirty="0" smtClean="0"/>
+          </a:p>
+          <a:p>
+            <a:pPr lvl="1"/>
+            <a:r>
+              <a:rPr lang="de-DE" dirty="0" smtClean="0"/>
+              <a:t>LDA </a:t>
+            </a:r>
+            <a:r>
+              <a:rPr lang="de-DE" dirty="0" err="1" smtClean="0"/>
+              <a:t>is</a:t>
+            </a:r>
+            <a:r>
+              <a:rPr lang="de-DE" dirty="0" smtClean="0"/>
+              <a:t> </a:t>
+            </a:r>
+            <a:r>
+              <a:rPr lang="de-DE" b="1" dirty="0" smtClean="0"/>
+              <a:t>not so </a:t>
+            </a:r>
+            <a:r>
+              <a:rPr lang="de-DE" b="1" dirty="0" err="1" smtClean="0"/>
+              <a:t>good</a:t>
+            </a:r>
+            <a:r>
+              <a:rPr lang="de-DE" b="1" dirty="0" smtClean="0"/>
+              <a:t> at </a:t>
+            </a:r>
+            <a:r>
+              <a:rPr lang="de-DE" b="1" dirty="0" err="1" smtClean="0"/>
+              <a:t>finding</a:t>
+            </a:r>
+            <a:r>
+              <a:rPr lang="de-DE" b="1" dirty="0" smtClean="0"/>
+              <a:t> </a:t>
+            </a:r>
+            <a:r>
+              <a:rPr lang="de-DE" b="1" dirty="0" err="1" smtClean="0"/>
+              <a:t>abstractions</a:t>
+            </a:r>
+            <a:r>
+              <a:rPr lang="de-DE" b="1" dirty="0" smtClean="0"/>
+              <a:t> </a:t>
+            </a:r>
+            <a:r>
+              <a:rPr lang="de-DE" dirty="0" err="1" smtClean="0"/>
+              <a:t>that</a:t>
+            </a:r>
+            <a:r>
+              <a:rPr lang="de-DE" dirty="0" smtClean="0"/>
+              <a:t> </a:t>
+            </a:r>
+            <a:r>
+              <a:rPr lang="de-DE" dirty="0" err="1" smtClean="0"/>
+              <a:t>go</a:t>
+            </a:r>
+            <a:r>
+              <a:rPr lang="de-DE" dirty="0" smtClean="0"/>
+              <a:t> </a:t>
+            </a:r>
+            <a:r>
+              <a:rPr lang="de-DE" dirty="0" err="1" smtClean="0"/>
+              <a:t>beyond</a:t>
+            </a:r>
+            <a:r>
+              <a:rPr lang="de-DE" dirty="0" smtClean="0"/>
+              <a:t> </a:t>
+            </a:r>
+            <a:r>
+              <a:rPr lang="de-DE" dirty="0" err="1" smtClean="0"/>
+              <a:t>the</a:t>
+            </a:r>
+            <a:r>
+              <a:rPr lang="de-DE" dirty="0" smtClean="0"/>
+              <a:t> </a:t>
+            </a:r>
+            <a:r>
+              <a:rPr lang="de-DE" dirty="0" err="1" smtClean="0"/>
+              <a:t>analyzed</a:t>
+            </a:r>
+            <a:r>
+              <a:rPr lang="de-DE" dirty="0" smtClean="0"/>
+              <a:t> </a:t>
+            </a:r>
+            <a:r>
+              <a:rPr lang="de-DE" dirty="0" err="1" smtClean="0"/>
+              <a:t>documents</a:t>
+            </a:r>
+            <a:endParaRPr lang="de-DE" dirty="0" smtClean="0"/>
+          </a:p>
+          <a:p>
+            <a:pPr lvl="1"/>
+            <a:r>
+              <a:rPr lang="de-DE" dirty="0"/>
+              <a:t>b</a:t>
+            </a:r>
+            <a:r>
+              <a:rPr lang="de-DE" dirty="0" smtClean="0"/>
+              <a:t>ut </a:t>
+            </a:r>
+            <a:r>
+              <a:rPr lang="de-DE" dirty="0"/>
+              <a:t>T</a:t>
+            </a:r>
+            <a:r>
+              <a:rPr lang="de-DE" dirty="0" smtClean="0"/>
+              <a:t>opic </a:t>
+            </a:r>
+            <a:r>
+              <a:rPr lang="de-DE" dirty="0" err="1"/>
+              <a:t>G</a:t>
+            </a:r>
+            <a:r>
+              <a:rPr lang="de-DE" dirty="0" err="1" smtClean="0"/>
+              <a:t>rouper</a:t>
+            </a:r>
+            <a:r>
+              <a:rPr lang="de-DE" dirty="0" smtClean="0"/>
+              <a:t> </a:t>
+            </a:r>
+            <a:r>
+              <a:rPr lang="de-DE" dirty="0" err="1" smtClean="0"/>
+              <a:t>is</a:t>
+            </a:r>
+            <a:r>
+              <a:rPr lang="de-DE" dirty="0" smtClean="0"/>
+              <a:t>.</a:t>
+            </a:r>
+          </a:p>
+          <a:p>
+            <a:r>
+              <a:rPr lang="de-DE" dirty="0" err="1" smtClean="0"/>
+              <a:t>And</a:t>
+            </a:r>
+            <a:r>
+              <a:rPr lang="de-DE" dirty="0" smtClean="0"/>
+              <a:t> </a:t>
+            </a:r>
+            <a:r>
+              <a:rPr lang="de-DE" dirty="0" err="1" smtClean="0"/>
+              <a:t>anyways</a:t>
+            </a:r>
+            <a:r>
+              <a:rPr lang="de-DE" dirty="0" smtClean="0"/>
+              <a:t> – </a:t>
+            </a:r>
+            <a:r>
+              <a:rPr lang="de-DE" dirty="0" err="1" smtClean="0"/>
+              <a:t>if</a:t>
+            </a:r>
+            <a:r>
+              <a:rPr lang="de-DE" dirty="0" smtClean="0"/>
+              <a:t> </a:t>
+            </a:r>
+            <a:r>
+              <a:rPr lang="de-DE" dirty="0" err="1" smtClean="0"/>
+              <a:t>you</a:t>
+            </a:r>
+            <a:r>
+              <a:rPr lang="de-DE" dirty="0" smtClean="0"/>
+              <a:t> </a:t>
+            </a:r>
+            <a:r>
+              <a:rPr lang="de-DE" dirty="0" err="1" smtClean="0"/>
+              <a:t>want</a:t>
+            </a:r>
+            <a:r>
+              <a:rPr lang="de-DE" dirty="0" smtClean="0"/>
+              <a:t> </a:t>
+            </a:r>
+            <a:r>
+              <a:rPr lang="de-DE" dirty="0" err="1" smtClean="0"/>
+              <a:t>to</a:t>
+            </a:r>
+            <a:r>
+              <a:rPr lang="de-DE" dirty="0" smtClean="0"/>
+              <a:t> </a:t>
+            </a:r>
+            <a:r>
+              <a:rPr lang="de-DE" dirty="0" err="1" smtClean="0"/>
+              <a:t>predict</a:t>
+            </a:r>
+            <a:endParaRPr lang="de-DE" dirty="0"/>
+          </a:p>
+          <a:p>
+            <a:pPr lvl="1"/>
+            <a:r>
+              <a:rPr lang="de-DE" dirty="0"/>
+              <a:t>l</a:t>
+            </a:r>
+            <a:r>
+              <a:rPr lang="de-DE" dirty="0" smtClean="0"/>
+              <a:t>ike </a:t>
+            </a:r>
+            <a:r>
+              <a:rPr lang="de-DE" dirty="0" err="1" smtClean="0"/>
+              <a:t>for</a:t>
+            </a:r>
+            <a:r>
+              <a:rPr lang="de-DE" dirty="0" smtClean="0"/>
+              <a:t> </a:t>
+            </a:r>
+            <a:r>
+              <a:rPr lang="de-DE" dirty="0" err="1" smtClean="0"/>
+              <a:t>recommender</a:t>
+            </a:r>
+            <a:r>
+              <a:rPr lang="de-DE" dirty="0" smtClean="0"/>
+              <a:t> </a:t>
+            </a:r>
+            <a:r>
+              <a:rPr lang="de-DE" dirty="0" err="1" smtClean="0"/>
+              <a:t>systems</a:t>
+            </a:r>
+            <a:endParaRPr lang="de-DE" dirty="0" smtClean="0"/>
+          </a:p>
+          <a:p>
+            <a:pPr lvl="1"/>
+            <a:r>
+              <a:rPr lang="de-DE" dirty="0" err="1" smtClean="0"/>
+              <a:t>you</a:t>
+            </a:r>
+            <a:r>
+              <a:rPr lang="de-DE" dirty="0" smtClean="0"/>
+              <a:t> </a:t>
+            </a:r>
+            <a:r>
+              <a:rPr lang="de-DE" dirty="0" err="1" smtClean="0"/>
+              <a:t>are</a:t>
+            </a:r>
+            <a:r>
+              <a:rPr lang="de-DE" dirty="0" smtClean="0"/>
+              <a:t> </a:t>
+            </a:r>
+            <a:r>
+              <a:rPr lang="de-DE" dirty="0" err="1" smtClean="0"/>
+              <a:t>better</a:t>
+            </a:r>
+            <a:r>
+              <a:rPr lang="de-DE" dirty="0" smtClean="0"/>
+              <a:t> </a:t>
+            </a:r>
+            <a:r>
+              <a:rPr lang="de-DE" dirty="0" err="1" smtClean="0"/>
+              <a:t>of</a:t>
+            </a:r>
+            <a:r>
+              <a:rPr lang="de-DE" dirty="0" smtClean="0"/>
+              <a:t> </a:t>
+            </a:r>
+            <a:r>
+              <a:rPr lang="de-DE" dirty="0" err="1" smtClean="0"/>
+              <a:t>with</a:t>
+            </a:r>
+            <a:r>
+              <a:rPr lang="de-DE" dirty="0" smtClean="0"/>
+              <a:t> Topic </a:t>
+            </a:r>
+            <a:r>
+              <a:rPr lang="de-DE" dirty="0" err="1" smtClean="0"/>
+              <a:t>Grouper</a:t>
+            </a:r>
+            <a:endParaRPr lang="en-AU" dirty="0"/>
+          </a:p>
+        </p:txBody>
+      </p:sp>
+    </p:spTree>
+    <p:extLst>
+      <p:ext uri="{BB962C8B-B14F-4D97-AF65-F5344CB8AC3E}">
+        <p14:creationId xmlns:p14="http://schemas.microsoft.com/office/powerpoint/2010/main" val="1147422194"/>
+      </p:ext>
+    </p:extLst>
+  </p:cSld>
+  <p:clrMapOvr>
+    <a:masterClrMapping/>
+  </p:clrMapOvr>
+</p:sld>
+</file>
+
+<file path=ppt/slides/slide2.xml><?xml version="1.0" encoding="utf-8"?>
+<p:sld xmlns:a="http://schemas.openxmlformats.org/drawingml/2006/main" xmlns:r="http://schemas.openxmlformats.org/officeDocument/2006/relationships" xmlns:p="http://schemas.openxmlformats.org/presentationml/2006/main">
+  <p:cSld>
+    <p:spTree>
+      <p:nvGrpSpPr>
+        <p:cNvPr id="1" name=""/>
+        <p:cNvGrpSpPr/>
+        <p:nvPr/>
+      </p:nvGrpSpPr>
+      <p:grpSpPr>
+        <a:xfrm>
+          <a:off x="0" y="0"/>
+          <a:ext cx="0" cy="0"/>
+          <a:chOff x="0" y="0"/>
+          <a:chExt cx="0" cy="0"/>
+        </a:xfrm>
+      </p:grpSpPr>
+      <p:sp>
+        <p:nvSpPr>
+          <p:cNvPr id="2" name="Titel 1"/>
+          <p:cNvSpPr>
+            <a:spLocks noGrp="1"/>
+          </p:cNvSpPr>
+          <p:nvPr>
+            <p:ph type="title"/>
+          </p:nvPr>
+        </p:nvSpPr>
+        <p:spPr/>
+        <p:txBody>
+          <a:bodyPr/>
+          <a:lstStyle/>
+          <a:p>
+            <a:r>
+              <a:rPr lang="de-DE" smtClean="0"/>
+              <a:t>Topic Modeling (TM)</a:t>
+            </a:r>
+            <a:endParaRPr lang="de-DE"/>
+          </a:p>
+        </p:txBody>
+      </p:sp>
+      <p:sp>
+        <p:nvSpPr>
+          <p:cNvPr id="3" name="Inhaltsplatzhalter 2"/>
+          <p:cNvSpPr>
+            <a:spLocks noGrp="1"/>
+          </p:cNvSpPr>
+          <p:nvPr>
+            <p:ph idx="1"/>
+          </p:nvPr>
+        </p:nvSpPr>
+        <p:spPr/>
+        <p:txBody>
+          <a:bodyPr/>
+          <a:lstStyle/>
+          <a:p>
+            <a:r>
+              <a:rPr lang="de-DE" dirty="0" smtClean="0"/>
+              <a:t>Information </a:t>
+            </a:r>
+            <a:r>
+              <a:rPr lang="de-DE" dirty="0" err="1" smtClean="0"/>
+              <a:t>Retrieval</a:t>
+            </a:r>
+            <a:r>
+              <a:rPr lang="de-DE" dirty="0" smtClean="0"/>
+              <a:t> </a:t>
+            </a:r>
+            <a:r>
+              <a:rPr lang="de-DE" dirty="0" err="1" smtClean="0"/>
+              <a:t>problem</a:t>
+            </a:r>
+            <a:r>
+              <a:rPr lang="de-DE" dirty="0" smtClean="0"/>
+              <a:t>:</a:t>
+            </a:r>
+          </a:p>
+          <a:p>
+            <a:pPr lvl="1"/>
+            <a:r>
+              <a:rPr lang="de-DE" dirty="0" smtClean="0"/>
+              <a:t>Working </a:t>
+            </a:r>
+            <a:r>
+              <a:rPr lang="de-DE" dirty="0" err="1" smtClean="0"/>
+              <a:t>with</a:t>
+            </a:r>
+            <a:r>
+              <a:rPr lang="de-DE" dirty="0" smtClean="0"/>
+              <a:t> a </a:t>
+            </a:r>
+            <a:r>
+              <a:rPr lang="de-DE" dirty="0" err="1" smtClean="0"/>
+              <a:t>document</a:t>
+            </a:r>
+            <a:r>
+              <a:rPr lang="de-DE" dirty="0" smtClean="0"/>
+              <a:t> </a:t>
+            </a:r>
+            <a:r>
+              <a:rPr lang="de-DE" dirty="0" err="1" smtClean="0"/>
+              <a:t>collection</a:t>
+            </a:r>
+            <a:r>
+              <a:rPr lang="de-DE" dirty="0" smtClean="0"/>
+              <a:t> D</a:t>
+            </a:r>
+          </a:p>
+          <a:p>
+            <a:pPr lvl="1"/>
+            <a:r>
+              <a:rPr lang="de-DE" dirty="0" smtClean="0"/>
+              <a:t>Word </a:t>
+            </a:r>
+            <a:r>
+              <a:rPr lang="de-DE" dirty="0" err="1" smtClean="0"/>
+              <a:t>order</a:t>
+            </a:r>
+            <a:r>
+              <a:rPr lang="de-DE" dirty="0" smtClean="0"/>
+              <a:t> in a </a:t>
+            </a:r>
+            <a:r>
+              <a:rPr lang="de-DE" dirty="0" err="1" smtClean="0"/>
+              <a:t>document</a:t>
+            </a:r>
+            <a:r>
+              <a:rPr lang="de-DE" dirty="0" smtClean="0"/>
+              <a:t> d </a:t>
+            </a:r>
+            <a:r>
+              <a:rPr lang="de-DE" dirty="0" err="1" smtClean="0"/>
+              <a:t>is</a:t>
+            </a:r>
+            <a:r>
+              <a:rPr lang="de-DE" dirty="0" smtClean="0"/>
+              <a:t> </a:t>
+            </a:r>
+            <a:r>
+              <a:rPr lang="de-DE" dirty="0" err="1" smtClean="0"/>
+              <a:t>ignored</a:t>
+            </a:r>
+            <a:endParaRPr lang="de-DE" dirty="0" smtClean="0"/>
+          </a:p>
+          <a:p>
+            <a:r>
+              <a:rPr lang="de-DE" dirty="0" err="1" smtClean="0"/>
+              <a:t>Similar</a:t>
+            </a:r>
+            <a:r>
+              <a:rPr lang="de-DE" dirty="0" smtClean="0"/>
+              <a:t> </a:t>
+            </a:r>
+            <a:r>
+              <a:rPr lang="de-DE" dirty="0" err="1" smtClean="0"/>
+              <a:t>to</a:t>
+            </a:r>
+            <a:r>
+              <a:rPr lang="de-DE" dirty="0" smtClean="0"/>
+              <a:t> </a:t>
+            </a:r>
+            <a:r>
+              <a:rPr lang="de-DE" dirty="0" err="1" smtClean="0"/>
+              <a:t>document</a:t>
+            </a:r>
+            <a:r>
+              <a:rPr lang="de-DE" dirty="0" smtClean="0"/>
+              <a:t> </a:t>
+            </a:r>
+            <a:r>
+              <a:rPr lang="de-DE" dirty="0" err="1" smtClean="0"/>
+              <a:t>clustering</a:t>
+            </a:r>
+            <a:r>
+              <a:rPr lang="de-DE" dirty="0" smtClean="0"/>
+              <a:t> (DC)</a:t>
+            </a:r>
+          </a:p>
+          <a:p>
+            <a:pPr lvl="1"/>
+            <a:r>
+              <a:rPr lang="de-DE" dirty="0" smtClean="0"/>
+              <a:t>DC: Group </a:t>
+            </a:r>
+            <a:r>
+              <a:rPr lang="de-DE" dirty="0" err="1" smtClean="0"/>
+              <a:t>documents</a:t>
+            </a:r>
+            <a:r>
+              <a:rPr lang="de-DE" dirty="0" smtClean="0"/>
+              <a:t> </a:t>
+            </a:r>
+            <a:r>
+              <a:rPr lang="de-DE" dirty="0" err="1" smtClean="0"/>
+              <a:t>according</a:t>
+            </a:r>
+            <a:r>
+              <a:rPr lang="de-DE" dirty="0" smtClean="0"/>
+              <a:t> </a:t>
+            </a:r>
+            <a:r>
+              <a:rPr lang="de-DE" dirty="0" err="1" smtClean="0"/>
+              <a:t>to</a:t>
+            </a:r>
+            <a:r>
+              <a:rPr lang="de-DE" dirty="0" smtClean="0"/>
+              <a:t> a </a:t>
+            </a:r>
+            <a:r>
+              <a:rPr lang="de-DE" dirty="0" err="1" smtClean="0"/>
+              <a:t>distance</a:t>
+            </a:r>
+            <a:r>
+              <a:rPr lang="de-DE" dirty="0" smtClean="0"/>
+              <a:t> </a:t>
+            </a:r>
+            <a:r>
+              <a:rPr lang="de-DE" dirty="0" err="1" smtClean="0"/>
+              <a:t>measure</a:t>
+            </a:r>
+            <a:r>
+              <a:rPr lang="de-DE" dirty="0" smtClean="0"/>
+              <a:t> – e.g. </a:t>
+            </a:r>
+            <a:r>
+              <a:rPr lang="de-DE" dirty="0" err="1" smtClean="0"/>
+              <a:t>Salton</a:t>
+            </a:r>
+            <a:r>
+              <a:rPr lang="de-DE" dirty="0" smtClean="0"/>
+              <a:t> 1975 / </a:t>
+            </a:r>
+            <a:r>
+              <a:rPr lang="de-DE" dirty="0" err="1" smtClean="0"/>
+              <a:t>Vector</a:t>
+            </a:r>
+            <a:r>
+              <a:rPr lang="de-DE" dirty="0" smtClean="0"/>
+              <a:t> Space Model</a:t>
+            </a:r>
+          </a:p>
+          <a:p>
+            <a:r>
+              <a:rPr lang="de-DE" dirty="0" err="1" smtClean="0"/>
+              <a:t>However</a:t>
+            </a:r>
+            <a:r>
+              <a:rPr lang="de-DE" dirty="0"/>
+              <a:t> </a:t>
+            </a:r>
+            <a:r>
+              <a:rPr lang="de-DE" dirty="0" err="1" smtClean="0"/>
+              <a:t>for</a:t>
+            </a:r>
+            <a:r>
+              <a:rPr lang="de-DE" dirty="0" smtClean="0"/>
+              <a:t> Topic Modeling:</a:t>
+            </a:r>
+          </a:p>
+          <a:p>
+            <a:pPr lvl="1"/>
+            <a:r>
+              <a:rPr lang="de-DE" b="1" dirty="0"/>
+              <a:t>F</a:t>
+            </a:r>
+            <a:r>
+              <a:rPr lang="de-DE" b="1" dirty="0" smtClean="0"/>
+              <a:t>ind latent </a:t>
+            </a:r>
+            <a:r>
+              <a:rPr lang="de-DE" b="1" dirty="0" err="1" smtClean="0"/>
+              <a:t>topics</a:t>
+            </a:r>
+            <a:r>
+              <a:rPr lang="de-DE" b="1" dirty="0" smtClean="0"/>
+              <a:t> </a:t>
+            </a:r>
+            <a:r>
+              <a:rPr lang="de-DE" dirty="0" smtClean="0"/>
+              <a:t>in D.</a:t>
+            </a:r>
+          </a:p>
+          <a:p>
+            <a:pPr lvl="1"/>
+            <a:r>
+              <a:rPr lang="de-DE" dirty="0" smtClean="0"/>
+              <a:t>A </a:t>
+            </a:r>
+            <a:r>
+              <a:rPr lang="de-DE" dirty="0" err="1" smtClean="0"/>
+              <a:t>document</a:t>
+            </a:r>
+            <a:r>
+              <a:rPr lang="de-DE" dirty="0" smtClean="0"/>
+              <a:t> d </a:t>
+            </a:r>
+            <a:r>
+              <a:rPr lang="de-DE" dirty="0" err="1" smtClean="0"/>
+              <a:t>may</a:t>
+            </a:r>
+            <a:r>
+              <a:rPr lang="de-DE" dirty="0" smtClean="0"/>
+              <a:t> </a:t>
+            </a:r>
+            <a:r>
+              <a:rPr lang="de-DE" dirty="0" err="1" smtClean="0"/>
+              <a:t>belong</a:t>
+            </a:r>
+            <a:r>
+              <a:rPr lang="de-DE" dirty="0" smtClean="0"/>
+              <a:t> </a:t>
+            </a:r>
+            <a:r>
+              <a:rPr lang="de-DE" dirty="0" err="1" smtClean="0"/>
+              <a:t>to</a:t>
+            </a:r>
+            <a:r>
+              <a:rPr lang="de-DE" dirty="0" smtClean="0"/>
+              <a:t> </a:t>
+            </a:r>
+            <a:r>
+              <a:rPr lang="de-DE" dirty="0" err="1" smtClean="0"/>
+              <a:t>more</a:t>
+            </a:r>
+            <a:r>
+              <a:rPr lang="de-DE" dirty="0" smtClean="0"/>
+              <a:t> </a:t>
+            </a:r>
+            <a:r>
+              <a:rPr lang="de-DE" dirty="0" err="1" smtClean="0"/>
+              <a:t>than</a:t>
+            </a:r>
+            <a:r>
+              <a:rPr lang="de-DE" dirty="0" smtClean="0"/>
+              <a:t> </a:t>
+            </a:r>
+            <a:r>
+              <a:rPr lang="de-DE" dirty="0" err="1" smtClean="0"/>
+              <a:t>one</a:t>
+            </a:r>
+            <a:r>
+              <a:rPr lang="de-DE" dirty="0" smtClean="0"/>
+              <a:t> </a:t>
+            </a:r>
+            <a:r>
+              <a:rPr lang="de-DE" dirty="0" err="1" smtClean="0"/>
+              <a:t>topic</a:t>
+            </a:r>
+            <a:r>
+              <a:rPr lang="de-DE" dirty="0" smtClean="0"/>
+              <a:t> t.</a:t>
+            </a:r>
+          </a:p>
+          <a:p>
+            <a:pPr lvl="1"/>
+            <a:r>
+              <a:rPr lang="de-DE" dirty="0" smtClean="0"/>
+              <a:t>Topics </a:t>
+            </a:r>
+            <a:r>
+              <a:rPr lang="de-DE" dirty="0" err="1" smtClean="0"/>
+              <a:t>are</a:t>
+            </a:r>
+            <a:r>
+              <a:rPr lang="de-DE" dirty="0" smtClean="0"/>
+              <a:t> </a:t>
+            </a:r>
+            <a:r>
+              <a:rPr lang="de-DE" dirty="0" err="1" smtClean="0"/>
+              <a:t>described</a:t>
+            </a:r>
+            <a:r>
+              <a:rPr lang="de-DE" dirty="0" smtClean="0"/>
+              <a:t> via </a:t>
+            </a:r>
+            <a:r>
+              <a:rPr lang="de-DE" dirty="0" err="1" smtClean="0"/>
+              <a:t>words</a:t>
+            </a:r>
+            <a:r>
+              <a:rPr lang="de-DE" dirty="0" smtClean="0"/>
+              <a:t> </a:t>
+            </a:r>
+            <a:r>
+              <a:rPr lang="de-DE" dirty="0" err="1" smtClean="0"/>
+              <a:t>from</a:t>
+            </a:r>
+            <a:r>
+              <a:rPr lang="de-DE" dirty="0" smtClean="0"/>
+              <a:t> D.</a:t>
+            </a:r>
+            <a:endParaRPr lang="de-DE" dirty="0"/>
+          </a:p>
+        </p:txBody>
+      </p:sp>
+    </p:spTree>
+    <p:extLst>
+      <p:ext uri="{BB962C8B-B14F-4D97-AF65-F5344CB8AC3E}">
+        <p14:creationId xmlns:p14="http://schemas.microsoft.com/office/powerpoint/2010/main" val="3065378415"/>
+      </p:ext>
+    </p:extLst>
+  </p:cSld>
+  <p:clrMapOvr>
+    <a:masterClrMapping/>
+  </p:clrMapOvr>
+  <p:timing>
+    <p:tnLst>
+      <p:par>
+        <p:cTn id="1" dur="indefinite" restart="never" nodeType="tmRoot"/>
+      </p:par>
+    </p:tnLst>
+  </p:timing>
+</p:sld>
+</file>
+
+<file path=ppt/slides/slide20.xml><?xml version="1.0" encoding="utf-8"?>
 <p:sld xmlns:a="http://schemas.openxmlformats.org/drawingml/2006/main" xmlns:r="http://schemas.openxmlformats.org/officeDocument/2006/relationships" xmlns:p="http://schemas.openxmlformats.org/presentationml/2006/main">
   <p:cSld>
     <p:spTree>
@@ -16170,7 +17083,7 @@
 </p:sld>
 </file>
 
-<file path=ppt/slides/slide2.xml><?xml version="1.0" encoding="utf-8"?>
+<file path=ppt/slides/slide21.xml><?xml version="1.0" encoding="utf-8"?>
 <p:sld xmlns:a="http://schemas.openxmlformats.org/drawingml/2006/main" xmlns:r="http://schemas.openxmlformats.org/officeDocument/2006/relationships" xmlns:p="http://schemas.openxmlformats.org/presentationml/2006/main">
   <p:cSld>
     <p:spTree>
@@ -16203,420 +17116,6 @@
           <a:lstStyle/>
           <a:p>
             <a:r>
-              <a:rPr lang="de-DE" smtClean="0"/>
-              <a:t>Topic Modeling (TM)</a:t>
-            </a:r>
-            <a:endParaRPr lang="de-DE"/>
-          </a:p>
-        </p:txBody>
-      </p:sp>
-      <p:sp>
-        <p:nvSpPr>
-          <p:cNvPr id="3" name="Inhaltsplatzhalter 2"/>
-          <p:cNvSpPr>
-            <a:spLocks noGrp="1"/>
-          </p:cNvSpPr>
-          <p:nvPr>
-            <p:ph idx="1"/>
-          </p:nvPr>
-        </p:nvSpPr>
-        <p:spPr/>
-        <p:txBody>
-          <a:bodyPr/>
-          <a:lstStyle/>
-          <a:p>
-            <a:r>
-              <a:rPr lang="de-DE" dirty="0" smtClean="0"/>
-              <a:t>Information </a:t>
-            </a:r>
-            <a:r>
-              <a:rPr lang="de-DE" dirty="0" err="1" smtClean="0"/>
-              <a:t>Retrieval</a:t>
-            </a:r>
-            <a:r>
-              <a:rPr lang="de-DE" dirty="0" smtClean="0"/>
-              <a:t> </a:t>
-            </a:r>
-            <a:r>
-              <a:rPr lang="de-DE" dirty="0" err="1" smtClean="0"/>
-              <a:t>problem</a:t>
-            </a:r>
-            <a:r>
-              <a:rPr lang="de-DE" dirty="0" smtClean="0"/>
-              <a:t>:</a:t>
-            </a:r>
-          </a:p>
-          <a:p>
-            <a:pPr lvl="1"/>
-            <a:r>
-              <a:rPr lang="de-DE" dirty="0" smtClean="0"/>
-              <a:t>Working </a:t>
-            </a:r>
-            <a:r>
-              <a:rPr lang="de-DE" dirty="0" err="1" smtClean="0"/>
-              <a:t>with</a:t>
-            </a:r>
-            <a:r>
-              <a:rPr lang="de-DE" dirty="0" smtClean="0"/>
-              <a:t> a </a:t>
-            </a:r>
-            <a:r>
-              <a:rPr lang="de-DE" dirty="0" err="1" smtClean="0"/>
-              <a:t>document</a:t>
-            </a:r>
-            <a:r>
-              <a:rPr lang="de-DE" dirty="0" smtClean="0"/>
-              <a:t> </a:t>
-            </a:r>
-            <a:r>
-              <a:rPr lang="de-DE" dirty="0" err="1" smtClean="0"/>
-              <a:t>collection</a:t>
-            </a:r>
-            <a:r>
-              <a:rPr lang="de-DE" dirty="0" smtClean="0"/>
-              <a:t> D</a:t>
-            </a:r>
-          </a:p>
-          <a:p>
-            <a:pPr lvl="1"/>
-            <a:r>
-              <a:rPr lang="de-DE" dirty="0" smtClean="0"/>
-              <a:t>Word </a:t>
-            </a:r>
-            <a:r>
-              <a:rPr lang="de-DE" dirty="0" err="1" smtClean="0"/>
-              <a:t>order</a:t>
-            </a:r>
-            <a:r>
-              <a:rPr lang="de-DE" dirty="0" smtClean="0"/>
-              <a:t> in a </a:t>
-            </a:r>
-            <a:r>
-              <a:rPr lang="de-DE" dirty="0" err="1" smtClean="0"/>
-              <a:t>document</a:t>
-            </a:r>
-            <a:r>
-              <a:rPr lang="de-DE" dirty="0" smtClean="0"/>
-              <a:t> d </a:t>
-            </a:r>
-            <a:r>
-              <a:rPr lang="de-DE" dirty="0" err="1" smtClean="0"/>
-              <a:t>is</a:t>
-            </a:r>
-            <a:r>
-              <a:rPr lang="de-DE" dirty="0" smtClean="0"/>
-              <a:t> </a:t>
-            </a:r>
-            <a:r>
-              <a:rPr lang="de-DE" dirty="0" err="1" smtClean="0"/>
-              <a:t>ignored</a:t>
-            </a:r>
-            <a:endParaRPr lang="de-DE" dirty="0" smtClean="0"/>
-          </a:p>
-          <a:p>
-            <a:r>
-              <a:rPr lang="de-DE" dirty="0" err="1" smtClean="0"/>
-              <a:t>Similar</a:t>
-            </a:r>
-            <a:r>
-              <a:rPr lang="de-DE" dirty="0" smtClean="0"/>
-              <a:t> </a:t>
-            </a:r>
-            <a:r>
-              <a:rPr lang="de-DE" dirty="0" err="1" smtClean="0"/>
-              <a:t>to</a:t>
-            </a:r>
-            <a:r>
-              <a:rPr lang="de-DE" dirty="0" smtClean="0"/>
-              <a:t> </a:t>
-            </a:r>
-            <a:r>
-              <a:rPr lang="de-DE" dirty="0" err="1" smtClean="0"/>
-              <a:t>document</a:t>
-            </a:r>
-            <a:r>
-              <a:rPr lang="de-DE" dirty="0" smtClean="0"/>
-              <a:t> </a:t>
-            </a:r>
-            <a:r>
-              <a:rPr lang="de-DE" dirty="0" err="1" smtClean="0"/>
-              <a:t>clustering</a:t>
-            </a:r>
-            <a:r>
-              <a:rPr lang="de-DE" dirty="0" smtClean="0"/>
-              <a:t> (DC)</a:t>
-            </a:r>
-          </a:p>
-          <a:p>
-            <a:pPr lvl="1"/>
-            <a:r>
-              <a:rPr lang="de-DE" dirty="0" smtClean="0"/>
-              <a:t>DC: Group </a:t>
-            </a:r>
-            <a:r>
-              <a:rPr lang="de-DE" dirty="0" err="1" smtClean="0"/>
-              <a:t>documents</a:t>
-            </a:r>
-            <a:r>
-              <a:rPr lang="de-DE" dirty="0" smtClean="0"/>
-              <a:t> </a:t>
-            </a:r>
-            <a:r>
-              <a:rPr lang="de-DE" dirty="0" err="1" smtClean="0"/>
-              <a:t>according</a:t>
-            </a:r>
-            <a:r>
-              <a:rPr lang="de-DE" dirty="0" smtClean="0"/>
-              <a:t> </a:t>
-            </a:r>
-            <a:r>
-              <a:rPr lang="de-DE" dirty="0" err="1" smtClean="0"/>
-              <a:t>to</a:t>
-            </a:r>
-            <a:r>
-              <a:rPr lang="de-DE" dirty="0" smtClean="0"/>
-              <a:t> a </a:t>
-            </a:r>
-            <a:r>
-              <a:rPr lang="de-DE" dirty="0" err="1" smtClean="0"/>
-              <a:t>distance</a:t>
-            </a:r>
-            <a:r>
-              <a:rPr lang="de-DE" dirty="0" smtClean="0"/>
-              <a:t> </a:t>
-            </a:r>
-            <a:r>
-              <a:rPr lang="de-DE" dirty="0" err="1" smtClean="0"/>
-              <a:t>measure</a:t>
-            </a:r>
-            <a:r>
-              <a:rPr lang="de-DE" dirty="0" smtClean="0"/>
-              <a:t> – e.g. </a:t>
-            </a:r>
-            <a:r>
-              <a:rPr lang="de-DE" dirty="0" err="1" smtClean="0"/>
-              <a:t>Salton</a:t>
-            </a:r>
-            <a:r>
-              <a:rPr lang="de-DE" dirty="0" smtClean="0"/>
-              <a:t> 1975 / </a:t>
-            </a:r>
-            <a:r>
-              <a:rPr lang="de-DE" dirty="0" err="1" smtClean="0"/>
-              <a:t>Vector</a:t>
-            </a:r>
-            <a:r>
-              <a:rPr lang="de-DE" dirty="0" smtClean="0"/>
-              <a:t> Space Model</a:t>
-            </a:r>
-          </a:p>
-          <a:p>
-            <a:r>
-              <a:rPr lang="de-DE" dirty="0" err="1" smtClean="0"/>
-              <a:t>However</a:t>
-            </a:r>
-            <a:r>
-              <a:rPr lang="de-DE" dirty="0"/>
-              <a:t> </a:t>
-            </a:r>
-            <a:r>
-              <a:rPr lang="de-DE" dirty="0" err="1" smtClean="0"/>
-              <a:t>for</a:t>
-            </a:r>
-            <a:r>
-              <a:rPr lang="de-DE" dirty="0" smtClean="0"/>
-              <a:t> Topic Modeling:</a:t>
-            </a:r>
-          </a:p>
-          <a:p>
-            <a:pPr lvl="1"/>
-            <a:r>
-              <a:rPr lang="de-DE" b="1" dirty="0"/>
-              <a:t>F</a:t>
-            </a:r>
-            <a:r>
-              <a:rPr lang="de-DE" b="1" dirty="0" smtClean="0"/>
-              <a:t>ind latent </a:t>
-            </a:r>
-            <a:r>
-              <a:rPr lang="de-DE" b="1" dirty="0" err="1" smtClean="0"/>
-              <a:t>topics</a:t>
-            </a:r>
-            <a:r>
-              <a:rPr lang="de-DE" b="1" dirty="0" smtClean="0"/>
-              <a:t> </a:t>
-            </a:r>
-            <a:r>
-              <a:rPr lang="de-DE" dirty="0" smtClean="0"/>
-              <a:t>in D.</a:t>
-            </a:r>
-          </a:p>
-          <a:p>
-            <a:pPr lvl="1"/>
-            <a:r>
-              <a:rPr lang="de-DE" dirty="0" smtClean="0"/>
-              <a:t>A </a:t>
-            </a:r>
-            <a:r>
-              <a:rPr lang="de-DE" dirty="0" err="1" smtClean="0"/>
-              <a:t>document</a:t>
-            </a:r>
-            <a:r>
-              <a:rPr lang="de-DE" dirty="0" smtClean="0"/>
-              <a:t> d </a:t>
-            </a:r>
-            <a:r>
-              <a:rPr lang="de-DE" dirty="0" err="1" smtClean="0"/>
-              <a:t>may</a:t>
-            </a:r>
-            <a:r>
-              <a:rPr lang="de-DE" dirty="0" smtClean="0"/>
-              <a:t> </a:t>
-            </a:r>
-            <a:r>
-              <a:rPr lang="de-DE" dirty="0" err="1" smtClean="0"/>
-              <a:t>belong</a:t>
-            </a:r>
-            <a:r>
-              <a:rPr lang="de-DE" dirty="0" smtClean="0"/>
-              <a:t> </a:t>
-            </a:r>
-            <a:r>
-              <a:rPr lang="de-DE" dirty="0" err="1" smtClean="0"/>
-              <a:t>to</a:t>
-            </a:r>
-            <a:r>
-              <a:rPr lang="de-DE" dirty="0" smtClean="0"/>
-              <a:t> </a:t>
-            </a:r>
-            <a:r>
-              <a:rPr lang="de-DE" dirty="0" err="1" smtClean="0"/>
-              <a:t>more</a:t>
-            </a:r>
-            <a:r>
-              <a:rPr lang="de-DE" dirty="0" smtClean="0"/>
-              <a:t> </a:t>
-            </a:r>
-            <a:r>
-              <a:rPr lang="de-DE" dirty="0" err="1" smtClean="0"/>
-              <a:t>than</a:t>
-            </a:r>
-            <a:r>
-              <a:rPr lang="de-DE" dirty="0" smtClean="0"/>
-              <a:t> </a:t>
-            </a:r>
-            <a:r>
-              <a:rPr lang="de-DE" dirty="0" err="1" smtClean="0"/>
-              <a:t>one</a:t>
-            </a:r>
-            <a:r>
-              <a:rPr lang="de-DE" dirty="0" smtClean="0"/>
-              <a:t> </a:t>
-            </a:r>
-            <a:r>
-              <a:rPr lang="de-DE" dirty="0" err="1" smtClean="0"/>
-              <a:t>topic</a:t>
-            </a:r>
-            <a:r>
-              <a:rPr lang="de-DE" dirty="0" smtClean="0"/>
-              <a:t> t.</a:t>
-            </a:r>
-          </a:p>
-          <a:p>
-            <a:pPr lvl="1"/>
-            <a:r>
-              <a:rPr lang="de-DE" dirty="0" smtClean="0"/>
-              <a:t>Topics </a:t>
-            </a:r>
-            <a:r>
-              <a:rPr lang="de-DE" dirty="0" err="1" smtClean="0"/>
-              <a:t>are</a:t>
-            </a:r>
-            <a:r>
-              <a:rPr lang="de-DE" dirty="0" smtClean="0"/>
-              <a:t> </a:t>
-            </a:r>
-            <a:r>
-              <a:rPr lang="de-DE" dirty="0" err="1" smtClean="0"/>
-              <a:t>described</a:t>
-            </a:r>
-            <a:r>
-              <a:rPr lang="de-DE" dirty="0" smtClean="0"/>
-              <a:t> via </a:t>
-            </a:r>
-            <a:r>
-              <a:rPr lang="de-DE" dirty="0" err="1" smtClean="0"/>
-              <a:t>words</a:t>
-            </a:r>
-            <a:r>
-              <a:rPr lang="de-DE" dirty="0" smtClean="0"/>
-              <a:t> </a:t>
-            </a:r>
-            <a:r>
-              <a:rPr lang="de-DE" dirty="0" err="1" smtClean="0"/>
-              <a:t>from</a:t>
-            </a:r>
-            <a:r>
-              <a:rPr lang="de-DE" dirty="0" smtClean="0"/>
-              <a:t> D.</a:t>
-            </a:r>
-            <a:endParaRPr lang="de-DE" dirty="0"/>
-          </a:p>
-        </p:txBody>
-      </p:sp>
-    </p:spTree>
-    <p:extLst>
-      <p:ext uri="{BB962C8B-B14F-4D97-AF65-F5344CB8AC3E}">
-        <p14:creationId xmlns:p14="http://schemas.microsoft.com/office/powerpoint/2010/main" val="3065378415"/>
-      </p:ext>
-    </p:extLst>
-  </p:cSld>
-  <p:clrMapOvr>
-    <a:masterClrMapping/>
-  </p:clrMapOvr>
-  <p:timing>
-    <p:tnLst>
-      <p:par>
-        <p:cTn id="1" dur="indefinite" restart="never" nodeType="tmRoot"/>
-      </p:par>
-    </p:tnLst>
-  </p:timing>
-</p:sld>
-</file>
-
-<file path=ppt/slides/slide20.xml><?xml version="1.0" encoding="utf-8"?>
-<p:sld xmlns:a="http://schemas.openxmlformats.org/drawingml/2006/main" xmlns:r="http://schemas.openxmlformats.org/officeDocument/2006/relationships" xmlns:p="http://schemas.openxmlformats.org/presentationml/2006/main">
-  <p:cSld>
-    <p:spTree>
-      <p:nvGrpSpPr>
-        <p:cNvPr id="1" name=""/>
-        <p:cNvGrpSpPr/>
-        <p:nvPr/>
-      </p:nvGrpSpPr>
-      <p:grpSpPr>
-        <a:xfrm>
-          <a:off x="0" y="0"/>
-          <a:ext cx="0" cy="0"/>
-          <a:chOff x="0" y="0"/>
-          <a:chExt cx="0" cy="0"/>
-        </a:xfrm>
-      </p:grpSpPr>
-      <p:sp>
-        <p:nvSpPr>
-          <p:cNvPr id="2" name="Titel 1"/>
-          <p:cNvSpPr>
-            <a:spLocks noGrp="1"/>
-          </p:cNvSpPr>
-          <p:nvPr>
-            <p:ph type="title"/>
-          </p:nvPr>
-        </p:nvSpPr>
-        <p:spPr/>
-        <p:txBody>
-          <a:bodyPr/>
-          <a:lstStyle/>
-          <a:p>
-            <a:r>
               <a:rPr lang="de-DE" dirty="0" smtClean="0"/>
               <a:t>The „</a:t>
             </a:r>
@@ -16717,12 +17216,36 @@
               <a:t> </a:t>
             </a:r>
             <a:r>
+              <a:rPr lang="de-DE" sz="2400" dirty="0" smtClean="0"/>
+              <a:t>via </a:t>
+            </a:r>
+            <a:r>
+              <a:rPr lang="de-DE" sz="2400" dirty="0" err="1" smtClean="0"/>
+              <a:t>maximum</a:t>
+            </a:r>
+            <a:r>
+              <a:rPr lang="de-DE" sz="2400" dirty="0" smtClean="0"/>
+              <a:t> </a:t>
+            </a:r>
+            <a:r>
+              <a:rPr lang="de-DE" sz="2400" dirty="0" err="1" smtClean="0"/>
+              <a:t>likelihood</a:t>
+            </a:r>
+            <a:r>
+              <a:rPr lang="de-DE" sz="2400" dirty="0" smtClean="0"/>
+              <a:t> </a:t>
+            </a:r>
+            <a:r>
               <a:rPr lang="de-DE" sz="2400" dirty="0" err="1" smtClean="0"/>
               <a:t>using</a:t>
             </a:r>
             <a:r>
               <a:rPr lang="de-DE" sz="2400" dirty="0" smtClean="0"/>
-              <a:t> D:</a:t>
+              <a:t> </a:t>
+            </a:r>
+            <a:r>
+              <a:rPr lang="de-DE" sz="2400" dirty="0" smtClean="0"/>
+              <a:t>D:</a:t>
             </a:r>
           </a:p>
           <a:p>
@@ -16802,11 +17325,7 @@
             </a:r>
             <a:r>
               <a:rPr lang="de-DE" sz="2400" dirty="0" smtClean="0"/>
-              <a:t> </a:t>
-            </a:r>
-            <a:r>
-              <a:rPr lang="de-DE" sz="2400" dirty="0" smtClean="0"/>
-              <a:t>2 </a:t>
+              <a:t> 2 </a:t>
             </a:r>
             <a:r>
               <a:rPr lang="de-DE" sz="2400" dirty="0" err="1" smtClean="0"/>
@@ -16822,11 +17341,7 @@
             </a:r>
             <a:r>
               <a:rPr lang="de-DE" sz="2400" dirty="0" smtClean="0"/>
-              <a:t> </a:t>
-            </a:r>
-            <a:r>
-              <a:rPr lang="de-DE" sz="2400" dirty="0" smtClean="0"/>
-              <a:t>t at </a:t>
+              <a:t> t at </a:t>
             </a:r>
             <a:r>
               <a:rPr lang="de-DE" sz="2400" dirty="0" err="1" smtClean="0"/>
@@ -16844,7 +17359,6 @@
               <a:rPr lang="de-DE" sz="2400" dirty="0" smtClean="0"/>
               <a:t>:</a:t>
             </a:r>
-            <a:endParaRPr lang="de-DE" sz="2400" dirty="0" smtClean="0"/>
           </a:p>
           <a:p>
             <a:pPr marL="514350" indent="-514350">
@@ -16964,7 +17478,7 @@
 </p:sld>
 </file>
 
-<file path=ppt/slides/slide21.xml><?xml version="1.0" encoding="utf-8"?>
+<file path=ppt/slides/slide22.xml><?xml version="1.0" encoding="utf-8"?>
 <p:sld xmlns:a="http://schemas.openxmlformats.org/drawingml/2006/main" xmlns:r="http://schemas.openxmlformats.org/officeDocument/2006/relationships" xmlns:p="http://schemas.openxmlformats.org/presentationml/2006/main">
   <p:cSld>
     <p:spTree>
@@ -17400,7 +17914,7 @@
 </p:sld>
 </file>
 
-<file path=ppt/slides/slide22.xml><?xml version="1.0" encoding="utf-8"?>
+<file path=ppt/slides/slide23.xml><?xml version="1.0" encoding="utf-8"?>
 <p:sld xmlns:a="http://schemas.openxmlformats.org/drawingml/2006/main" xmlns:r="http://schemas.openxmlformats.org/officeDocument/2006/relationships" xmlns:p="http://schemas.openxmlformats.org/presentationml/2006/main">
   <p:cSld>
     <p:spTree>
@@ -17466,9 +17980,16 @@
             <p:ph idx="1"/>
           </p:nvPr>
         </p:nvSpPr>
-        <p:spPr/>
+        <p:spPr>
+          <a:xfrm>
+            <a:off x="838199" y="1825625"/>
+            <a:ext cx="10612821" cy="4351338"/>
+          </a:xfrm>
+        </p:spPr>
         <p:txBody>
-          <a:bodyPr/>
+          <a:bodyPr>
+            <a:normAutofit/>
+          </a:bodyPr>
           <a:lstStyle/>
           <a:p>
             <a:r>
@@ -17589,8 +18110,13 @@
             </a:r>
             <a:r>
               <a:rPr lang="de-DE" dirty="0" smtClean="0"/>
-              <a:t> in V</a:t>
-            </a:r>
+              <a:t> in </a:t>
+            </a:r>
+            <a:r>
+              <a:rPr lang="de-DE" dirty="0" smtClean="0"/>
+              <a:t>V,</a:t>
+            </a:r>
+            <a:endParaRPr lang="de-DE" dirty="0" smtClean="0"/>
           </a:p>
           <a:p>
             <a:pPr lvl="1"/>
@@ -17670,6 +18196,10 @@
               <a:rPr lang="de-DE" dirty="0" err="1" smtClean="0"/>
               <a:t>to</a:t>
             </a:r>
+            <a:r>
+              <a:rPr lang="de-DE" dirty="0" smtClean="0"/>
+              <a:t>                      ,</a:t>
+            </a:r>
             <a:endParaRPr lang="de-DE" dirty="0" smtClean="0"/>
           </a:p>
           <a:p>
@@ -17708,8 +18238,9 @@
             </a:r>
             <a:r>
               <a:rPr lang="de-DE" dirty="0" smtClean="0"/>
-              <a:t>)</a:t>
-            </a:r>
+              <a:t>).</a:t>
+            </a:r>
+            <a:endParaRPr lang="de-DE" dirty="0" smtClean="0"/>
           </a:p>
           <a:p>
             <a:r>
@@ -17766,8 +18297,13 @@
             </a:r>
             <a:r>
               <a:rPr lang="de-DE" dirty="0" smtClean="0"/>
-              <a:t>∙ |D|)</a:t>
-            </a:r>
+              <a:t>∙ |D</a:t>
+            </a:r>
+            <a:r>
+              <a:rPr lang="de-DE" dirty="0" smtClean="0"/>
+              <a:t>|).</a:t>
+            </a:r>
+            <a:endParaRPr lang="de-DE" dirty="0" smtClean="0"/>
           </a:p>
           <a:p>
             <a:r>
@@ -17890,7 +18426,11 @@
             </a:r>
             <a:r>
               <a:rPr lang="de-DE" dirty="0" smtClean="0"/>
-              <a:t> (</a:t>
+              <a:t> </a:t>
+            </a:r>
+            <a:r>
+              <a:rPr lang="de-DE" dirty="0" smtClean="0"/>
+              <a:t>(Java / </a:t>
             </a:r>
             <a:r>
               <a:rPr lang="de-DE" dirty="0" err="1" smtClean="0"/>
@@ -17898,7 +18438,11 @@
             </a:r>
             <a:r>
               <a:rPr lang="de-DE" dirty="0" smtClean="0"/>
-              <a:t> high </a:t>
+              <a:t> </a:t>
+            </a:r>
+            <a:r>
+              <a:rPr lang="de-DE" dirty="0" smtClean="0"/>
+              <a:t>high </a:t>
             </a:r>
             <a:r>
               <a:rPr lang="de-DE" dirty="0" err="1" smtClean="0"/>
@@ -17914,14 +18458,39 @@
             </a:r>
             <a:r>
               <a:rPr lang="de-DE" dirty="0" smtClean="0"/>
-              <a:t>)</a:t>
-            </a:r>
+              <a:t>),</a:t>
+            </a:r>
+            <a:endParaRPr lang="de-DE" dirty="0" smtClean="0"/>
           </a:p>
           <a:p>
             <a:pPr lvl="2"/>
             <a:r>
-              <a:rPr lang="de-DE" dirty="0" smtClean="0"/>
-              <a:t>850 GB </a:t>
+              <a:rPr lang="de-DE" dirty="0" err="1"/>
+              <a:t>p</a:t>
+            </a:r>
+            <a:r>
+              <a:rPr lang="de-DE" dirty="0" err="1" smtClean="0"/>
+              <a:t>rocess</a:t>
+            </a:r>
+            <a:r>
+              <a:rPr lang="de-DE" dirty="0" smtClean="0"/>
+              <a:t> </a:t>
+            </a:r>
+            <a:r>
+              <a:rPr lang="de-DE" dirty="0" err="1" smtClean="0"/>
+              <a:t>required</a:t>
+            </a:r>
+            <a:r>
+              <a:rPr lang="de-DE" dirty="0" smtClean="0"/>
+              <a:t> </a:t>
+            </a:r>
+            <a:r>
+              <a:rPr lang="de-DE" dirty="0" smtClean="0"/>
+              <a:t>850 </a:t>
+            </a:r>
+            <a:r>
+              <a:rPr lang="de-DE" dirty="0" smtClean="0"/>
+              <a:t>GB </a:t>
             </a:r>
             <a:r>
               <a:rPr lang="de-DE" dirty="0" err="1" smtClean="0"/>
@@ -17929,8 +18498,13 @@
             </a:r>
             <a:r>
               <a:rPr lang="de-DE" dirty="0" smtClean="0"/>
-              <a:t> RAM</a:t>
-            </a:r>
+              <a:t> </a:t>
+            </a:r>
+            <a:r>
+              <a:rPr lang="de-DE" dirty="0" smtClean="0"/>
+              <a:t>RAM.</a:t>
+            </a:r>
+            <a:endParaRPr lang="de-DE" dirty="0" smtClean="0"/>
           </a:p>
           <a:p>
             <a:pPr lvl="1"/>
@@ -17975,7 +18549,7 @@
 </p:sld>
 </file>
 
-<file path=ppt/slides/slide23.xml><?xml version="1.0" encoding="utf-8"?>
+<file path=ppt/slides/slide24.xml><?xml version="1.0" encoding="utf-8"?>
 <p:sld xmlns:a="http://schemas.openxmlformats.org/drawingml/2006/main" xmlns:r="http://schemas.openxmlformats.org/officeDocument/2006/relationships" xmlns:p="http://schemas.openxmlformats.org/presentationml/2006/main">
   <p:cSld>
     <p:spTree>
@@ -18057,7 +18631,12 @@
             <p:ph idx="1"/>
           </p:nvPr>
         </p:nvSpPr>
-        <p:spPr/>
+        <p:spPr>
+          <a:xfrm>
+            <a:off x="838200" y="1825625"/>
+            <a:ext cx="10912366" cy="4351338"/>
+          </a:xfrm>
+        </p:spPr>
         <p:txBody>
           <a:bodyPr/>
           <a:lstStyle/>
@@ -18073,6 +18652,10 @@
               <a:rPr lang="de-DE" dirty="0" err="1" smtClean="0"/>
               <a:t>Extract</a:t>
             </a:r>
+            <a:r>
+              <a:rPr lang="de-DE" dirty="0"/>
+              <a:t>:</a:t>
+            </a:r>
             <a:endParaRPr lang="de-DE" dirty="0" smtClean="0"/>
           </a:p>
           <a:p>
@@ -18082,12 +18665,16 @@
               <a:t>2946 </a:t>
             </a:r>
             <a:r>
-              <a:rPr lang="de-DE" dirty="0" err="1"/>
+              <a:rPr lang="de-DE" dirty="0" smtClean="0"/>
+              <a:t>„</a:t>
+            </a:r>
+            <a:r>
+              <a:rPr lang="de-DE" dirty="0" err="1" smtClean="0"/>
               <a:t>dated</a:t>
             </a:r>
             <a:r>
-              <a:rPr lang="de-DE" dirty="0"/>
-              <a:t> </a:t>
+              <a:rPr lang="de-DE" dirty="0" smtClean="0"/>
+              <a:t>“ </a:t>
             </a:r>
             <a:r>
               <a:rPr lang="de-DE" dirty="0" err="1"/>
@@ -18098,238 +18685,234 @@
               <a:t> </a:t>
             </a:r>
             <a:r>
-              <a:rPr lang="de-DE" dirty="0" err="1"/>
-              <a:t>wire</a:t>
+              <a:rPr lang="de-DE" dirty="0" err="1" smtClean="0"/>
+              <a:t>reports</a:t>
+            </a:r>
+            <a:r>
+              <a:rPr lang="de-DE" dirty="0" smtClean="0"/>
+              <a:t>,</a:t>
+            </a:r>
+            <a:endParaRPr lang="de-DE" dirty="0" smtClean="0"/>
+          </a:p>
+          <a:p>
+            <a:pPr lvl="1"/>
+            <a:r>
+              <a:rPr lang="de-DE" dirty="0" smtClean="0"/>
+              <a:t>5575 </a:t>
+            </a:r>
+            <a:r>
+              <a:rPr lang="de-DE" dirty="0" err="1" smtClean="0"/>
+              <a:t>words</a:t>
+            </a:r>
+            <a:r>
+              <a:rPr lang="de-DE" dirty="0" smtClean="0"/>
+              <a:t> after </a:t>
+            </a:r>
+            <a:r>
+              <a:rPr lang="de-DE" dirty="0" err="1" smtClean="0"/>
+              <a:t>stop</a:t>
+            </a:r>
+            <a:r>
+              <a:rPr lang="de-DE" dirty="0" smtClean="0"/>
+              <a:t> </a:t>
+            </a:r>
+            <a:r>
+              <a:rPr lang="de-DE" dirty="0" err="1" smtClean="0"/>
+              <a:t>word</a:t>
+            </a:r>
+            <a:r>
+              <a:rPr lang="de-DE" dirty="0" smtClean="0"/>
+              <a:t> </a:t>
+            </a:r>
+            <a:r>
+              <a:rPr lang="de-DE" dirty="0" err="1" smtClean="0"/>
+              <a:t>removal</a:t>
+            </a:r>
+            <a:r>
+              <a:rPr lang="de-DE" dirty="0" smtClean="0"/>
+              <a:t>, </a:t>
+            </a:r>
+            <a:r>
+              <a:rPr lang="de-DE" dirty="0" err="1" smtClean="0"/>
+              <a:t>stemming</a:t>
+            </a:r>
+            <a:r>
+              <a:rPr lang="de-DE" dirty="0" smtClean="0"/>
+              <a:t>, </a:t>
+            </a:r>
+            <a:r>
+              <a:rPr lang="de-DE" dirty="0" err="1" smtClean="0"/>
+              <a:t>filtering</a:t>
+            </a:r>
+            <a:r>
+              <a:rPr lang="de-DE" dirty="0" smtClean="0"/>
+              <a:t> </a:t>
+            </a:r>
+            <a:r>
+              <a:rPr lang="de-DE" dirty="0" err="1" smtClean="0"/>
+              <a:t>by</a:t>
+            </a:r>
+            <a:r>
+              <a:rPr lang="de-DE" dirty="0" smtClean="0"/>
+              <a:t> </a:t>
+            </a:r>
+            <a:r>
+              <a:rPr lang="de-DE" dirty="0" err="1" smtClean="0"/>
+              <a:t>word</a:t>
+            </a:r>
+            <a:r>
+              <a:rPr lang="de-DE" dirty="0" smtClean="0"/>
+              <a:t> </a:t>
+            </a:r>
+            <a:r>
+              <a:rPr lang="de-DE" dirty="0" err="1" smtClean="0"/>
+              <a:t>frequency</a:t>
+            </a:r>
+            <a:r>
+              <a:rPr lang="de-DE" dirty="0" smtClean="0"/>
+              <a:t> ≥ </a:t>
+            </a:r>
+            <a:r>
+              <a:rPr lang="de-DE" dirty="0" smtClean="0"/>
+              <a:t>10.</a:t>
+            </a:r>
+            <a:endParaRPr lang="de-DE" dirty="0" smtClean="0"/>
+          </a:p>
+          <a:p>
+            <a:r>
+              <a:rPr lang="de-DE" dirty="0" smtClean="0"/>
+              <a:t>Flat View (just like </a:t>
+            </a:r>
+            <a:r>
+              <a:rPr lang="de-DE" dirty="0" err="1" smtClean="0"/>
+              <a:t>for</a:t>
+            </a:r>
+            <a:r>
+              <a:rPr lang="de-DE" dirty="0" smtClean="0"/>
+              <a:t> LDA)</a:t>
+            </a:r>
+          </a:p>
+          <a:p>
+            <a:pPr lvl="1"/>
+            <a:r>
+              <a:rPr lang="de-DE" dirty="0" smtClean="0"/>
+              <a:t>100 </a:t>
+            </a:r>
+            <a:r>
+              <a:rPr lang="de-DE" dirty="0" err="1" smtClean="0"/>
+              <a:t>topics</a:t>
             </a:r>
             <a:r>
               <a:rPr lang="de-DE" dirty="0"/>
               <a:t> </a:t>
             </a:r>
             <a:r>
-              <a:rPr lang="de-DE" dirty="0" err="1" smtClean="0"/>
-              <a:t>reports</a:t>
+              <a:rPr lang="de-DE" dirty="0" smtClean="0"/>
+              <a:t>– </a:t>
+            </a:r>
+            <a:r>
+              <a:rPr lang="de-DE" dirty="0" err="1" smtClean="0"/>
+              <a:t>snapshot</a:t>
+            </a:r>
+            <a:r>
+              <a:rPr lang="de-DE" dirty="0" smtClean="0"/>
+              <a:t> </a:t>
+            </a:r>
+            <a:r>
+              <a:rPr lang="de-DE" dirty="0" err="1" smtClean="0"/>
+              <a:t>of</a:t>
+            </a:r>
+            <a:r>
+              <a:rPr lang="de-DE" dirty="0" smtClean="0"/>
+              <a:t> </a:t>
+            </a:r>
+            <a:r>
+              <a:rPr lang="de-DE" dirty="0" err="1" smtClean="0"/>
+              <a:t>the</a:t>
+            </a:r>
+            <a:r>
+              <a:rPr lang="de-DE" dirty="0" smtClean="0"/>
+              <a:t> „last 100 </a:t>
+            </a:r>
+            <a:r>
+              <a:rPr lang="de-DE" dirty="0" err="1" smtClean="0"/>
+              <a:t>clusters</a:t>
+            </a:r>
+            <a:r>
+              <a:rPr lang="de-DE" dirty="0" smtClean="0"/>
+              <a:t>“ on </a:t>
+            </a:r>
+            <a:r>
+              <a:rPr lang="de-DE" dirty="0" err="1" smtClean="0"/>
+              <a:t>the</a:t>
+            </a:r>
+            <a:r>
+              <a:rPr lang="de-DE" dirty="0" smtClean="0"/>
+              <a:t> </a:t>
+            </a:r>
+            <a:r>
+              <a:rPr lang="de-DE" dirty="0" err="1" smtClean="0"/>
+              <a:t>way</a:t>
+            </a:r>
+            <a:r>
+              <a:rPr lang="de-DE" dirty="0" smtClean="0"/>
+              <a:t> </a:t>
+            </a:r>
+            <a:r>
+              <a:rPr lang="de-DE" dirty="0" err="1" smtClean="0"/>
+              <a:t>to</a:t>
+            </a:r>
+            <a:r>
+              <a:rPr lang="de-DE" dirty="0" smtClean="0"/>
+              <a:t> 1</a:t>
+            </a:r>
+          </a:p>
+          <a:p>
+            <a:r>
+              <a:rPr lang="de-DE" dirty="0" smtClean="0"/>
+              <a:t>Exploration </a:t>
+            </a:r>
+            <a:r>
+              <a:rPr lang="de-DE" dirty="0" err="1" smtClean="0"/>
+              <a:t>of</a:t>
+            </a:r>
+            <a:r>
+              <a:rPr lang="de-DE" dirty="0" smtClean="0"/>
+              <a:t> </a:t>
+            </a:r>
+            <a:r>
+              <a:rPr lang="de-DE" dirty="0" err="1" smtClean="0"/>
+              <a:t>the</a:t>
+            </a:r>
+            <a:r>
+              <a:rPr lang="de-DE" dirty="0" smtClean="0"/>
+              <a:t> </a:t>
+            </a:r>
+            <a:r>
+              <a:rPr lang="de-DE" dirty="0" err="1" smtClean="0"/>
+              <a:t>hierarchy</a:t>
+            </a:r>
+            <a:r>
+              <a:rPr lang="de-DE" dirty="0" smtClean="0"/>
+              <a:t> (</a:t>
+            </a:r>
+            <a:r>
+              <a:rPr lang="de-DE" dirty="0" err="1" smtClean="0"/>
+              <a:t>more</a:t>
+            </a:r>
+            <a:r>
+              <a:rPr lang="de-DE" dirty="0" smtClean="0"/>
+              <a:t> </a:t>
+            </a:r>
+            <a:r>
+              <a:rPr lang="de-DE" dirty="0" err="1" smtClean="0"/>
+              <a:t>useful</a:t>
+            </a:r>
+            <a:r>
+              <a:rPr lang="de-DE" dirty="0" smtClean="0"/>
+              <a:t>):</a:t>
             </a:r>
             <a:endParaRPr lang="de-DE" dirty="0" smtClean="0"/>
-          </a:p>
-          <a:p>
-            <a:pPr lvl="1"/>
-            <a:r>
-              <a:rPr lang="de-DE" dirty="0" smtClean="0"/>
-              <a:t>5575 after </a:t>
-            </a:r>
-            <a:r>
-              <a:rPr lang="de-DE" dirty="0" err="1" smtClean="0"/>
-              <a:t>stop</a:t>
-            </a:r>
-            <a:r>
-              <a:rPr lang="de-DE" dirty="0" smtClean="0"/>
-              <a:t> </a:t>
-            </a:r>
-            <a:r>
-              <a:rPr lang="de-DE" dirty="0" err="1" smtClean="0"/>
-              <a:t>word</a:t>
-            </a:r>
-            <a:r>
-              <a:rPr lang="de-DE" dirty="0" smtClean="0"/>
-              <a:t> </a:t>
-            </a:r>
-            <a:r>
-              <a:rPr lang="de-DE" dirty="0" err="1" smtClean="0"/>
-              <a:t>removal</a:t>
-            </a:r>
-            <a:r>
-              <a:rPr lang="de-DE" dirty="0" smtClean="0"/>
-              <a:t>, </a:t>
-            </a:r>
-            <a:r>
-              <a:rPr lang="de-DE" dirty="0" err="1" smtClean="0"/>
-              <a:t>stemming</a:t>
-            </a:r>
-            <a:r>
-              <a:rPr lang="de-DE" dirty="0" smtClean="0"/>
-              <a:t>, </a:t>
-            </a:r>
-            <a:r>
-              <a:rPr lang="de-DE" dirty="0" err="1" smtClean="0"/>
-              <a:t>filtering</a:t>
-            </a:r>
-            <a:r>
-              <a:rPr lang="de-DE" dirty="0" smtClean="0"/>
-              <a:t> </a:t>
-            </a:r>
-            <a:r>
-              <a:rPr lang="de-DE" dirty="0" err="1" smtClean="0"/>
-              <a:t>by</a:t>
-            </a:r>
-            <a:r>
-              <a:rPr lang="de-DE" dirty="0" smtClean="0"/>
-              <a:t> </a:t>
-            </a:r>
-            <a:r>
-              <a:rPr lang="de-DE" dirty="0" err="1" smtClean="0"/>
-              <a:t>word</a:t>
-            </a:r>
-            <a:r>
-              <a:rPr lang="de-DE" dirty="0" smtClean="0"/>
-              <a:t> </a:t>
-            </a:r>
-            <a:r>
-              <a:rPr lang="de-DE" dirty="0" err="1" smtClean="0"/>
-              <a:t>frequency</a:t>
-            </a:r>
-            <a:r>
-              <a:rPr lang="de-DE" dirty="0" smtClean="0"/>
-              <a:t> ≥ 10</a:t>
-            </a:r>
-            <a:endParaRPr lang="de-DE" dirty="0" smtClean="0"/>
-          </a:p>
-          <a:p>
-            <a:r>
-              <a:rPr lang="de-DE" dirty="0" smtClean="0"/>
-              <a:t>Flat </a:t>
-            </a:r>
-            <a:r>
-              <a:rPr lang="de-DE" dirty="0" smtClean="0"/>
-              <a:t>View (just like </a:t>
-            </a:r>
-            <a:r>
-              <a:rPr lang="de-DE" dirty="0" err="1" smtClean="0"/>
-              <a:t>for</a:t>
-            </a:r>
-            <a:r>
-              <a:rPr lang="de-DE" dirty="0" smtClean="0"/>
-              <a:t> LDA</a:t>
-            </a:r>
-            <a:r>
-              <a:rPr lang="de-DE" dirty="0" smtClean="0"/>
-              <a:t>)</a:t>
-            </a:r>
-          </a:p>
-          <a:p>
-            <a:pPr lvl="1"/>
-            <a:r>
-              <a:rPr lang="de-DE" dirty="0" smtClean="0"/>
-              <a:t>100 </a:t>
-            </a:r>
-            <a:r>
-              <a:rPr lang="de-DE" dirty="0" err="1" smtClean="0"/>
-              <a:t>topics</a:t>
-            </a:r>
-            <a:r>
-              <a:rPr lang="de-DE" dirty="0"/>
-              <a:t> </a:t>
-            </a:r>
-            <a:r>
-              <a:rPr lang="de-DE" dirty="0" smtClean="0"/>
-              <a:t>– </a:t>
-            </a:r>
-            <a:r>
-              <a:rPr lang="de-DE" dirty="0" err="1" smtClean="0"/>
-              <a:t>snapshot</a:t>
-            </a:r>
-            <a:r>
-              <a:rPr lang="de-DE" dirty="0" smtClean="0"/>
-              <a:t> </a:t>
-            </a:r>
-            <a:r>
-              <a:rPr lang="de-DE" dirty="0" err="1" smtClean="0"/>
-              <a:t>of</a:t>
-            </a:r>
-            <a:r>
-              <a:rPr lang="de-DE" dirty="0" smtClean="0"/>
-              <a:t> </a:t>
-            </a:r>
-            <a:r>
-              <a:rPr lang="de-DE" dirty="0" err="1" smtClean="0"/>
-              <a:t>the</a:t>
-            </a:r>
-            <a:r>
-              <a:rPr lang="de-DE" dirty="0" smtClean="0"/>
-              <a:t> „last 100 </a:t>
-            </a:r>
-            <a:r>
-              <a:rPr lang="de-DE" dirty="0" err="1" smtClean="0"/>
-              <a:t>clusters</a:t>
-            </a:r>
-            <a:r>
-              <a:rPr lang="de-DE" dirty="0" smtClean="0"/>
-              <a:t>“ on </a:t>
-            </a:r>
-            <a:r>
-              <a:rPr lang="de-DE" dirty="0" err="1" smtClean="0"/>
-              <a:t>the</a:t>
-            </a:r>
-            <a:r>
-              <a:rPr lang="de-DE" dirty="0" smtClean="0"/>
-              <a:t> </a:t>
-            </a:r>
-            <a:r>
-              <a:rPr lang="de-DE" dirty="0" err="1" smtClean="0"/>
-              <a:t>way</a:t>
-            </a:r>
-            <a:r>
-              <a:rPr lang="de-DE" dirty="0" smtClean="0"/>
-              <a:t> </a:t>
-            </a:r>
-            <a:r>
-              <a:rPr lang="de-DE" dirty="0" err="1" smtClean="0"/>
-              <a:t>to</a:t>
-            </a:r>
-            <a:r>
-              <a:rPr lang="de-DE" dirty="0" smtClean="0"/>
-              <a:t> 1</a:t>
-            </a:r>
-            <a:endParaRPr lang="de-DE" dirty="0" smtClean="0"/>
-          </a:p>
-          <a:p>
-            <a:r>
-              <a:rPr lang="de-DE" dirty="0" smtClean="0"/>
-              <a:t>Exploration </a:t>
-            </a:r>
-            <a:r>
-              <a:rPr lang="de-DE" dirty="0" err="1" smtClean="0"/>
-              <a:t>of</a:t>
-            </a:r>
-            <a:r>
-              <a:rPr lang="de-DE" dirty="0" smtClean="0"/>
-              <a:t> </a:t>
-            </a:r>
-            <a:r>
-              <a:rPr lang="de-DE" dirty="0" err="1" smtClean="0"/>
-              <a:t>the</a:t>
-            </a:r>
-            <a:r>
-              <a:rPr lang="de-DE" dirty="0" smtClean="0"/>
-              <a:t> </a:t>
-            </a:r>
-            <a:r>
-              <a:rPr lang="de-DE" dirty="0" err="1" smtClean="0"/>
-              <a:t>hierarchy</a:t>
-            </a:r>
-            <a:r>
-              <a:rPr lang="de-DE" dirty="0" smtClean="0"/>
-              <a:t> </a:t>
-            </a:r>
-            <a:r>
-              <a:rPr lang="de-DE" dirty="0" smtClean="0"/>
-              <a:t>(</a:t>
-            </a:r>
-            <a:r>
-              <a:rPr lang="de-DE" dirty="0" err="1" smtClean="0"/>
-              <a:t>more</a:t>
-            </a:r>
-            <a:r>
-              <a:rPr lang="de-DE" dirty="0" smtClean="0"/>
-              <a:t> </a:t>
-            </a:r>
-            <a:r>
-              <a:rPr lang="de-DE" dirty="0" err="1" smtClean="0"/>
-              <a:t>useful</a:t>
-            </a:r>
-            <a:r>
-              <a:rPr lang="de-DE" dirty="0" smtClean="0"/>
-              <a:t>)</a:t>
-            </a:r>
           </a:p>
           <a:p>
             <a:pPr lvl="1"/>
@@ -18413,8 +18996,8 @@
               <a:t>Freemind</a:t>
             </a:r>
             <a:r>
-              <a:rPr lang="de-DE" dirty="0"/>
-              <a:t>“</a:t>
+              <a:rPr lang="de-DE" dirty="0" smtClean="0"/>
+              <a:t>“.</a:t>
             </a:r>
             <a:endParaRPr lang="en-AU" dirty="0"/>
           </a:p>
@@ -18586,8 +19169,8 @@
           </a:p>
         </p:txBody>
       </p:sp>
-      <mc:AlternateContent xmlns:mc="http://schemas.openxmlformats.org/markup-compatibility/2006">
-        <mc:Choice xmlns:a14="http://schemas.microsoft.com/office/drawing/2010/main" Requires="a14">
+      <mc:AlternateContent xmlns:mc="http://schemas.openxmlformats.org/markup-compatibility/2006" xmlns:a14="http://schemas.microsoft.com/office/drawing/2010/main">
+        <mc:Choice Requires="a14">
           <p:sp>
             <p:nvSpPr>
               <p:cNvPr id="3" name="Inhaltsplatzhalter 2"/>
@@ -18666,7 +19249,6 @@
                   <a:rPr lang="de-DE" sz="2400" b="1" dirty="0" smtClean="0"/>
                   <a:t> M.</a:t>
                 </a:r>
-                <a:endParaRPr lang="de-DE" sz="2400" b="1" dirty="0" smtClean="0"/>
               </a:p>
               <a:p>
                 <a:r>
@@ -19155,7 +19737,7 @@
             </p:txBody>
           </p:sp>
         </mc:Choice>
-        <mc:Fallback>
+        <mc:Fallback xmlns="">
           <p:sp>
             <p:nvSpPr>
               <p:cNvPr id="3" name="Inhaltsplatzhalter 2"/>
@@ -19481,8 +20063,8 @@
           </a:p>
         </p:txBody>
       </p:sp>
-      <mc:AlternateContent xmlns:mc="http://schemas.openxmlformats.org/markup-compatibility/2006">
-        <mc:Choice xmlns:a14="http://schemas.microsoft.com/office/drawing/2010/main" Requires="a14">
+      <mc:AlternateContent xmlns:mc="http://schemas.openxmlformats.org/markup-compatibility/2006" xmlns:a14="http://schemas.microsoft.com/office/drawing/2010/main">
+        <mc:Choice Requires="a14">
           <p:sp>
             <p:nvSpPr>
               <p:cNvPr id="3" name="Inhaltsplatzhalter 2"/>
@@ -20016,13 +20598,7 @@
                         <a:rPr lang="de-DE" b="0" i="1" smtClean="0">
                           <a:latin typeface="Cambria Math" panose="02040503050406030204" pitchFamily="18" charset="0"/>
                         </a:rPr>
-                        <m:t>+</m:t>
-                      </m:r>
-                      <m:r>
-                        <a:rPr lang="de-DE" b="0" i="1" smtClean="0">
-                          <a:latin typeface="Cambria Math" panose="02040503050406030204" pitchFamily="18" charset="0"/>
-                        </a:rPr>
-                        <m:t> </m:t>
+                        <m:t>+ </m:t>
                       </m:r>
                       <m:nary>
                         <m:naryPr>
@@ -20199,7 +20775,7 @@
             </p:txBody>
           </p:sp>
         </mc:Choice>
-        <mc:Fallback>
+        <mc:Fallback xmlns="">
           <p:sp>
             <p:nvSpPr>
               <p:cNvPr id="3" name="Inhaltsplatzhalter 2"/>
@@ -20400,8 +20976,8 @@
           </a:p>
         </p:txBody>
       </p:sp>
-      <mc:AlternateContent xmlns:mc="http://schemas.openxmlformats.org/markup-compatibility/2006">
-        <mc:Choice xmlns:a14="http://schemas.microsoft.com/office/drawing/2010/main" Requires="a14">
+      <mc:AlternateContent xmlns:mc="http://schemas.openxmlformats.org/markup-compatibility/2006" xmlns:a14="http://schemas.microsoft.com/office/drawing/2010/main">
+        <mc:Choice Requires="a14">
           <p:sp>
             <p:nvSpPr>
               <p:cNvPr id="3" name="Inhaltsplatzhalter 2"/>
@@ -20424,11 +21000,7 @@
               <a:p>
                 <a:r>
                   <a:rPr lang="de-DE" sz="2400" dirty="0" smtClean="0"/>
-                  <a:t>Let</a:t>
-                </a:r>
-                <a:r>
-                  <a:rPr lang="de-DE" sz="2400" dirty="0" smtClean="0"/>
-                  <a:t> t </a:t>
+                  <a:t>Let t </a:t>
                 </a:r>
                 <a:r>
                   <a:rPr lang="de-DE" sz="2400" dirty="0" err="1" smtClean="0"/>
@@ -21153,7 +21725,7 @@
             </p:txBody>
           </p:sp>
         </mc:Choice>
-        <mc:Fallback>
+        <mc:Fallback xmlns="">
           <p:sp>
             <p:nvSpPr>
               <p:cNvPr id="3" name="Inhaltsplatzhalter 2"/>
@@ -22022,8 +22594,8 @@
           </a:p>
         </p:txBody>
       </p:sp>
-      <mc:AlternateContent xmlns:mc="http://schemas.openxmlformats.org/markup-compatibility/2006">
-        <mc:Choice xmlns:a14="http://schemas.microsoft.com/office/drawing/2010/main" Requires="a14">
+      <mc:AlternateContent xmlns:mc="http://schemas.openxmlformats.org/markup-compatibility/2006" xmlns:a14="http://schemas.microsoft.com/office/drawing/2010/main">
+        <mc:Choice Requires="a14">
           <p:sp>
             <p:nvSpPr>
               <p:cNvPr id="3" name="Inhaltsplatzhalter 2"/>
@@ -22594,11 +23166,7 @@
                 </a:r>
                 <a:r>
                   <a:rPr lang="de-DE" dirty="0" smtClean="0"/>
-                  <a:t> </a:t>
-                </a:r>
-                <a:r>
-                  <a:rPr lang="de-DE" dirty="0" smtClean="0"/>
-                  <a:t>LDA, </a:t>
+                  <a:t> LDA, </a:t>
                 </a:r>
                 <a:r>
                   <a:rPr lang="de-DE" dirty="0" err="1" smtClean="0"/>
@@ -22638,11 +23206,7 @@
                 </a:r>
                 <a:r>
                   <a:rPr lang="de-DE" dirty="0" smtClean="0"/>
-                  <a:t> |</a:t>
-                </a:r>
-                <a:r>
-                  <a:rPr lang="de-DE" dirty="0" smtClean="0"/>
-                  <a:t>T| must </a:t>
+                  <a:t> |T| must </a:t>
                 </a:r>
                 <a:r>
                   <a:rPr lang="de-DE" dirty="0" err="1" smtClean="0"/>
@@ -22688,7 +23252,7 @@
             </p:txBody>
           </p:sp>
         </mc:Choice>
-        <mc:Fallback>
+        <mc:Fallback xmlns="">
           <p:sp>
             <p:nvSpPr>
               <p:cNvPr id="3" name="Inhaltsplatzhalter 2"/>

--- a/doc/PTM.pptx
+++ b/doc/PTM.pptx
@@ -5,7 +5,7 @@
     <p:sldMasterId id="2147483648" r:id="rId1"/>
   </p:sldMasterIdLst>
   <p:notesMasterIdLst>
-    <p:notesMasterId r:id="rId26"/>
+    <p:notesMasterId r:id="rId27"/>
   </p:notesMasterIdLst>
   <p:sldIdLst>
     <p:sldId id="256" r:id="rId2"/>
@@ -32,6 +32,7 @@
     <p:sldId id="278" r:id="rId23"/>
     <p:sldId id="279" r:id="rId24"/>
     <p:sldId id="280" r:id="rId25"/>
+    <p:sldId id="282" r:id="rId26"/>
   </p:sldIdLst>
   <p:sldSz cx="12192000" cy="6858000"/>
   <p:notesSz cx="6858000" cy="9144000"/>
@@ -183,7 +184,6 @@
           </a:p>
         </c:rich>
       </c:tx>
-      <c:layout/>
       <c:overlay val="0"/>
       <c:spPr>
         <a:noFill/>
@@ -514,11 +514,11 @@
           <c:showPercent val="0"/>
           <c:showBubbleSize val="0"/>
         </c:dLbls>
-        <c:axId val="-684645872"/>
-        <c:axId val="-684638256"/>
+        <c:axId val="256706432"/>
+        <c:axId val="256702624"/>
       </c:scatterChart>
       <c:valAx>
-        <c:axId val="-684645872"/>
+        <c:axId val="256706432"/>
         <c:scaling>
           <c:orientation val="minMax"/>
         </c:scaling>
@@ -569,7 +569,6 @@
               </a:p>
             </c:rich>
           </c:tx>
-          <c:layout/>
           <c:overlay val="0"/>
           <c:spPr>
             <a:noFill/>
@@ -636,12 +635,12 @@
             <a:endParaRPr lang="en-US"/>
           </a:p>
         </c:txPr>
-        <c:crossAx val="-684638256"/>
+        <c:crossAx val="256702624"/>
         <c:crosses val="autoZero"/>
         <c:crossBetween val="midCat"/>
       </c:valAx>
       <c:valAx>
-        <c:axId val="-684638256"/>
+        <c:axId val="256702624"/>
         <c:scaling>
           <c:orientation val="minMax"/>
         </c:scaling>
@@ -688,7 +687,6 @@
               </a:p>
             </c:rich>
           </c:tx>
-          <c:layout/>
           <c:overlay val="0"/>
           <c:spPr>
             <a:noFill/>
@@ -755,7 +753,7 @@
             <a:endParaRPr lang="en-US"/>
           </a:p>
         </c:txPr>
-        <c:crossAx val="-684645872"/>
+        <c:crossAx val="256706432"/>
         <c:crosses val="autoZero"/>
         <c:crossBetween val="midCat"/>
       </c:valAx>
@@ -839,7 +837,6 @@
           </a:p>
         </c:rich>
       </c:tx>
-      <c:layout/>
       <c:overlay val="0"/>
       <c:spPr>
         <a:noFill/>
@@ -1030,11 +1027,11 @@
           <c:showBubbleSize val="0"/>
         </c:dLbls>
         <c:smooth val="0"/>
-        <c:axId val="-684639344"/>
-        <c:axId val="-684632272"/>
+        <c:axId val="256703712"/>
+        <c:axId val="256692288"/>
       </c:lineChart>
       <c:catAx>
-        <c:axId val="-684639344"/>
+        <c:axId val="256703712"/>
         <c:scaling>
           <c:orientation val="minMax"/>
         </c:scaling>
@@ -1071,7 +1068,6 @@
               </a:p>
             </c:rich>
           </c:tx>
-          <c:layout/>
           <c:overlay val="0"/>
           <c:spPr>
             <a:noFill/>
@@ -1137,7 +1133,7 @@
             <a:endParaRPr lang="en-US"/>
           </a:p>
         </c:txPr>
-        <c:crossAx val="-684632272"/>
+        <c:crossAx val="256692288"/>
         <c:crosses val="autoZero"/>
         <c:auto val="1"/>
         <c:lblAlgn val="ctr"/>
@@ -1145,7 +1141,7 @@
         <c:noMultiLvlLbl val="0"/>
       </c:catAx>
       <c:valAx>
-        <c:axId val="-684632272"/>
+        <c:axId val="256692288"/>
         <c:scaling>
           <c:orientation val="minMax"/>
         </c:scaling>
@@ -1191,7 +1187,6 @@
               </a:p>
             </c:rich>
           </c:tx>
-          <c:layout/>
           <c:overlay val="0"/>
           <c:spPr>
             <a:noFill/>
@@ -1252,7 +1247,7 @@
             <a:endParaRPr lang="en-US"/>
           </a:p>
         </c:txPr>
-        <c:crossAx val="-684639344"/>
+        <c:crossAx val="256703712"/>
         <c:crosses val="autoZero"/>
         <c:crossBetween val="between"/>
       </c:valAx>
@@ -3375,11 +3370,11 @@
           <c:showPercent val="0"/>
           <c:showBubbleSize val="0"/>
         </c:dLbls>
-        <c:axId val="-548222496"/>
-        <c:axId val="-548225760"/>
+        <c:axId val="367178416"/>
+        <c:axId val="367181680"/>
       </c:scatterChart>
       <c:valAx>
-        <c:axId val="-548222496"/>
+        <c:axId val="367178416"/>
         <c:scaling>
           <c:orientation val="minMax"/>
         </c:scaling>
@@ -3491,12 +3486,12 @@
             <a:endParaRPr lang="en-US"/>
           </a:p>
         </c:txPr>
-        <c:crossAx val="-548225760"/>
+        <c:crossAx val="367181680"/>
         <c:crosses val="autoZero"/>
         <c:crossBetween val="midCat"/>
       </c:valAx>
       <c:valAx>
-        <c:axId val="-548225760"/>
+        <c:axId val="367181680"/>
         <c:scaling>
           <c:orientation val="minMax"/>
         </c:scaling>
@@ -3608,7 +3603,7 @@
             <a:endParaRPr lang="en-US"/>
           </a:p>
         </c:txPr>
-        <c:crossAx val="-548222496"/>
+        <c:crossAx val="367178416"/>
         <c:crosses val="autoZero"/>
         <c:crossBetween val="midCat"/>
       </c:valAx>
@@ -4782,11 +4777,11 @@
           <c:showPercent val="0"/>
           <c:showBubbleSize val="0"/>
         </c:dLbls>
-        <c:axId val="-548221952"/>
-        <c:axId val="-548227392"/>
+        <c:axId val="367177328"/>
+        <c:axId val="367187664"/>
       </c:scatterChart>
       <c:valAx>
-        <c:axId val="-548221952"/>
+        <c:axId val="367177328"/>
         <c:scaling>
           <c:orientation val="minMax"/>
         </c:scaling>
@@ -4832,7 +4827,6 @@
               </a:p>
             </c:rich>
           </c:tx>
-          <c:layout/>
           <c:overlay val="0"/>
           <c:spPr>
             <a:noFill/>
@@ -4899,12 +4893,12 @@
             <a:endParaRPr lang="en-US"/>
           </a:p>
         </c:txPr>
-        <c:crossAx val="-548227392"/>
+        <c:crossAx val="367187664"/>
         <c:crosses val="autoZero"/>
         <c:crossBetween val="midCat"/>
       </c:valAx>
       <c:valAx>
-        <c:axId val="-548227392"/>
+        <c:axId val="367187664"/>
         <c:scaling>
           <c:orientation val="minMax"/>
         </c:scaling>
@@ -4950,7 +4944,6 @@
               </a:p>
             </c:rich>
           </c:tx>
-          <c:layout/>
           <c:overlay val="0"/>
           <c:spPr>
             <a:noFill/>
@@ -5017,7 +5010,7 @@
             <a:endParaRPr lang="en-US"/>
           </a:p>
         </c:txPr>
-        <c:crossAx val="-548221952"/>
+        <c:crossAx val="367177328"/>
         <c:crosses val="autoZero"/>
         <c:crossBetween val="midCat"/>
       </c:valAx>
@@ -13059,8 +13052,8 @@
           </a:p>
         </p:txBody>
       </p:sp>
-      <mc:AlternateContent xmlns:mc="http://schemas.openxmlformats.org/markup-compatibility/2006">
-        <mc:Choice xmlns:a14="http://schemas.microsoft.com/office/drawing/2010/main" Requires="a14">
+      <mc:AlternateContent xmlns:mc="http://schemas.openxmlformats.org/markup-compatibility/2006" xmlns:a14="http://schemas.microsoft.com/office/drawing/2010/main">
+        <mc:Choice Requires="a14">
           <p:sp>
             <p:nvSpPr>
               <p:cNvPr id="3" name="Inhaltsplatzhalter 2"/>
@@ -13962,11 +13955,7 @@
                 </a:r>
                 <a:r>
                   <a:rPr lang="de-DE" sz="2200" dirty="0" smtClean="0"/>
-                  <a:t> </a:t>
-                </a:r>
-                <a:r>
-                  <a:rPr lang="de-DE" sz="2200" dirty="0" smtClean="0"/>
-                  <a:t>via </a:t>
+                  <a:t> via </a:t>
                 </a:r>
                 <a:r>
                   <a:rPr lang="de-DE" sz="2200" b="1" dirty="0" err="1" smtClean="0"/>
@@ -14018,7 +14007,7 @@
             </p:txBody>
           </p:sp>
         </mc:Choice>
-        <mc:Fallback>
+        <mc:Fallback xmlns="">
           <p:sp>
             <p:nvSpPr>
               <p:cNvPr id="3" name="Inhaltsplatzhalter 2"/>
@@ -15182,7 +15171,7 @@
         </p:nvSpPr>
         <p:spPr>
           <a:xfrm>
-            <a:off x="6874959" y="2594075"/>
+            <a:off x="6859193" y="2326061"/>
             <a:ext cx="4939145" cy="2892326"/>
           </a:xfrm>
         </p:spPr>
@@ -15389,6 +15378,13 @@
   <p:clrMapOvr>
     <a:masterClrMapping/>
   </p:clrMapOvr>
+  <p:timing>
+    <p:tnLst>
+      <p:par>
+        <p:cTn id="1" dur="indefinite" restart="never" nodeType="tmRoot"/>
+      </p:par>
+    </p:tnLst>
+  </p:timing>
 </p:sld>
 </file>
 
@@ -15482,7 +15478,7 @@
         </p:nvSpPr>
         <p:spPr>
           <a:xfrm>
-            <a:off x="6906490" y="2331316"/>
+            <a:off x="6948532" y="2079068"/>
             <a:ext cx="4939145" cy="3958648"/>
           </a:xfrm>
         </p:spPr>
@@ -15787,6 +15783,41 @@
             <a:r>
               <a:rPr lang="de-DE" sz="2000" dirty="0" smtClean="0"/>
               <a:t> fair…</a:t>
+            </a:r>
+          </a:p>
+          <a:p>
+            <a:pPr lvl="1"/>
+            <a:r>
+              <a:rPr lang="de-DE" sz="2000" dirty="0" err="1" smtClean="0"/>
+              <a:t>Have</a:t>
+            </a:r>
+            <a:r>
+              <a:rPr lang="de-DE" sz="2000" dirty="0" smtClean="0"/>
+              <a:t> I </a:t>
+            </a:r>
+            <a:r>
+              <a:rPr lang="de-DE" sz="2000" dirty="0" err="1" smtClean="0"/>
+              <a:t>done</a:t>
+            </a:r>
+            <a:r>
+              <a:rPr lang="de-DE" sz="2000" dirty="0" smtClean="0"/>
+              <a:t> </a:t>
+            </a:r>
+            <a:r>
+              <a:rPr lang="de-DE" sz="2000" dirty="0" err="1" smtClean="0"/>
+              <a:t>something</a:t>
+            </a:r>
+            <a:r>
+              <a:rPr lang="de-DE" sz="2000" dirty="0" smtClean="0"/>
+              <a:t> </a:t>
+            </a:r>
+            <a:r>
+              <a:rPr lang="de-DE" sz="2000" dirty="0" err="1" smtClean="0"/>
+              <a:t>wrong</a:t>
+            </a:r>
+            <a:r>
+              <a:rPr lang="de-DE" sz="2000" dirty="0" smtClean="0"/>
+              <a:t>?</a:t>
             </a:r>
             <a:endParaRPr lang="en-AU" sz="1800" dirty="0"/>
           </a:p>
@@ -15801,13 +15832,13 @@
           <p:nvPr>
             <p:extLst>
               <p:ext uri="{D42A27DB-BD31-4B8C-83A1-F6EECF244321}">
-                <p14:modId xmlns:p14="http://schemas.microsoft.com/office/powerpoint/2010/main" val="1111758541"/>
+                <p14:modId xmlns:p14="http://schemas.microsoft.com/office/powerpoint/2010/main" val="2800035682"/>
               </p:ext>
             </p:extLst>
           </p:nvPr>
         </p:nvGraphicFramePr>
         <p:xfrm>
-          <a:off x="877613" y="1690688"/>
+          <a:off x="838200" y="1579852"/>
           <a:ext cx="7267903" cy="4710112"/>
         </p:xfrm>
         <a:graphic>
@@ -15816,6 +15847,47 @@
           </a:graphicData>
         </a:graphic>
       </p:graphicFrame>
+      <p:pic>
+        <p:nvPicPr>
+          <p:cNvPr id="1030" name="Picture 6" descr="bush-head-scratch"/>
+          <p:cNvPicPr>
+            <a:picLocks noChangeAspect="1" noChangeArrowheads="1"/>
+          </p:cNvPicPr>
+          <p:nvPr/>
+        </p:nvPicPr>
+        <p:blipFill>
+          <a:blip r:embed="rId4">
+            <a:extLst>
+              <a:ext uri="{28A0092B-C50C-407E-A947-70E740481C1C}">
+                <a14:useLocalDpi xmlns:a14="http://schemas.microsoft.com/office/drawing/2010/main" val="0"/>
+              </a:ext>
+            </a:extLst>
+          </a:blip>
+          <a:srcRect/>
+          <a:stretch>
+            <a:fillRect/>
+          </a:stretch>
+        </p:blipFill>
+        <p:spPr bwMode="auto">
+          <a:xfrm>
+            <a:off x="8597461" y="5182280"/>
+            <a:ext cx="1911460" cy="1533831"/>
+          </a:xfrm>
+          <a:prstGeom prst="rect">
+            <a:avLst/>
+          </a:prstGeom>
+          <a:noFill/>
+          <a:extLst>
+            <a:ext uri="{909E8E84-426E-40DD-AFC4-6F175D3DCCD1}">
+              <a14:hiddenFill xmlns:a14="http://schemas.microsoft.com/office/drawing/2010/main">
+                <a:solidFill>
+                  <a:srgbClr val="FFFFFF"/>
+                </a:solidFill>
+              </a14:hiddenFill>
+            </a:ext>
+          </a:extLst>
+        </p:spPr>
+      </p:pic>
     </p:spTree>
     <p:extLst>
       <p:ext uri="{BB962C8B-B14F-4D97-AF65-F5344CB8AC3E}">
@@ -15826,6 +15898,13 @@
   <p:clrMapOvr>
     <a:masterClrMapping/>
   </p:clrMapOvr>
+  <p:timing>
+    <p:tnLst>
+      <p:par>
+        <p:cTn id="1" dur="indefinite" restart="never" nodeType="tmRoot"/>
+      </p:par>
+    </p:tnLst>
+  </p:timing>
 </p:sld>
 </file>
 
@@ -16004,6 +16083,18 @@
             </a:r>
             <a:r>
               <a:rPr lang="de-DE" dirty="0" smtClean="0"/>
+              <a:t> </a:t>
+            </a:r>
+            <a:r>
+              <a:rPr lang="de-DE" b="1" dirty="0" err="1" smtClean="0"/>
+              <a:t>big</a:t>
+            </a:r>
+            <a:r>
+              <a:rPr lang="de-DE" b="1" dirty="0" smtClean="0"/>
+              <a:t> time</a:t>
+            </a:r>
+            <a:r>
+              <a:rPr lang="de-DE" dirty="0" smtClean="0"/>
               <a:t> (</a:t>
             </a:r>
             <a:r>
@@ -16028,7 +16119,7 @@
             </a:r>
             <a:r>
               <a:rPr lang="de-DE" dirty="0" smtClean="0"/>
-              <a:t>)</a:t>
+              <a:t>).</a:t>
             </a:r>
           </a:p>
           <a:p>
@@ -16156,7 +16247,10 @@
               <a:rPr lang="de-DE" dirty="0" err="1" smtClean="0"/>
               <a:t>documents</a:t>
             </a:r>
-            <a:endParaRPr lang="de-DE" dirty="0" smtClean="0"/>
+            <a:r>
+              <a:rPr lang="de-DE" dirty="0" smtClean="0"/>
+              <a:t>,</a:t>
+            </a:r>
           </a:p>
           <a:p>
             <a:pPr lvl="1"/>
@@ -16282,7 +16376,10 @@
               <a:rPr lang="de-DE" dirty="0" err="1" smtClean="0"/>
               <a:t>systems</a:t>
             </a:r>
-            <a:endParaRPr lang="de-DE" dirty="0" smtClean="0"/>
+            <a:r>
+              <a:rPr lang="de-DE" dirty="0" smtClean="0"/>
+              <a:t>,</a:t>
+            </a:r>
           </a:p>
           <a:p>
             <a:pPr lvl="1"/>
@@ -16344,6 +16441,13 @@
   <p:clrMapOvr>
     <a:masterClrMapping/>
   </p:clrMapOvr>
+  <p:timing>
+    <p:tnLst>
+      <p:par>
+        <p:cTn id="1" dur="indefinite" restart="never" nodeType="tmRoot"/>
+      </p:par>
+    </p:tnLst>
+  </p:timing>
 </p:sld>
 </file>
 
@@ -17080,6 +17184,13 @@
   <p:clrMapOvr>
     <a:masterClrMapping/>
   </p:clrMapOvr>
+  <p:timing>
+    <p:tnLst>
+      <p:par>
+        <p:cTn id="1" dur="indefinite" restart="never" nodeType="tmRoot"/>
+      </p:par>
+    </p:tnLst>
+  </p:timing>
 </p:sld>
 </file>
 
@@ -17213,11 +17324,7 @@
             </a:r>
             <a:r>
               <a:rPr lang="de-DE" sz="2400" dirty="0" smtClean="0"/>
-              <a:t> </a:t>
-            </a:r>
-            <a:r>
-              <a:rPr lang="de-DE" sz="2400" dirty="0" smtClean="0"/>
-              <a:t>via </a:t>
+              <a:t> via </a:t>
             </a:r>
             <a:r>
               <a:rPr lang="de-DE" sz="2400" dirty="0" err="1" smtClean="0"/>
@@ -17241,11 +17348,7 @@
             </a:r>
             <a:r>
               <a:rPr lang="de-DE" sz="2400" dirty="0" smtClean="0"/>
-              <a:t> </a:t>
-            </a:r>
-            <a:r>
-              <a:rPr lang="de-DE" sz="2400" dirty="0" smtClean="0"/>
-              <a:t>D:</a:t>
+              <a:t> D:</a:t>
             </a:r>
           </a:p>
           <a:p>
@@ -17475,6 +17578,13 @@
   <p:clrMapOvr>
     <a:masterClrMapping/>
   </p:clrMapOvr>
+  <p:timing>
+    <p:tnLst>
+      <p:par>
+        <p:cTn id="1" dur="indefinite" restart="never" nodeType="tmRoot"/>
+      </p:par>
+    </p:tnLst>
+  </p:timing>
 </p:sld>
 </file>
 
@@ -18110,13 +18220,8 @@
             </a:r>
             <a:r>
               <a:rPr lang="de-DE" dirty="0" smtClean="0"/>
-              <a:t> in </a:t>
-            </a:r>
-            <a:r>
-              <a:rPr lang="de-DE" dirty="0" smtClean="0"/>
-              <a:t>V,</a:t>
-            </a:r>
-            <a:endParaRPr lang="de-DE" dirty="0" smtClean="0"/>
+              <a:t> in V,</a:t>
+            </a:r>
           </a:p>
           <a:p>
             <a:pPr lvl="1"/>
@@ -18200,7 +18305,6 @@
               <a:rPr lang="de-DE" dirty="0" smtClean="0"/>
               <a:t>                      ,</a:t>
             </a:r>
-            <a:endParaRPr lang="de-DE" dirty="0" smtClean="0"/>
           </a:p>
           <a:p>
             <a:pPr lvl="1"/>
@@ -18240,7 +18344,6 @@
               <a:rPr lang="de-DE" dirty="0" smtClean="0"/>
               <a:t>).</a:t>
             </a:r>
-            <a:endParaRPr lang="de-DE" dirty="0" smtClean="0"/>
           </a:p>
           <a:p>
             <a:r>
@@ -18265,7 +18368,7 @@
             </a:r>
             <a:r>
               <a:rPr lang="de-DE" dirty="0" smtClean="0"/>
-              <a:t> </a:t>
+              <a:t>, </a:t>
             </a:r>
             <a:r>
               <a:rPr lang="de-DE" dirty="0" err="1" smtClean="0"/>
@@ -18297,13 +18400,8 @@
             </a:r>
             <a:r>
               <a:rPr lang="de-DE" dirty="0" smtClean="0"/>
-              <a:t>∙ |D</a:t>
-            </a:r>
-            <a:r>
-              <a:rPr lang="de-DE" dirty="0" smtClean="0"/>
-              <a:t>|).</a:t>
-            </a:r>
-            <a:endParaRPr lang="de-DE" dirty="0" smtClean="0"/>
+              <a:t>∙ |D|).</a:t>
+            </a:r>
           </a:p>
           <a:p>
             <a:r>
@@ -18426,11 +18524,7 @@
             </a:r>
             <a:r>
               <a:rPr lang="de-DE" dirty="0" smtClean="0"/>
-              <a:t> </a:t>
-            </a:r>
-            <a:r>
-              <a:rPr lang="de-DE" dirty="0" smtClean="0"/>
-              <a:t>(Java / </a:t>
+              <a:t> (Java / </a:t>
             </a:r>
             <a:r>
               <a:rPr lang="de-DE" dirty="0" err="1" smtClean="0"/>
@@ -18438,11 +18532,7 @@
             </a:r>
             <a:r>
               <a:rPr lang="de-DE" dirty="0" smtClean="0"/>
-              <a:t> </a:t>
-            </a:r>
-            <a:r>
-              <a:rPr lang="de-DE" dirty="0" smtClean="0"/>
-              <a:t>high </a:t>
+              <a:t> high </a:t>
             </a:r>
             <a:r>
               <a:rPr lang="de-DE" dirty="0" err="1" smtClean="0"/>
@@ -18460,7 +18550,6 @@
               <a:rPr lang="de-DE" dirty="0" smtClean="0"/>
               <a:t>),</a:t>
             </a:r>
-            <a:endParaRPr lang="de-DE" dirty="0" smtClean="0"/>
           </a:p>
           <a:p>
             <a:pPr lvl="2"/>
@@ -18482,15 +18571,7 @@
             </a:r>
             <a:r>
               <a:rPr lang="de-DE" dirty="0" smtClean="0"/>
-              <a:t> </a:t>
-            </a:r>
-            <a:r>
-              <a:rPr lang="de-DE" dirty="0" smtClean="0"/>
-              <a:t>850 </a:t>
-            </a:r>
-            <a:r>
-              <a:rPr lang="de-DE" dirty="0" smtClean="0"/>
-              <a:t>GB </a:t>
+              <a:t> 850 GB </a:t>
             </a:r>
             <a:r>
               <a:rPr lang="de-DE" dirty="0" err="1" smtClean="0"/>
@@ -18498,13 +18579,8 @@
             </a:r>
             <a:r>
               <a:rPr lang="de-DE" dirty="0" smtClean="0"/>
-              <a:t> </a:t>
-            </a:r>
-            <a:r>
-              <a:rPr lang="de-DE" dirty="0" smtClean="0"/>
-              <a:t>RAM.</a:t>
-            </a:r>
-            <a:endParaRPr lang="de-DE" dirty="0" smtClean="0"/>
+              <a:t> RAM.</a:t>
+            </a:r>
           </a:p>
           <a:p>
             <a:pPr lvl="1"/>
@@ -18662,11 +18738,7 @@
             <a:pPr lvl="1"/>
             <a:r>
               <a:rPr lang="de-DE" dirty="0" smtClean="0"/>
-              <a:t>2946 </a:t>
-            </a:r>
-            <a:r>
-              <a:rPr lang="de-DE" dirty="0" smtClean="0"/>
-              <a:t>„</a:t>
+              <a:t>2946 „</a:t>
             </a:r>
             <a:r>
               <a:rPr lang="de-DE" dirty="0" err="1" smtClean="0"/>
@@ -18692,7 +18764,6 @@
               <a:rPr lang="de-DE" dirty="0" smtClean="0"/>
               <a:t>,</a:t>
             </a:r>
-            <a:endParaRPr lang="de-DE" dirty="0" smtClean="0"/>
           </a:p>
           <a:p>
             <a:pPr lvl="1"/>
@@ -18770,13 +18841,8 @@
             </a:r>
             <a:r>
               <a:rPr lang="de-DE" dirty="0" smtClean="0"/>
-              <a:t> ≥ </a:t>
-            </a:r>
-            <a:r>
-              <a:rPr lang="de-DE" dirty="0" smtClean="0"/>
-              <a:t>10.</a:t>
-            </a:r>
-            <a:endParaRPr lang="de-DE" dirty="0" smtClean="0"/>
+              <a:t> ≥ 10.</a:t>
+            </a:r>
           </a:p>
           <a:p>
             <a:r>
@@ -18912,7 +18978,6 @@
               <a:rPr lang="de-DE" dirty="0" smtClean="0"/>
               <a:t>):</a:t>
             </a:r>
-            <a:endParaRPr lang="de-DE" dirty="0" smtClean="0"/>
           </a:p>
           <a:p>
             <a:pPr lvl="1"/>
@@ -19013,6 +19078,213 @@
     <p:extLst>
       <p:ext uri="{BB962C8B-B14F-4D97-AF65-F5344CB8AC3E}">
         <p14:creationId xmlns:p14="http://schemas.microsoft.com/office/powerpoint/2010/main" val="1468562103"/>
+      </p:ext>
+    </p:extLst>
+  </p:cSld>
+  <p:clrMapOvr>
+    <a:masterClrMapping/>
+  </p:clrMapOvr>
+</p:sld>
+</file>
+
+<file path=ppt/slides/slide25.xml><?xml version="1.0" encoding="utf-8"?>
+<p:sld xmlns:a="http://schemas.openxmlformats.org/drawingml/2006/main" xmlns:r="http://schemas.openxmlformats.org/officeDocument/2006/relationships" xmlns:p="http://schemas.openxmlformats.org/presentationml/2006/main">
+  <p:cSld>
+    <p:spTree>
+      <p:nvGrpSpPr>
+        <p:cNvPr id="1" name=""/>
+        <p:cNvGrpSpPr/>
+        <p:nvPr/>
+      </p:nvGrpSpPr>
+      <p:grpSpPr>
+        <a:xfrm>
+          <a:off x="0" y="0"/>
+          <a:ext cx="0" cy="0"/>
+          <a:chOff x="0" y="0"/>
+          <a:chExt cx="0" cy="0"/>
+        </a:xfrm>
+      </p:grpSpPr>
+      <p:sp>
+        <p:nvSpPr>
+          <p:cNvPr id="2" name="Titel 1"/>
+          <p:cNvSpPr>
+            <a:spLocks noGrp="1"/>
+          </p:cNvSpPr>
+          <p:nvPr>
+            <p:ph type="title"/>
+          </p:nvPr>
+        </p:nvSpPr>
+        <p:spPr/>
+        <p:txBody>
+          <a:bodyPr/>
+          <a:lstStyle/>
+          <a:p>
+            <a:r>
+              <a:rPr lang="de-DE" dirty="0" smtClean="0"/>
+              <a:t>This </a:t>
+            </a:r>
+            <a:r>
+              <a:rPr lang="de-DE" dirty="0" err="1" smtClean="0"/>
+              <a:t>is</a:t>
+            </a:r>
+            <a:r>
+              <a:rPr lang="de-DE" dirty="0" smtClean="0"/>
+              <a:t> </a:t>
+            </a:r>
+            <a:r>
+              <a:rPr lang="de-DE" dirty="0" err="1" smtClean="0"/>
+              <a:t>work</a:t>
+            </a:r>
+            <a:r>
+              <a:rPr lang="de-DE" dirty="0" smtClean="0"/>
+              <a:t> in </a:t>
+            </a:r>
+            <a:r>
+              <a:rPr lang="de-DE" dirty="0" err="1" smtClean="0"/>
+              <a:t>progress</a:t>
+            </a:r>
+            <a:r>
+              <a:rPr lang="de-DE" dirty="0" smtClean="0"/>
+              <a:t>…</a:t>
+            </a:r>
+            <a:endParaRPr lang="en-AU" dirty="0"/>
+          </a:p>
+        </p:txBody>
+      </p:sp>
+      <p:sp>
+        <p:nvSpPr>
+          <p:cNvPr id="3" name="Inhaltsplatzhalter 2"/>
+          <p:cNvSpPr>
+            <a:spLocks noGrp="1"/>
+          </p:cNvSpPr>
+          <p:nvPr>
+            <p:ph idx="1"/>
+          </p:nvPr>
+        </p:nvSpPr>
+        <p:spPr/>
+        <p:txBody>
+          <a:bodyPr/>
+          <a:lstStyle/>
+          <a:p>
+            <a:r>
+              <a:rPr lang="de-DE" dirty="0" smtClean="0"/>
+              <a:t>… but </a:t>
+            </a:r>
+            <a:r>
+              <a:rPr lang="de-DE" dirty="0" err="1" smtClean="0"/>
+              <a:t>if</a:t>
+            </a:r>
+            <a:r>
+              <a:rPr lang="de-DE" dirty="0" smtClean="0"/>
+              <a:t> </a:t>
+            </a:r>
+            <a:r>
+              <a:rPr lang="de-DE" dirty="0" err="1" smtClean="0"/>
+              <a:t>you</a:t>
+            </a:r>
+            <a:r>
+              <a:rPr lang="de-DE" dirty="0" smtClean="0"/>
+              <a:t> </a:t>
+            </a:r>
+            <a:r>
+              <a:rPr lang="de-DE" dirty="0" err="1" smtClean="0"/>
+              <a:t>are</a:t>
+            </a:r>
+            <a:r>
+              <a:rPr lang="de-DE" dirty="0" smtClean="0"/>
+              <a:t> </a:t>
+            </a:r>
+            <a:r>
+              <a:rPr lang="de-DE" dirty="0" err="1" smtClean="0"/>
+              <a:t>more</a:t>
+            </a:r>
+            <a:r>
+              <a:rPr lang="de-DE" dirty="0" smtClean="0"/>
+              <a:t> </a:t>
+            </a:r>
+            <a:r>
+              <a:rPr lang="de-DE" dirty="0" err="1" smtClean="0"/>
+              <a:t>interested</a:t>
+            </a:r>
+            <a:r>
+              <a:rPr lang="de-DE" dirty="0" smtClean="0"/>
+              <a:t>, </a:t>
+            </a:r>
+            <a:r>
+              <a:rPr lang="de-DE" dirty="0" err="1" smtClean="0"/>
+              <a:t>you</a:t>
+            </a:r>
+            <a:r>
+              <a:rPr lang="de-DE" dirty="0" smtClean="0"/>
+              <a:t> find </a:t>
+            </a:r>
+            <a:r>
+              <a:rPr lang="de-DE" dirty="0" err="1" smtClean="0"/>
+              <a:t>everything</a:t>
+            </a:r>
+            <a:r>
+              <a:rPr lang="de-DE" dirty="0" smtClean="0"/>
+              <a:t> (</a:t>
+            </a:r>
+            <a:r>
+              <a:rPr lang="de-DE" dirty="0" err="1" smtClean="0"/>
+              <a:t>including</a:t>
+            </a:r>
+            <a:r>
+              <a:rPr lang="de-DE" dirty="0" smtClean="0"/>
+              <a:t> </a:t>
+            </a:r>
+            <a:r>
+              <a:rPr lang="de-DE" dirty="0" err="1" smtClean="0"/>
+              <a:t>these</a:t>
+            </a:r>
+            <a:r>
+              <a:rPr lang="de-DE" dirty="0" smtClean="0"/>
+              <a:t> </a:t>
+            </a:r>
+            <a:r>
+              <a:rPr lang="de-DE" dirty="0" err="1" smtClean="0"/>
+              <a:t>slides</a:t>
+            </a:r>
+            <a:r>
+              <a:rPr lang="de-DE" dirty="0" smtClean="0"/>
+              <a:t>) on</a:t>
+            </a:r>
+          </a:p>
+          <a:p>
+            <a:pPr marL="0" indent="0">
+              <a:buNone/>
+            </a:pPr>
+            <a:r>
+              <a:rPr lang="de-DE" dirty="0" smtClean="0"/>
+              <a:t>	</a:t>
+            </a:r>
+            <a:r>
+              <a:rPr lang="de-DE" dirty="0" smtClean="0">
+                <a:hlinkClick r:id="rId2"/>
+              </a:rPr>
+              <a:t>https</a:t>
+            </a:r>
+            <a:r>
+              <a:rPr lang="de-DE" dirty="0">
+                <a:hlinkClick r:id="rId2"/>
+              </a:rPr>
+              <a:t>://github.com/pfeiferd/TopicGrouperJ</a:t>
+            </a:r>
+            <a:endParaRPr lang="de-DE" dirty="0"/>
+          </a:p>
+          <a:p>
+            <a:pPr marL="0" indent="0">
+              <a:buNone/>
+            </a:pPr>
+            <a:endParaRPr lang="en-AU" dirty="0"/>
+          </a:p>
+        </p:txBody>
+      </p:sp>
+    </p:spTree>
+    <p:extLst>
+      <p:ext uri="{BB962C8B-B14F-4D97-AF65-F5344CB8AC3E}">
+        <p14:creationId xmlns:p14="http://schemas.microsoft.com/office/powerpoint/2010/main" val="1998707026"/>
       </p:ext>
     </p:extLst>
   </p:cSld>

--- a/doc/PTM.pptx
+++ b/doc/PTM.pptx
@@ -184,6 +184,7 @@
           </a:p>
         </c:rich>
       </c:tx>
+      <c:layout/>
       <c:overlay val="0"/>
       <c:spPr>
         <a:noFill/>
@@ -514,11 +515,11 @@
           <c:showPercent val="0"/>
           <c:showBubbleSize val="0"/>
         </c:dLbls>
-        <c:axId val="256706432"/>
-        <c:axId val="256702624"/>
+        <c:axId val="1069541984"/>
+        <c:axId val="1069547968"/>
       </c:scatterChart>
       <c:valAx>
-        <c:axId val="256706432"/>
+        <c:axId val="1069541984"/>
         <c:scaling>
           <c:orientation val="minMax"/>
         </c:scaling>
@@ -569,6 +570,7 @@
               </a:p>
             </c:rich>
           </c:tx>
+          <c:layout/>
           <c:overlay val="0"/>
           <c:spPr>
             <a:noFill/>
@@ -635,12 +637,12 @@
             <a:endParaRPr lang="en-US"/>
           </a:p>
         </c:txPr>
-        <c:crossAx val="256702624"/>
+        <c:crossAx val="1069547968"/>
         <c:crosses val="autoZero"/>
         <c:crossBetween val="midCat"/>
       </c:valAx>
       <c:valAx>
-        <c:axId val="256702624"/>
+        <c:axId val="1069547968"/>
         <c:scaling>
           <c:orientation val="minMax"/>
         </c:scaling>
@@ -687,6 +689,7 @@
               </a:p>
             </c:rich>
           </c:tx>
+          <c:layout/>
           <c:overlay val="0"/>
           <c:spPr>
             <a:noFill/>
@@ -753,7 +756,7 @@
             <a:endParaRPr lang="en-US"/>
           </a:p>
         </c:txPr>
-        <c:crossAx val="256706432"/>
+        <c:crossAx val="1069541984"/>
         <c:crosses val="autoZero"/>
         <c:crossBetween val="midCat"/>
       </c:valAx>
@@ -837,6 +840,7 @@
           </a:p>
         </c:rich>
       </c:tx>
+      <c:layout/>
       <c:overlay val="0"/>
       <c:spPr>
         <a:noFill/>
@@ -1027,11 +1031,11 @@
           <c:showBubbleSize val="0"/>
         </c:dLbls>
         <c:smooth val="0"/>
-        <c:axId val="256703712"/>
-        <c:axId val="256692288"/>
+        <c:axId val="1069532736"/>
+        <c:axId val="1069535456"/>
       </c:lineChart>
       <c:catAx>
-        <c:axId val="256703712"/>
+        <c:axId val="1069532736"/>
         <c:scaling>
           <c:orientation val="minMax"/>
         </c:scaling>
@@ -1068,6 +1072,7 @@
               </a:p>
             </c:rich>
           </c:tx>
+          <c:layout/>
           <c:overlay val="0"/>
           <c:spPr>
             <a:noFill/>
@@ -1133,7 +1138,7 @@
             <a:endParaRPr lang="en-US"/>
           </a:p>
         </c:txPr>
-        <c:crossAx val="256692288"/>
+        <c:crossAx val="1069535456"/>
         <c:crosses val="autoZero"/>
         <c:auto val="1"/>
         <c:lblAlgn val="ctr"/>
@@ -1141,7 +1146,7 @@
         <c:noMultiLvlLbl val="0"/>
       </c:catAx>
       <c:valAx>
-        <c:axId val="256692288"/>
+        <c:axId val="1069535456"/>
         <c:scaling>
           <c:orientation val="minMax"/>
         </c:scaling>
@@ -1187,6 +1192,7 @@
               </a:p>
             </c:rich>
           </c:tx>
+          <c:layout/>
           <c:overlay val="0"/>
           <c:spPr>
             <a:noFill/>
@@ -1247,7 +1253,7 @@
             <a:endParaRPr lang="en-US"/>
           </a:p>
         </c:txPr>
-        <c:crossAx val="256703712"/>
+        <c:crossAx val="1069532736"/>
         <c:crosses val="autoZero"/>
         <c:crossBetween val="between"/>
       </c:valAx>
@@ -3370,11 +3376,11 @@
           <c:showPercent val="0"/>
           <c:showBubbleSize val="0"/>
         </c:dLbls>
-        <c:axId val="367178416"/>
-        <c:axId val="367181680"/>
+        <c:axId val="810984448"/>
+        <c:axId val="1179929600"/>
       </c:scatterChart>
       <c:valAx>
-        <c:axId val="367178416"/>
+        <c:axId val="810984448"/>
         <c:scaling>
           <c:orientation val="minMax"/>
         </c:scaling>
@@ -3420,6 +3426,7 @@
               </a:p>
             </c:rich>
           </c:tx>
+          <c:layout/>
           <c:overlay val="0"/>
           <c:spPr>
             <a:noFill/>
@@ -3486,12 +3493,12 @@
             <a:endParaRPr lang="en-US"/>
           </a:p>
         </c:txPr>
-        <c:crossAx val="367181680"/>
+        <c:crossAx val="1179929600"/>
         <c:crosses val="autoZero"/>
         <c:crossBetween val="midCat"/>
       </c:valAx>
       <c:valAx>
-        <c:axId val="367181680"/>
+        <c:axId val="1179929600"/>
         <c:scaling>
           <c:orientation val="minMax"/>
         </c:scaling>
@@ -3537,6 +3544,7 @@
               </a:p>
             </c:rich>
           </c:tx>
+          <c:layout/>
           <c:overlay val="0"/>
           <c:spPr>
             <a:noFill/>
@@ -3603,7 +3611,7 @@
             <a:endParaRPr lang="en-US"/>
           </a:p>
         </c:txPr>
-        <c:crossAx val="367178416"/>
+        <c:crossAx val="810984448"/>
         <c:crosses val="autoZero"/>
         <c:crossBetween val="midCat"/>
       </c:valAx>
@@ -4777,11 +4785,11 @@
           <c:showPercent val="0"/>
           <c:showBubbleSize val="0"/>
         </c:dLbls>
-        <c:axId val="367177328"/>
-        <c:axId val="367187664"/>
+        <c:axId val="1179923072"/>
+        <c:axId val="1179923616"/>
       </c:scatterChart>
       <c:valAx>
-        <c:axId val="367177328"/>
+        <c:axId val="1179923072"/>
         <c:scaling>
           <c:orientation val="minMax"/>
         </c:scaling>
@@ -4827,6 +4835,7 @@
               </a:p>
             </c:rich>
           </c:tx>
+          <c:layout/>
           <c:overlay val="0"/>
           <c:spPr>
             <a:noFill/>
@@ -4893,12 +4902,12 @@
             <a:endParaRPr lang="en-US"/>
           </a:p>
         </c:txPr>
-        <c:crossAx val="367187664"/>
+        <c:crossAx val="1179923616"/>
         <c:crosses val="autoZero"/>
         <c:crossBetween val="midCat"/>
       </c:valAx>
       <c:valAx>
-        <c:axId val="367187664"/>
+        <c:axId val="1179923616"/>
         <c:scaling>
           <c:orientation val="minMax"/>
         </c:scaling>
@@ -4944,6 +4953,7 @@
               </a:p>
             </c:rich>
           </c:tx>
+          <c:layout/>
           <c:overlay val="0"/>
           <c:spPr>
             <a:noFill/>
@@ -5010,7 +5020,7 @@
             <a:endParaRPr lang="en-US"/>
           </a:p>
         </c:txPr>
-        <c:crossAx val="367177328"/>
+        <c:crossAx val="1179923072"/>
         <c:crosses val="autoZero"/>
         <c:crossBetween val="midCat"/>
       </c:valAx>
@@ -10686,7 +10696,21 @@
           <a:p>
             <a:r>
               <a:rPr lang="de-DE" dirty="0" smtClean="0"/>
-              <a:t>Daniel Pfeifer, June 16 2016</a:t>
+              <a:t>Daniel </a:t>
+            </a:r>
+            <a:r>
+              <a:rPr lang="de-DE" dirty="0" smtClean="0"/>
+              <a:t>Pfeifer, Heilbronn University (Germany)</a:t>
+            </a:r>
+          </a:p>
+          <a:p>
+            <a:r>
+              <a:rPr lang="de-DE" dirty="0" smtClean="0"/>
+              <a:t>June </a:t>
+            </a:r>
+            <a:r>
+              <a:rPr lang="de-DE" dirty="0" smtClean="0"/>
+              <a:t>16 2016</a:t>
             </a:r>
             <a:endParaRPr lang="de-DE" dirty="0"/>
           </a:p>
@@ -11370,6 +11394,13 @@
   <p:clrMapOvr>
     <a:masterClrMapping/>
   </p:clrMapOvr>
+  <p:timing>
+    <p:tnLst>
+      <p:par>
+        <p:cTn id="1" dur="indefinite" restart="never" nodeType="tmRoot"/>
+      </p:par>
+    </p:tnLst>
+  </p:timing>
 </p:sld>
 </file>
 
@@ -12019,6 +12050,13 @@
   <p:clrMapOvr>
     <a:masterClrMapping/>
   </p:clrMapOvr>
+  <p:timing>
+    <p:tnLst>
+      <p:par>
+        <p:cTn id="1" dur="indefinite" restart="never" nodeType="tmRoot"/>
+      </p:par>
+    </p:tnLst>
+  </p:timing>
 </p:sld>
 </file>
 
@@ -12148,6 +12186,13 @@
   <p:clrMapOvr>
     <a:masterClrMapping/>
   </p:clrMapOvr>
+  <p:timing>
+    <p:tnLst>
+      <p:par>
+        <p:cTn id="1" dur="indefinite" restart="never" nodeType="tmRoot"/>
+      </p:par>
+    </p:tnLst>
+  </p:timing>
 </p:sld>
 </file>
 
@@ -12463,6 +12508,13 @@
   <p:clrMapOvr>
     <a:masterClrMapping/>
   </p:clrMapOvr>
+  <p:timing>
+    <p:tnLst>
+      <p:par>
+        <p:cTn id="1" dur="indefinite" restart="never" nodeType="tmRoot"/>
+      </p:par>
+    </p:tnLst>
+  </p:timing>
 </p:sld>
 </file>
 
@@ -12985,6 +13037,13 @@
   <p:clrMapOvr>
     <a:masterClrMapping/>
   </p:clrMapOvr>
+  <p:timing>
+    <p:tnLst>
+      <p:par>
+        <p:cTn id="1" dur="indefinite" restart="never" nodeType="tmRoot"/>
+      </p:par>
+    </p:tnLst>
+  </p:timing>
 </p:sld>
 </file>
 
@@ -14055,6 +14114,13 @@
   <p:clrMapOvr>
     <a:masterClrMapping/>
   </p:clrMapOvr>
+  <p:timing>
+    <p:tnLst>
+      <p:par>
+        <p:cTn id="1" dur="indefinite" restart="never" nodeType="tmRoot"/>
+      </p:par>
+    </p:tnLst>
+  </p:timing>
 </p:sld>
 </file>
 
@@ -15082,6 +15148,13 @@
   <p:clrMapOvr>
     <a:masterClrMapping/>
   </p:clrMapOvr>
+  <p:timing>
+    <p:tnLst>
+      <p:par>
+        <p:cTn id="1" dur="indefinite" restart="never" nodeType="tmRoot"/>
+      </p:par>
+    </p:tnLst>
+  </p:timing>
 </p:sld>
 </file>
 
@@ -18021,6 +18094,13 @@
   <p:clrMapOvr>
     <a:masterClrMapping/>
   </p:clrMapOvr>
+  <p:timing>
+    <p:tnLst>
+      <p:par>
+        <p:cTn id="1" dur="indefinite" restart="never" nodeType="tmRoot"/>
+      </p:par>
+    </p:tnLst>
+  </p:timing>
 </p:sld>
 </file>
 
@@ -18622,6 +18702,13 @@
   <p:clrMapOvr>
     <a:masterClrMapping/>
   </p:clrMapOvr>
+  <p:timing>
+    <p:tnLst>
+      <p:par>
+        <p:cTn id="1" dur="indefinite" restart="never" nodeType="tmRoot"/>
+      </p:par>
+    </p:tnLst>
+  </p:timing>
 </p:sld>
 </file>
 
@@ -19084,6 +19171,13 @@
   <p:clrMapOvr>
     <a:masterClrMapping/>
   </p:clrMapOvr>
+  <p:timing>
+    <p:tnLst>
+      <p:par>
+        <p:cTn id="1" dur="indefinite" restart="never" nodeType="tmRoot"/>
+      </p:par>
+    </p:tnLst>
+  </p:timing>
 </p:sld>
 </file>
 
@@ -19291,6 +19385,13 @@
   <p:clrMapOvr>
     <a:masterClrMapping/>
   </p:clrMapOvr>
+  <p:timing>
+    <p:tnLst>
+      <p:par>
+        <p:cTn id="1" dur="indefinite" restart="never" nodeType="tmRoot"/>
+      </p:par>
+    </p:tnLst>
+  </p:timing>
 </p:sld>
 </file>
 
@@ -21205,6 +21306,13 @@
   <p:clrMapOvr>
     <a:masterClrMapping/>
   </p:clrMapOvr>
+  <p:timing>
+    <p:tnLst>
+      <p:par>
+        <p:cTn id="1" dur="indefinite" restart="never" nodeType="tmRoot"/>
+      </p:par>
+    </p:tnLst>
+  </p:timing>
 </p:sld>
 </file>
 
@@ -22045,6 +22153,13 @@
   <p:clrMapOvr>
     <a:masterClrMapping/>
   </p:clrMapOvr>
+  <p:timing>
+    <p:tnLst>
+      <p:par>
+        <p:cTn id="1" dur="indefinite" restart="never" nodeType="tmRoot"/>
+      </p:par>
+    </p:tnLst>
+  </p:timing>
 </p:sld>
 </file>
 
@@ -22564,6 +22679,13 @@
   <p:clrMapOvr>
     <a:masterClrMapping/>
   </p:clrMapOvr>
+  <p:timing>
+    <p:tnLst>
+      <p:par>
+        <p:cTn id="1" dur="indefinite" restart="never" nodeType="tmRoot"/>
+      </p:par>
+    </p:tnLst>
+  </p:timing>
 </p:sld>
 </file>
 
@@ -22823,6 +22945,13 @@
   <p:clrMapOvr>
     <a:masterClrMapping/>
   </p:clrMapOvr>
+  <p:timing>
+    <p:tnLst>
+      <p:par>
+        <p:cTn id="1" dur="indefinite" restart="never" nodeType="tmRoot"/>
+      </p:par>
+    </p:tnLst>
+  </p:timing>
 </p:sld>
 </file>
 
@@ -23572,6 +23701,13 @@
   <p:clrMapOvr>
     <a:masterClrMapping/>
   </p:clrMapOvr>
+  <p:timing>
+    <p:tnLst>
+      <p:par>
+        <p:cTn id="1" dur="indefinite" restart="never" nodeType="tmRoot"/>
+      </p:par>
+    </p:tnLst>
+  </p:timing>
 </p:sld>
 </file>
 
